--- a/database/6강 SQL Select Union.pptx
+++ b/database/6강 SQL Select Union.pptx
@@ -25,6 +25,8 @@
     <p:sldId id="417" r:id="rId19"/>
     <p:sldId id="418" r:id="rId20"/>
     <p:sldId id="419" r:id="rId21"/>
+    <p:sldId id="423" r:id="rId22"/>
+    <p:sldId id="424" r:id="rId23"/>
   </p:sldIdLst>
   <p:sldSz cx="12192000" cy="6858000"/>
   <p:notesSz cx="6858000" cy="9144000"/>
@@ -151,6 +153,8 @@
             <p14:sldId id="417"/>
             <p14:sldId id="418"/>
             <p14:sldId id="419"/>
+            <p14:sldId id="423"/>
+            <p14:sldId id="424"/>
           </p14:sldIdLst>
         </p14:section>
       </p14:sectionLst>
@@ -327,7 +331,7 @@
                 </a:solidFill>
               </a:rPr>
               <a:pPr/>
-              <a:t>2022-05-31</a:t>
+              <a:t>2022-06-01</a:t>
             </a:fld>
             <a:endParaRPr lang="ko-KR" altLang="en-US">
               <a:solidFill>
@@ -557,7 +561,7 @@
                 </a:solidFill>
               </a:rPr>
               <a:pPr/>
-              <a:t>2022-05-31</a:t>
+              <a:t>2022-06-01</a:t>
             </a:fld>
             <a:endParaRPr lang="ko-KR" altLang="en-US">
               <a:solidFill>
@@ -797,7 +801,7 @@
                 </a:solidFill>
               </a:rPr>
               <a:pPr/>
-              <a:t>2022-05-31</a:t>
+              <a:t>2022-06-01</a:t>
             </a:fld>
             <a:endParaRPr lang="ko-KR" altLang="en-US">
               <a:solidFill>
@@ -1029,7 +1033,7 @@
                 <a:latin typeface="맑은 고딕" charset="0"/>
                 <a:ea typeface="맑은 고딕" charset="0"/>
               </a:rPr>
-              <a:t>2022-05-31</a:t>
+              <a:t>2022-06-01</a:t>
             </a:fld>
             <a:endParaRPr lang="ko-KR" altLang="en-US">
               <a:solidFill>
@@ -1308,7 +1312,7 @@
                 <a:latin typeface="맑은 고딕" charset="0"/>
                 <a:ea typeface="맑은 고딕" charset="0"/>
               </a:rPr>
-              <a:t>2022-05-31</a:t>
+              <a:t>2022-06-01</a:t>
             </a:fld>
             <a:endParaRPr lang="ko-KR" altLang="en-US">
               <a:solidFill>
@@ -1550,7 +1554,7 @@
                 <a:latin typeface="맑은 고딕" charset="0"/>
                 <a:ea typeface="맑은 고딕" charset="0"/>
               </a:rPr>
-              <a:t>2022-05-31</a:t>
+              <a:t>2022-06-01</a:t>
             </a:fld>
             <a:endParaRPr lang="ko-KR" altLang="en-US">
               <a:solidFill>
@@ -1905,7 +1909,7 @@
                 <a:latin typeface="맑은 고딕" charset="0"/>
                 <a:ea typeface="맑은 고딕" charset="0"/>
               </a:rPr>
-              <a:t>2022-05-31</a:t>
+              <a:t>2022-06-01</a:t>
             </a:fld>
             <a:endParaRPr lang="ko-KR" altLang="en-US">
               <a:solidFill>
@@ -2338,7 +2342,7 @@
                 <a:latin typeface="맑은 고딕" charset="0"/>
                 <a:ea typeface="맑은 고딕" charset="0"/>
               </a:rPr>
-              <a:t>2022-05-31</a:t>
+              <a:t>2022-06-01</a:t>
             </a:fld>
             <a:endParaRPr lang="ko-KR" altLang="en-US">
               <a:solidFill>
@@ -2541,7 +2545,7 @@
                 <a:latin typeface="맑은 고딕" charset="0"/>
                 <a:ea typeface="맑은 고딕" charset="0"/>
               </a:rPr>
-              <a:t>2022-05-31</a:t>
+              <a:t>2022-06-01</a:t>
             </a:fld>
             <a:endParaRPr lang="ko-KR" altLang="en-US">
               <a:solidFill>
@@ -2705,7 +2709,7 @@
                 <a:latin typeface="맑은 고딕" charset="0"/>
                 <a:ea typeface="맑은 고딕" charset="0"/>
               </a:rPr>
-              <a:t>2022-05-31</a:t>
+              <a:t>2022-06-01</a:t>
             </a:fld>
             <a:endParaRPr lang="ko-KR" altLang="en-US">
               <a:solidFill>
@@ -3023,7 +3027,7 @@
                 <a:latin typeface="맑은 고딕" charset="0"/>
                 <a:ea typeface="맑은 고딕" charset="0"/>
               </a:rPr>
-              <a:t>2022-05-31</a:t>
+              <a:t>2022-06-01</a:t>
             </a:fld>
             <a:endParaRPr lang="ko-KR" altLang="en-US">
               <a:solidFill>
@@ -3263,7 +3267,7 @@
                 </a:solidFill>
               </a:rPr>
               <a:pPr/>
-              <a:t>2022-05-31</a:t>
+              <a:t>2022-06-01</a:t>
             </a:fld>
             <a:endParaRPr lang="ko-KR" altLang="en-US">
               <a:solidFill>
@@ -3515,7 +3519,7 @@
                 <a:latin typeface="맑은 고딕" charset="0"/>
                 <a:ea typeface="맑은 고딕" charset="0"/>
               </a:rPr>
-              <a:t>2022-05-31</a:t>
+              <a:t>2022-06-01</a:t>
             </a:fld>
             <a:endParaRPr lang="ko-KR" altLang="en-US">
               <a:solidFill>
@@ -3794,7 +3798,7 @@
                 <a:latin typeface="맑은 고딕" charset="0"/>
                 <a:ea typeface="맑은 고딕" charset="0"/>
               </a:rPr>
-              <a:t>2022-05-31</a:t>
+              <a:t>2022-06-01</a:t>
             </a:fld>
             <a:endParaRPr lang="ko-KR" altLang="en-US">
               <a:solidFill>
@@ -4073,7 +4077,7 @@
                 <a:latin typeface="맑은 고딕" charset="0"/>
                 <a:ea typeface="맑은 고딕" charset="0"/>
               </a:rPr>
-              <a:t>2022-05-31</a:t>
+              <a:t>2022-06-01</a:t>
             </a:fld>
             <a:endParaRPr lang="ko-KR" altLang="en-US">
               <a:solidFill>
@@ -4390,7 +4394,7 @@
                 </a:solidFill>
               </a:rPr>
               <a:pPr/>
-              <a:t>2022-05-31</a:t>
+              <a:t>2022-06-01</a:t>
             </a:fld>
             <a:endParaRPr lang="ko-KR" altLang="en-US">
               <a:solidFill>
@@ -4687,7 +4691,7 @@
                 </a:solidFill>
               </a:rPr>
               <a:pPr/>
-              <a:t>2022-05-31</a:t>
+              <a:t>2022-06-01</a:t>
             </a:fld>
             <a:endParaRPr lang="ko-KR" altLang="en-US">
               <a:solidFill>
@@ -5131,7 +5135,7 @@
                 </a:solidFill>
               </a:rPr>
               <a:pPr/>
-              <a:t>2022-05-31</a:t>
+              <a:t>2022-06-01</a:t>
             </a:fld>
             <a:endParaRPr lang="ko-KR" altLang="en-US">
               <a:solidFill>
@@ -5304,7 +5308,7 @@
                 </a:solidFill>
               </a:rPr>
               <a:pPr/>
-              <a:t>2022-05-31</a:t>
+              <a:t>2022-06-01</a:t>
             </a:fld>
             <a:endParaRPr lang="ko-KR" altLang="en-US">
               <a:solidFill>
@@ -5449,7 +5453,7 @@
                 </a:solidFill>
               </a:rPr>
               <a:pPr/>
-              <a:t>2022-05-31</a:t>
+              <a:t>2022-06-01</a:t>
             </a:fld>
             <a:endParaRPr lang="ko-KR" altLang="en-US">
               <a:solidFill>
@@ -6818,7 +6822,7 @@
                 </a:solidFill>
               </a:rPr>
               <a:pPr/>
-              <a:t>2022-05-31</a:t>
+              <a:t>2022-06-01</a:t>
             </a:fld>
             <a:endParaRPr lang="ko-KR" altLang="en-US">
               <a:solidFill>
@@ -7138,7 +7142,7 @@
                 </a:solidFill>
               </a:rPr>
               <a:pPr/>
-              <a:t>2022-05-31</a:t>
+              <a:t>2022-06-01</a:t>
             </a:fld>
             <a:endParaRPr lang="ko-KR" altLang="en-US">
               <a:solidFill>
@@ -7411,7 +7415,7 @@
                 </a:solidFill>
               </a:rPr>
               <a:pPr/>
-              <a:t>2022-05-31</a:t>
+              <a:t>2022-06-01</a:t>
             </a:fld>
             <a:endParaRPr lang="ko-KR" altLang="en-US">
               <a:solidFill>
@@ -8012,7 +8016,7 @@
                 <a:latin typeface="맑은 고딕" charset="0"/>
                 <a:ea typeface="맑은 고딕" charset="0"/>
               </a:rPr>
-              <a:t>2022-05-31</a:t>
+              <a:t>2022-06-01</a:t>
             </a:fld>
             <a:endParaRPr lang="ko-KR" altLang="en-US">
               <a:solidFill>
@@ -8338,7 +8342,7 @@
               <a:buNone/>
             </a:pPr>
             <a:r>
-              <a:rPr lang="en-US" altLang="ko-KR" dirty="0" smtClean="0">
+              <a:rPr lang="en-US" altLang="ko-KR" dirty="0">
                 <a:solidFill>
                   <a:schemeClr val="bg1"/>
                 </a:solidFill>
@@ -8542,107 +8546,107 @@
               <a:buNone/>
             </a:pPr>
             <a:r>
-              <a:rPr lang="en-US" altLang="ko-KR" dirty="0" smtClean="0"/>
+              <a:rPr lang="en-US" altLang="ko-KR" dirty="0"/>
               <a:t>* </a:t>
             </a:r>
             <a:r>
-              <a:rPr lang="ko-KR" altLang="en-US" dirty="0" smtClean="0"/>
+              <a:rPr lang="ko-KR" altLang="en-US" dirty="0"/>
               <a:t>애칭 </a:t>
             </a:r>
-            <a:endParaRPr lang="en-US" altLang="ko-KR" dirty="0" smtClean="0"/>
+            <a:endParaRPr lang="en-US" altLang="ko-KR" dirty="0"/>
           </a:p>
           <a:p>
             <a:pPr marL="0" indent="0">
               <a:buNone/>
             </a:pPr>
             <a:r>
-              <a:rPr lang="en-US" altLang="ko-KR" sz="2400" dirty="0" smtClean="0"/>
+              <a:rPr lang="en-US" altLang="ko-KR" sz="2400" dirty="0"/>
               <a:t>  </a:t>
             </a:r>
             <a:r>
-              <a:rPr lang="ko-KR" altLang="en-US" sz="2400" dirty="0" smtClean="0"/>
+              <a:rPr lang="ko-KR" altLang="en-US" sz="2400" dirty="0"/>
               <a:t>쿼리 사용 중 테이블</a:t>
             </a:r>
             <a:r>
-              <a:rPr lang="en-US" altLang="ko-KR" sz="2400" dirty="0" smtClean="0"/>
+              <a:rPr lang="en-US" altLang="ko-KR" sz="2400" dirty="0"/>
               <a:t>, </a:t>
             </a:r>
             <a:r>
-              <a:rPr lang="ko-KR" altLang="en-US" sz="2400" dirty="0" smtClean="0"/>
+              <a:rPr lang="ko-KR" altLang="en-US" sz="2400" dirty="0"/>
               <a:t>컬럼</a:t>
             </a:r>
             <a:r>
-              <a:rPr lang="en-US" altLang="ko-KR" sz="2400" dirty="0" smtClean="0"/>
+              <a:rPr lang="en-US" altLang="ko-KR" sz="2400" dirty="0"/>
               <a:t>(</a:t>
             </a:r>
             <a:r>
-              <a:rPr lang="ko-KR" altLang="en-US" sz="2400" dirty="0" err="1" smtClean="0"/>
+              <a:rPr lang="ko-KR" altLang="en-US" sz="2400" dirty="0" err="1"/>
               <a:t>가상컬럼</a:t>
             </a:r>
             <a:r>
-              <a:rPr lang="en-US" altLang="ko-KR" sz="2400" dirty="0" smtClean="0"/>
+              <a:rPr lang="en-US" altLang="ko-KR" sz="2400" dirty="0"/>
               <a:t>, </a:t>
             </a:r>
             <a:r>
-              <a:rPr lang="ko-KR" altLang="en-US" sz="2400" dirty="0" smtClean="0"/>
+              <a:rPr lang="ko-KR" altLang="en-US" sz="2400" dirty="0"/>
               <a:t>테이블 포함</a:t>
             </a:r>
             <a:r>
-              <a:rPr lang="en-US" altLang="ko-KR" sz="2400" dirty="0" smtClean="0"/>
+              <a:rPr lang="en-US" altLang="ko-KR" sz="2400" dirty="0"/>
               <a:t>)</a:t>
             </a:r>
             <a:r>
-              <a:rPr lang="ko-KR" altLang="en-US" sz="2400" dirty="0" smtClean="0"/>
+              <a:rPr lang="ko-KR" altLang="en-US" sz="2400" dirty="0"/>
               <a:t>에 애칭을 주어 사용 가능</a:t>
             </a:r>
-            <a:endParaRPr lang="en-US" altLang="ko-KR" sz="2400" dirty="0" smtClean="0"/>
+            <a:endParaRPr lang="en-US" altLang="ko-KR" sz="2400" dirty="0"/>
           </a:p>
           <a:p>
             <a:pPr marL="0" indent="0">
               <a:buNone/>
             </a:pPr>
             <a:r>
-              <a:rPr lang="en-US" altLang="ko-KR" sz="2400" dirty="0" smtClean="0"/>
+              <a:rPr lang="en-US" altLang="ko-KR" sz="2400" dirty="0"/>
               <a:t>     Select </a:t>
             </a:r>
             <a:r>
-              <a:rPr lang="en-US" altLang="ko-KR" sz="2400" dirty="0" err="1" smtClean="0"/>
+              <a:rPr lang="en-US" altLang="ko-KR" sz="2400" dirty="0" err="1"/>
               <a:t>mst</a:t>
             </a:r>
             <a:r>
-              <a:rPr lang="en-US" altLang="ko-KR" sz="2400" dirty="0" smtClean="0"/>
+              <a:rPr lang="en-US" altLang="ko-KR" sz="2400" dirty="0"/>
               <a:t>.</a:t>
             </a:r>
             <a:r>
-              <a:rPr lang="ko-KR" altLang="en-US" sz="2400" dirty="0" err="1" smtClean="0"/>
+              <a:rPr lang="ko-KR" altLang="en-US" sz="2400" dirty="0" err="1"/>
               <a:t>컬럼명</a:t>
             </a:r>
             <a:r>
-              <a:rPr lang="ko-KR" altLang="en-US" sz="2400" dirty="0" smtClean="0"/>
+              <a:rPr lang="ko-KR" altLang="en-US" sz="2400" dirty="0"/>
               <a:t> </a:t>
             </a:r>
             <a:r>
-              <a:rPr lang="en-US" altLang="ko-KR" sz="2400" dirty="0" smtClean="0"/>
+              <a:rPr lang="en-US" altLang="ko-KR" sz="2400" dirty="0"/>
               <a:t>AS A1, </a:t>
             </a:r>
             <a:r>
-              <a:rPr lang="en-US" altLang="ko-KR" sz="2400" dirty="0" err="1" smtClean="0"/>
+              <a:rPr lang="en-US" altLang="ko-KR" sz="2400" dirty="0" err="1"/>
               <a:t>mst</a:t>
             </a:r>
             <a:r>
-              <a:rPr lang="en-US" altLang="ko-KR" sz="2400" dirty="0" smtClean="0"/>
+              <a:rPr lang="en-US" altLang="ko-KR" sz="2400" dirty="0"/>
               <a:t>.</a:t>
             </a:r>
             <a:r>
-              <a:rPr lang="ko-KR" altLang="en-US" sz="2400" dirty="0" err="1" smtClean="0"/>
+              <a:rPr lang="ko-KR" altLang="en-US" sz="2400" dirty="0" err="1"/>
               <a:t>컬럼명</a:t>
             </a:r>
             <a:r>
-              <a:rPr lang="ko-KR" altLang="en-US" sz="2400" dirty="0" smtClean="0"/>
+              <a:rPr lang="ko-KR" altLang="en-US" sz="2400" dirty="0"/>
               <a:t> </a:t>
             </a:r>
             <a:r>
-              <a:rPr lang="en-US" altLang="ko-KR" sz="2400" dirty="0" smtClean="0"/>
+              <a:rPr lang="en-US" altLang="ko-KR" sz="2400" dirty="0"/>
               <a:t>AS A2…</a:t>
             </a:r>
           </a:p>
@@ -8652,26 +8656,26 @@
               <a:buNone/>
             </a:pPr>
             <a:r>
-              <a:rPr lang="en-US" altLang="ko-KR" sz="2400" dirty="0" smtClean="0"/>
+              <a:rPr lang="en-US" altLang="ko-KR" sz="2400" dirty="0"/>
               <a:t>       from </a:t>
             </a:r>
             <a:r>
-              <a:rPr lang="ko-KR" altLang="en-US" sz="2400" dirty="0" err="1" smtClean="0"/>
+              <a:rPr lang="ko-KR" altLang="en-US" sz="2400" dirty="0" err="1"/>
               <a:t>테이블명</a:t>
             </a:r>
             <a:r>
-              <a:rPr lang="ko-KR" altLang="en-US" sz="2400" dirty="0" smtClean="0"/>
+              <a:rPr lang="ko-KR" altLang="en-US" sz="2400" dirty="0"/>
               <a:t> </a:t>
             </a:r>
             <a:r>
-              <a:rPr lang="en-US" altLang="ko-KR" sz="2400" dirty="0" smtClean="0"/>
+              <a:rPr lang="en-US" altLang="ko-KR" sz="2400" dirty="0"/>
               <a:t>AS </a:t>
             </a:r>
             <a:r>
-              <a:rPr lang="en-US" altLang="ko-KR" sz="2400" dirty="0" err="1" smtClean="0"/>
+              <a:rPr lang="en-US" altLang="ko-KR" sz="2400" dirty="0" err="1"/>
               <a:t>mst</a:t>
             </a:r>
-            <a:endParaRPr lang="en-US" altLang="ko-KR" sz="2400" dirty="0" smtClean="0"/>
+            <a:endParaRPr lang="en-US" altLang="ko-KR" sz="2400" dirty="0"/>
           </a:p>
           <a:p>
             <a:pPr marL="0" indent="0">
@@ -8679,43 +8683,43 @@
               <a:buNone/>
             </a:pPr>
             <a:r>
-              <a:rPr lang="en-US" altLang="ko-KR" sz="2400" dirty="0" smtClean="0"/>
+              <a:rPr lang="en-US" altLang="ko-KR" sz="2400" dirty="0"/>
               <a:t>   </a:t>
             </a:r>
             <a:r>
-              <a:rPr lang="ko-KR" altLang="en-US" sz="2400" dirty="0" smtClean="0"/>
+              <a:rPr lang="ko-KR" altLang="en-US" sz="2400" dirty="0"/>
               <a:t> </a:t>
             </a:r>
             <a:r>
-              <a:rPr lang="en-US" altLang="ko-KR" sz="2400" dirty="0" smtClean="0"/>
+              <a:rPr lang="en-US" altLang="ko-KR" sz="2400" dirty="0"/>
               <a:t>Where </a:t>
             </a:r>
             <a:r>
-              <a:rPr lang="en-US" altLang="ko-KR" sz="2400" dirty="0" err="1" smtClean="0"/>
+              <a:rPr lang="en-US" altLang="ko-KR" sz="2400" dirty="0" err="1"/>
               <a:t>mst</a:t>
             </a:r>
             <a:r>
-              <a:rPr lang="en-US" altLang="ko-KR" sz="2400" dirty="0" smtClean="0"/>
+              <a:rPr lang="en-US" altLang="ko-KR" sz="2400" dirty="0"/>
               <a:t>.</a:t>
             </a:r>
             <a:r>
-              <a:rPr lang="ko-KR" altLang="en-US" sz="2400" dirty="0" err="1" smtClean="0"/>
+              <a:rPr lang="ko-KR" altLang="en-US" sz="2400" dirty="0" err="1"/>
               <a:t>컬럼명</a:t>
             </a:r>
             <a:r>
-              <a:rPr lang="ko-KR" altLang="en-US" sz="2400" dirty="0" smtClean="0"/>
+              <a:rPr lang="ko-KR" altLang="en-US" sz="2400" dirty="0"/>
               <a:t> </a:t>
             </a:r>
             <a:r>
-              <a:rPr lang="en-US" altLang="ko-KR" sz="2400" dirty="0" smtClean="0"/>
+              <a:rPr lang="en-US" altLang="ko-KR" sz="2400" dirty="0"/>
               <a:t>= </a:t>
             </a:r>
             <a:r>
-              <a:rPr lang="ko-KR" altLang="en-US" sz="2400" dirty="0" smtClean="0"/>
+              <a:rPr lang="ko-KR" altLang="en-US" sz="2400" dirty="0"/>
               <a:t>조건</a:t>
             </a:r>
             <a:r>
-              <a:rPr lang="en-US" altLang="ko-KR" sz="2400" dirty="0" smtClean="0"/>
+              <a:rPr lang="en-US" altLang="ko-KR" sz="2400" dirty="0"/>
               <a:t>;</a:t>
             </a:r>
           </a:p>
@@ -8810,7 +8814,7 @@
               <a:buNone/>
             </a:pPr>
             <a:r>
-              <a:rPr lang="en-US" altLang="ko-KR" dirty="0" smtClean="0">
+              <a:rPr lang="en-US" altLang="ko-KR" dirty="0">
                 <a:solidFill>
                   <a:schemeClr val="bg1"/>
                 </a:solidFill>
@@ -9014,7 +9018,7 @@
               <a:buNone/>
             </a:pPr>
             <a:r>
-              <a:rPr lang="en-US" altLang="ko-KR" dirty="0" smtClean="0"/>
+              <a:rPr lang="en-US" altLang="ko-KR" dirty="0"/>
               <a:t>1.Select</a:t>
             </a:r>
           </a:p>
@@ -9024,11 +9028,11 @@
               <a:buNone/>
             </a:pPr>
             <a:r>
-              <a:rPr lang="en-US" altLang="ko-KR" sz="2400" dirty="0" smtClean="0"/>
+              <a:rPr lang="en-US" altLang="ko-KR" sz="2400" dirty="0"/>
               <a:t>  6)</a:t>
             </a:r>
             <a:r>
-              <a:rPr lang="ko-KR" altLang="en-US" sz="2400" dirty="0" smtClean="0"/>
+              <a:rPr lang="ko-KR" altLang="en-US" sz="2400" dirty="0"/>
               <a:t> 서브 쿼리</a:t>
             </a:r>
             <a:endParaRPr lang="en-US" altLang="ko-KR" sz="2400" dirty="0"/>
@@ -9039,26 +9043,26 @@
               <a:buNone/>
             </a:pPr>
             <a:r>
-              <a:rPr lang="en-US" altLang="ko-KR" sz="2000" dirty="0" smtClean="0"/>
+              <a:rPr lang="en-US" altLang="ko-KR" sz="2000" dirty="0"/>
               <a:t>    </a:t>
             </a:r>
             <a:r>
-              <a:rPr lang="ko-KR" altLang="en-US" sz="2000" dirty="0" smtClean="0"/>
+              <a:rPr lang="ko-KR" altLang="en-US" sz="2000" dirty="0"/>
               <a:t>가</a:t>
             </a:r>
             <a:r>
-              <a:rPr lang="en-US" altLang="ko-KR" sz="2000" dirty="0" smtClean="0"/>
+              <a:rPr lang="en-US" altLang="ko-KR" sz="2000" dirty="0"/>
               <a:t>) </a:t>
             </a:r>
             <a:r>
-              <a:rPr lang="ko-KR" altLang="en-US" sz="2000" dirty="0" err="1" smtClean="0"/>
+              <a:rPr lang="ko-KR" altLang="en-US" sz="2000" dirty="0" err="1"/>
               <a:t>컬럼형</a:t>
             </a:r>
             <a:r>
-              <a:rPr lang="ko-KR" altLang="en-US" sz="2000" dirty="0" smtClean="0"/>
+              <a:rPr lang="ko-KR" altLang="en-US" sz="2000" dirty="0"/>
               <a:t> 서브 쿼리</a:t>
             </a:r>
-            <a:endParaRPr lang="en-US" altLang="ko-KR" sz="2000" dirty="0" smtClean="0"/>
+            <a:endParaRPr lang="en-US" altLang="ko-KR" sz="2000" dirty="0"/>
           </a:p>
           <a:p>
             <a:pPr marL="0" indent="0">
@@ -9066,23 +9070,23 @@
               <a:buNone/>
             </a:pPr>
             <a:r>
-              <a:rPr lang="en-US" altLang="ko-KR" sz="1800" dirty="0" smtClean="0"/>
+              <a:rPr lang="en-US" altLang="ko-KR" sz="1800" dirty="0"/>
               <a:t>     Select </a:t>
             </a:r>
             <a:r>
-              <a:rPr lang="ko-KR" altLang="en-US" sz="1800" dirty="0" err="1" smtClean="0"/>
+              <a:rPr lang="ko-KR" altLang="en-US" sz="1800" dirty="0" err="1"/>
               <a:t>컬럼명</a:t>
             </a:r>
             <a:r>
-              <a:rPr lang="en-US" altLang="ko-KR" sz="1800" dirty="0" smtClean="0"/>
+              <a:rPr lang="en-US" altLang="ko-KR" sz="1800" dirty="0"/>
               <a:t>, </a:t>
             </a:r>
             <a:r>
-              <a:rPr lang="ko-KR" altLang="en-US" sz="1800" dirty="0" err="1" smtClean="0"/>
+              <a:rPr lang="ko-KR" altLang="en-US" sz="1800" dirty="0" err="1"/>
               <a:t>컬럼명</a:t>
             </a:r>
             <a:r>
-              <a:rPr lang="en-US" altLang="ko-KR" sz="1800" dirty="0" smtClean="0"/>
+              <a:rPr lang="en-US" altLang="ko-KR" sz="1800" dirty="0"/>
               <a:t>…</a:t>
             </a:r>
           </a:p>
@@ -9092,35 +9096,35 @@
               <a:buNone/>
             </a:pPr>
             <a:r>
-              <a:rPr lang="en-US" altLang="ko-KR" sz="1800" dirty="0" smtClean="0"/>
+              <a:rPr lang="en-US" altLang="ko-KR" sz="1800" dirty="0"/>
               <a:t>             ,(Select B1.</a:t>
             </a:r>
             <a:r>
-              <a:rPr lang="ko-KR" altLang="en-US" sz="1800" dirty="0" err="1" smtClean="0"/>
+              <a:rPr lang="ko-KR" altLang="en-US" sz="1800" dirty="0" err="1"/>
               <a:t>컬럼명</a:t>
             </a:r>
             <a:r>
-              <a:rPr lang="ko-KR" altLang="en-US" sz="1800" dirty="0" smtClean="0"/>
+              <a:rPr lang="ko-KR" altLang="en-US" sz="1800" dirty="0"/>
               <a:t> </a:t>
             </a:r>
             <a:r>
-              <a:rPr lang="en-US" altLang="ko-KR" sz="1800" dirty="0" smtClean="0"/>
+              <a:rPr lang="en-US" altLang="ko-KR" sz="1800" dirty="0"/>
               <a:t>from </a:t>
             </a:r>
             <a:r>
-              <a:rPr lang="ko-KR" altLang="en-US" sz="1800" dirty="0" err="1" smtClean="0"/>
+              <a:rPr lang="ko-KR" altLang="en-US" sz="1800" dirty="0" err="1"/>
               <a:t>테이블명</a:t>
             </a:r>
             <a:r>
-              <a:rPr lang="en-US" altLang="ko-KR" sz="1800" dirty="0" smtClean="0"/>
+              <a:rPr lang="en-US" altLang="ko-KR" sz="1800" dirty="0"/>
               <a:t>B AS B1 where </a:t>
             </a:r>
             <a:r>
-              <a:rPr lang="ko-KR" altLang="en-US" sz="1800" dirty="0" smtClean="0"/>
+              <a:rPr lang="ko-KR" altLang="en-US" sz="1800" dirty="0"/>
               <a:t>조건</a:t>
             </a:r>
             <a:r>
-              <a:rPr lang="en-US" altLang="ko-KR" sz="1800" dirty="0" smtClean="0"/>
+              <a:rPr lang="en-US" altLang="ko-KR" sz="1800" dirty="0"/>
               <a:t>) AS new1</a:t>
             </a:r>
           </a:p>
@@ -9130,19 +9134,19 @@
               <a:buNone/>
             </a:pPr>
             <a:r>
-              <a:rPr lang="en-US" altLang="ko-KR" sz="1800" dirty="0" smtClean="0"/>
+              <a:rPr lang="en-US" altLang="ko-KR" sz="1800" dirty="0"/>
               <a:t>       from </a:t>
             </a:r>
             <a:r>
-              <a:rPr lang="ko-KR" altLang="en-US" sz="1800" dirty="0" err="1" smtClean="0"/>
+              <a:rPr lang="ko-KR" altLang="en-US" sz="1800" dirty="0" err="1"/>
               <a:t>테이블명</a:t>
             </a:r>
             <a:r>
-              <a:rPr lang="ko-KR" altLang="en-US" sz="1800" dirty="0" smtClean="0"/>
+              <a:rPr lang="ko-KR" altLang="en-US" sz="1800" dirty="0"/>
               <a:t> </a:t>
             </a:r>
             <a:r>
-              <a:rPr lang="en-US" altLang="ko-KR" sz="1800" dirty="0" smtClean="0"/>
+              <a:rPr lang="en-US" altLang="ko-KR" sz="1800" dirty="0"/>
               <a:t>AS A1</a:t>
             </a:r>
           </a:p>
@@ -9152,23 +9156,23 @@
               <a:buNone/>
             </a:pPr>
             <a:r>
-              <a:rPr lang="en-US" altLang="ko-KR" sz="1800" dirty="0" smtClean="0"/>
+              <a:rPr lang="en-US" altLang="ko-KR" sz="1800" dirty="0"/>
               <a:t>   </a:t>
             </a:r>
             <a:r>
-              <a:rPr lang="ko-KR" altLang="en-US" sz="1800" dirty="0" smtClean="0"/>
+              <a:rPr lang="ko-KR" altLang="en-US" sz="1800" dirty="0"/>
               <a:t> </a:t>
             </a:r>
             <a:r>
-              <a:rPr lang="en-US" altLang="ko-KR" sz="1800" dirty="0" smtClean="0"/>
+              <a:rPr lang="en-US" altLang="ko-KR" sz="1800" dirty="0"/>
               <a:t>Where </a:t>
             </a:r>
             <a:r>
-              <a:rPr lang="ko-KR" altLang="en-US" sz="1800" dirty="0" smtClean="0"/>
+              <a:rPr lang="ko-KR" altLang="en-US" sz="1800" dirty="0"/>
               <a:t>조건</a:t>
             </a:r>
             <a:r>
-              <a:rPr lang="en-US" altLang="ko-KR" sz="1800" dirty="0" smtClean="0"/>
+              <a:rPr lang="en-US" altLang="ko-KR" sz="1800" dirty="0"/>
               <a:t>;</a:t>
             </a:r>
           </a:p>
@@ -9263,7 +9267,7 @@
               <a:buNone/>
             </a:pPr>
             <a:r>
-              <a:rPr lang="en-US" altLang="ko-KR" dirty="0" smtClean="0">
+              <a:rPr lang="en-US" altLang="ko-KR" dirty="0">
                 <a:solidFill>
                   <a:schemeClr val="bg1"/>
                 </a:solidFill>
@@ -9467,7 +9471,7 @@
               <a:buNone/>
             </a:pPr>
             <a:r>
-              <a:rPr lang="en-US" altLang="ko-KR" dirty="0" smtClean="0"/>
+              <a:rPr lang="en-US" altLang="ko-KR" dirty="0"/>
               <a:t>1.Select</a:t>
             </a:r>
           </a:p>
@@ -9477,29 +9481,29 @@
               <a:buNone/>
             </a:pPr>
             <a:r>
-              <a:rPr lang="en-US" altLang="ko-KR" sz="2400" dirty="0" smtClean="0"/>
+              <a:rPr lang="en-US" altLang="ko-KR" sz="2400" dirty="0"/>
               <a:t>  6) </a:t>
             </a:r>
             <a:r>
-              <a:rPr lang="ko-KR" altLang="en-US" sz="2400" dirty="0" smtClean="0"/>
+              <a:rPr lang="ko-KR" altLang="en-US" sz="2400" dirty="0"/>
               <a:t>서브 쿼리</a:t>
             </a:r>
-            <a:endParaRPr lang="en-US" altLang="ko-KR" sz="2400" dirty="0" smtClean="0"/>
+            <a:endParaRPr lang="en-US" altLang="ko-KR" sz="2400" dirty="0"/>
           </a:p>
           <a:p>
             <a:pPr marL="0" indent="0">
               <a:buNone/>
             </a:pPr>
             <a:r>
-              <a:rPr lang="en-US" altLang="ko-KR" sz="1800" dirty="0" smtClean="0"/>
+              <a:rPr lang="en-US" altLang="ko-KR" sz="1800" dirty="0"/>
               <a:t>    </a:t>
             </a:r>
             <a:r>
-              <a:rPr lang="ko-KR" altLang="en-US" sz="1800" dirty="0" smtClean="0"/>
+              <a:rPr lang="ko-KR" altLang="en-US" sz="1800" dirty="0"/>
               <a:t>나</a:t>
             </a:r>
             <a:r>
-              <a:rPr lang="en-US" altLang="ko-KR" sz="1800" dirty="0" smtClean="0"/>
+              <a:rPr lang="en-US" altLang="ko-KR" sz="1800" dirty="0"/>
               <a:t>) </a:t>
             </a:r>
             <a:r>
@@ -9510,7 +9514,7 @@
               <a:rPr lang="ko-KR" altLang="en-US" sz="1800" dirty="0"/>
               <a:t> 서브 쿼리 </a:t>
             </a:r>
-            <a:endParaRPr lang="en-US" altLang="ko-KR" sz="1800" dirty="0" smtClean="0"/>
+            <a:endParaRPr lang="en-US" altLang="ko-KR" sz="1800" dirty="0"/>
           </a:p>
           <a:p>
             <a:pPr marL="0" indent="0">
@@ -9518,121 +9522,117 @@
             </a:pPr>
             <a:r>
               <a:rPr lang="en-US" altLang="ko-KR" sz="1800" dirty="0"/>
+              <a:t>    Select </a:t>
+            </a:r>
+            <a:r>
+              <a:rPr lang="ko-KR" altLang="en-US" sz="1800" dirty="0" err="1"/>
+              <a:t>컬럼명</a:t>
+            </a:r>
+            <a:r>
+              <a:rPr lang="en-US" altLang="ko-KR" sz="1800" dirty="0"/>
+              <a:t>, </a:t>
+            </a:r>
+            <a:r>
+              <a:rPr lang="ko-KR" altLang="en-US" sz="1800" dirty="0" err="1"/>
+              <a:t>컬럼명</a:t>
+            </a:r>
+            <a:r>
+              <a:rPr lang="en-US" altLang="ko-KR" sz="1800" dirty="0"/>
+              <a:t>…</a:t>
+            </a:r>
+          </a:p>
+          <a:p>
+            <a:pPr marL="0" indent="0">
+              <a:buFont typeface="Arial" panose="020B0604020202020204" pitchFamily="34" charset="0"/>
+              <a:buNone/>
+            </a:pPr>
+            <a:r>
+              <a:rPr lang="en-US" altLang="ko-KR" sz="1800" dirty="0"/>
+              <a:t>      from </a:t>
+            </a:r>
+            <a:r>
+              <a:rPr lang="ko-KR" altLang="en-US" sz="1800" dirty="0" err="1"/>
+              <a:t>테이블명</a:t>
+            </a:r>
+            <a:r>
+              <a:rPr lang="ko-KR" altLang="en-US" sz="1800" dirty="0"/>
               <a:t> </a:t>
             </a:r>
             <a:r>
-              <a:rPr lang="en-US" altLang="ko-KR" sz="1800" dirty="0" smtClean="0"/>
-              <a:t>   Select </a:t>
-            </a:r>
-            <a:r>
-              <a:rPr lang="ko-KR" altLang="en-US" sz="1800" dirty="0" err="1" smtClean="0"/>
+              <a:rPr lang="en-US" altLang="ko-KR" sz="1800" dirty="0"/>
+              <a:t>AS A1</a:t>
+            </a:r>
+          </a:p>
+          <a:p>
+            <a:pPr marL="0" indent="0">
+              <a:buFont typeface="Arial" panose="020B0604020202020204" pitchFamily="34" charset="0"/>
+              <a:buNone/>
+            </a:pPr>
+            <a:r>
+              <a:rPr lang="en-US" altLang="ko-KR" sz="1800" dirty="0"/>
+              <a:t>   </a:t>
+            </a:r>
+            <a:r>
+              <a:rPr lang="ko-KR" altLang="en-US" sz="1800" dirty="0"/>
+              <a:t> </a:t>
+            </a:r>
+            <a:r>
+              <a:rPr lang="en-US" altLang="ko-KR" sz="1800" dirty="0"/>
+              <a:t>Where </a:t>
+            </a:r>
+            <a:r>
+              <a:rPr lang="ko-KR" altLang="en-US" sz="1800" dirty="0"/>
+              <a:t>조건</a:t>
+            </a:r>
+            <a:endParaRPr lang="en-US" altLang="ko-KR" sz="1800" dirty="0"/>
+          </a:p>
+          <a:p>
+            <a:pPr marL="0" indent="0">
+              <a:buFont typeface="Arial" panose="020B0604020202020204" pitchFamily="34" charset="0"/>
+              <a:buNone/>
+            </a:pPr>
+            <a:r>
+              <a:rPr lang="en-US" altLang="ko-KR" sz="1800" dirty="0"/>
+              <a:t>        and A1.</a:t>
+            </a:r>
+            <a:r>
+              <a:rPr lang="ko-KR" altLang="en-US" sz="1800" dirty="0" err="1"/>
               <a:t>컬럼명</a:t>
             </a:r>
             <a:r>
-              <a:rPr lang="en-US" altLang="ko-KR" sz="1800" dirty="0" smtClean="0"/>
-              <a:t>, </a:t>
-            </a:r>
-            <a:r>
-              <a:rPr lang="ko-KR" altLang="en-US" sz="1800" dirty="0" err="1" smtClean="0"/>
+              <a:rPr lang="ko-KR" altLang="en-US" sz="1800" dirty="0"/>
+              <a:t> </a:t>
+            </a:r>
+            <a:r>
+              <a:rPr lang="en-US" altLang="ko-KR" sz="1800" dirty="0"/>
+              <a:t>= (Select B1.</a:t>
+            </a:r>
+            <a:r>
+              <a:rPr lang="ko-KR" altLang="en-US" sz="1800" dirty="0" err="1"/>
               <a:t>컬럼명</a:t>
             </a:r>
             <a:r>
-              <a:rPr lang="en-US" altLang="ko-KR" sz="1800" dirty="0" smtClean="0"/>
-              <a:t>…</a:t>
-            </a:r>
-          </a:p>
-          <a:p>
-            <a:pPr marL="0" indent="0">
-              <a:buFont typeface="Arial" panose="020B0604020202020204" pitchFamily="34" charset="0"/>
-              <a:buNone/>
-            </a:pPr>
-            <a:r>
-              <a:rPr lang="en-US" altLang="ko-KR" sz="1800" dirty="0" smtClean="0"/>
-              <a:t>      from </a:t>
-            </a:r>
-            <a:r>
-              <a:rPr lang="ko-KR" altLang="en-US" sz="1800" dirty="0" err="1" smtClean="0"/>
+              <a:rPr lang="ko-KR" altLang="en-US" sz="1800" dirty="0"/>
+              <a:t> </a:t>
+            </a:r>
+            <a:r>
+              <a:rPr lang="en-US" altLang="ko-KR" sz="1800" dirty="0"/>
+              <a:t>from </a:t>
+            </a:r>
+            <a:r>
+              <a:rPr lang="ko-KR" altLang="en-US" sz="1800" dirty="0" err="1"/>
               <a:t>테이블명</a:t>
             </a:r>
             <a:r>
-              <a:rPr lang="ko-KR" altLang="en-US" sz="1800" dirty="0" smtClean="0"/>
-              <a:t> </a:t>
-            </a:r>
-            <a:r>
-              <a:rPr lang="en-US" altLang="ko-KR" sz="1800" dirty="0" smtClean="0"/>
-              <a:t>AS A1</a:t>
-            </a:r>
-          </a:p>
-          <a:p>
-            <a:pPr marL="0" indent="0">
-              <a:buFont typeface="Arial" panose="020B0604020202020204" pitchFamily="34" charset="0"/>
-              <a:buNone/>
-            </a:pPr>
-            <a:r>
-              <a:rPr lang="en-US" altLang="ko-KR" sz="1800" dirty="0" smtClean="0"/>
-              <a:t>   </a:t>
-            </a:r>
-            <a:r>
-              <a:rPr lang="ko-KR" altLang="en-US" sz="1800" dirty="0" smtClean="0"/>
-              <a:t> </a:t>
-            </a:r>
-            <a:r>
-              <a:rPr lang="en-US" altLang="ko-KR" sz="1800" dirty="0" smtClean="0"/>
-              <a:t>Where </a:t>
-            </a:r>
-            <a:r>
-              <a:rPr lang="ko-KR" altLang="en-US" sz="1800" dirty="0" smtClean="0"/>
+              <a:rPr lang="en-US" altLang="ko-KR" sz="1800" dirty="0"/>
+              <a:t>B AS B1 where </a:t>
+            </a:r>
+            <a:r>
+              <a:rPr lang="ko-KR" altLang="en-US" sz="1800" dirty="0"/>
               <a:t>조건</a:t>
             </a:r>
-            <a:endParaRPr lang="en-US" altLang="ko-KR" sz="1800" dirty="0" smtClean="0"/>
-          </a:p>
-          <a:p>
-            <a:pPr marL="0" indent="0">
-              <a:buFont typeface="Arial" panose="020B0604020202020204" pitchFamily="34" charset="0"/>
-              <a:buNone/>
-            </a:pPr>
-            <a:r>
-              <a:rPr lang="en-US" altLang="ko-KR" sz="1800" dirty="0" smtClean="0"/>
-              <a:t>        and A1.</a:t>
-            </a:r>
-            <a:r>
-              <a:rPr lang="ko-KR" altLang="en-US" sz="1800" dirty="0" err="1" smtClean="0"/>
-              <a:t>컬럼명</a:t>
-            </a:r>
-            <a:r>
-              <a:rPr lang="ko-KR" altLang="en-US" sz="1800" dirty="0" smtClean="0"/>
-              <a:t> </a:t>
-            </a:r>
-            <a:r>
-              <a:rPr lang="en-US" altLang="ko-KR" sz="1800" dirty="0" smtClean="0"/>
-              <a:t>= (Select B1.</a:t>
-            </a:r>
-            <a:r>
-              <a:rPr lang="ko-KR" altLang="en-US" sz="1800" dirty="0" err="1" smtClean="0"/>
-              <a:t>컬럼명</a:t>
-            </a:r>
-            <a:r>
-              <a:rPr lang="ko-KR" altLang="en-US" sz="1800" dirty="0" smtClean="0"/>
-              <a:t> </a:t>
-            </a:r>
-            <a:r>
-              <a:rPr lang="en-US" altLang="ko-KR" sz="1800" dirty="0" smtClean="0"/>
-              <a:t>from </a:t>
-            </a:r>
-            <a:r>
-              <a:rPr lang="ko-KR" altLang="en-US" sz="1800" dirty="0" err="1" smtClean="0"/>
-              <a:t>테이블명</a:t>
-            </a:r>
-            <a:r>
-              <a:rPr lang="en-US" altLang="ko-KR" sz="1800" dirty="0" smtClean="0"/>
-              <a:t>B AS B1 where </a:t>
-            </a:r>
-            <a:r>
-              <a:rPr lang="ko-KR" altLang="en-US" sz="1800" dirty="0" smtClean="0"/>
-              <a:t>조건</a:t>
-            </a:r>
-            <a:r>
-              <a:rPr lang="en-US" altLang="ko-KR" sz="1800" dirty="0" smtClean="0"/>
+            <a:r>
+              <a:rPr lang="en-US" altLang="ko-KR" sz="1800" dirty="0"/>
               <a:t>);</a:t>
             </a:r>
           </a:p>
@@ -9727,7 +9727,7 @@
               <a:buNone/>
             </a:pPr>
             <a:r>
-              <a:rPr lang="en-US" altLang="ko-KR" dirty="0" smtClean="0">
+              <a:rPr lang="en-US" altLang="ko-KR" dirty="0">
                 <a:solidFill>
                   <a:schemeClr val="bg1"/>
                 </a:solidFill>
@@ -9931,7 +9931,7 @@
               <a:buNone/>
             </a:pPr>
             <a:r>
-              <a:rPr lang="en-US" altLang="ko-KR" dirty="0" smtClean="0"/>
+              <a:rPr lang="en-US" altLang="ko-KR" dirty="0"/>
               <a:t>1.Select</a:t>
             </a:r>
           </a:p>
@@ -9941,49 +9941,45 @@
               <a:buNone/>
             </a:pPr>
             <a:r>
-              <a:rPr lang="en-US" altLang="ko-KR" sz="2400" dirty="0" smtClean="0"/>
-              <a:t>  </a:t>
-            </a:r>
-            <a:r>
-              <a:rPr lang="en-US" altLang="ko-KR" sz="2400" dirty="0" smtClean="0"/>
-              <a:t>7) </a:t>
-            </a:r>
-            <a:r>
-              <a:rPr lang="ko-KR" altLang="en-US" sz="2400" dirty="0" smtClean="0"/>
+              <a:rPr lang="en-US" altLang="ko-KR" sz="2400" dirty="0"/>
+              <a:t>  7) </a:t>
+            </a:r>
+            <a:r>
+              <a:rPr lang="ko-KR" altLang="en-US" sz="2400" dirty="0"/>
               <a:t>정렬 </a:t>
             </a:r>
             <a:r>
-              <a:rPr lang="en-US" altLang="ko-KR" sz="2400" dirty="0" smtClean="0"/>
+              <a:rPr lang="en-US" altLang="ko-KR" sz="2400" dirty="0"/>
               <a:t>- </a:t>
             </a:r>
             <a:r>
-              <a:rPr lang="ko-KR" altLang="en-US" sz="2400" dirty="0" smtClean="0"/>
+              <a:rPr lang="ko-KR" altLang="en-US" sz="2400" dirty="0"/>
               <a:t>오름차순</a:t>
             </a:r>
-            <a:endParaRPr lang="en-US" altLang="ko-KR" sz="2400" dirty="0" smtClean="0"/>
+            <a:endParaRPr lang="en-US" altLang="ko-KR" sz="2400" dirty="0"/>
           </a:p>
           <a:p>
             <a:pPr marL="0" indent="0">
               <a:buNone/>
             </a:pPr>
             <a:r>
-              <a:rPr lang="en-US" altLang="ko-KR" sz="1800" dirty="0" smtClean="0"/>
+              <a:rPr lang="en-US" altLang="ko-KR" sz="1800" dirty="0"/>
               <a:t>     Select </a:t>
             </a:r>
             <a:r>
-              <a:rPr lang="ko-KR" altLang="en-US" sz="1800" dirty="0" err="1" smtClean="0"/>
+              <a:rPr lang="ko-KR" altLang="en-US" sz="1800" dirty="0" err="1"/>
               <a:t>컬럼명</a:t>
             </a:r>
             <a:r>
-              <a:rPr lang="en-US" altLang="ko-KR" sz="1800" dirty="0" smtClean="0"/>
+              <a:rPr lang="en-US" altLang="ko-KR" sz="1800" dirty="0"/>
               <a:t>, </a:t>
             </a:r>
             <a:r>
-              <a:rPr lang="ko-KR" altLang="en-US" sz="1800" dirty="0" err="1" smtClean="0"/>
+              <a:rPr lang="ko-KR" altLang="en-US" sz="1800" dirty="0" err="1"/>
               <a:t>컬럼명</a:t>
             </a:r>
             <a:r>
-              <a:rPr lang="en-US" altLang="ko-KR" sz="1800" dirty="0" smtClean="0"/>
+              <a:rPr lang="en-US" altLang="ko-KR" sz="1800" dirty="0"/>
               <a:t>…</a:t>
             </a:r>
           </a:p>
@@ -9993,19 +9989,19 @@
               <a:buNone/>
             </a:pPr>
             <a:r>
-              <a:rPr lang="en-US" altLang="ko-KR" sz="1800" dirty="0" smtClean="0"/>
+              <a:rPr lang="en-US" altLang="ko-KR" sz="1800" dirty="0"/>
               <a:t>      from </a:t>
             </a:r>
             <a:r>
-              <a:rPr lang="ko-KR" altLang="en-US" sz="1800" dirty="0" err="1" smtClean="0"/>
+              <a:rPr lang="ko-KR" altLang="en-US" sz="1800" dirty="0" err="1"/>
               <a:t>테이블명</a:t>
             </a:r>
             <a:r>
-              <a:rPr lang="ko-KR" altLang="en-US" sz="1800" dirty="0" smtClean="0"/>
+              <a:rPr lang="ko-KR" altLang="en-US" sz="1800" dirty="0"/>
               <a:t> </a:t>
             </a:r>
             <a:r>
-              <a:rPr lang="en-US" altLang="ko-KR" sz="1800" dirty="0" smtClean="0"/>
+              <a:rPr lang="en-US" altLang="ko-KR" sz="1800" dirty="0"/>
               <a:t>AS A1</a:t>
             </a:r>
           </a:p>
@@ -10015,22 +10011,22 @@
               <a:buNone/>
             </a:pPr>
             <a:r>
-              <a:rPr lang="en-US" altLang="ko-KR" sz="1800" dirty="0" smtClean="0"/>
+              <a:rPr lang="en-US" altLang="ko-KR" sz="1800" dirty="0"/>
               <a:t>   </a:t>
             </a:r>
             <a:r>
-              <a:rPr lang="ko-KR" altLang="en-US" sz="1800" dirty="0" smtClean="0"/>
+              <a:rPr lang="ko-KR" altLang="en-US" sz="1800" dirty="0"/>
               <a:t> </a:t>
             </a:r>
             <a:r>
-              <a:rPr lang="en-US" altLang="ko-KR" sz="1800" dirty="0" smtClean="0"/>
+              <a:rPr lang="en-US" altLang="ko-KR" sz="1800" dirty="0"/>
               <a:t>Where </a:t>
             </a:r>
             <a:r>
-              <a:rPr lang="ko-KR" altLang="en-US" sz="1800" dirty="0" smtClean="0"/>
+              <a:rPr lang="ko-KR" altLang="en-US" sz="1800" dirty="0"/>
               <a:t>조건</a:t>
             </a:r>
-            <a:endParaRPr lang="en-US" altLang="ko-KR" sz="1800" dirty="0" smtClean="0"/>
+            <a:endParaRPr lang="en-US" altLang="ko-KR" sz="1800" dirty="0"/>
           </a:p>
           <a:p>
             <a:pPr marL="0" indent="0">
@@ -10038,26 +10034,25 @@
               <a:buNone/>
             </a:pPr>
             <a:r>
-              <a:rPr lang="en-US" altLang="ko-KR" sz="1800" dirty="0" smtClean="0"/>
+              <a:rPr lang="en-US" altLang="ko-KR" sz="1800" dirty="0"/>
               <a:t>     order by </a:t>
             </a:r>
             <a:r>
-              <a:rPr lang="ko-KR" altLang="en-US" sz="1800" dirty="0" err="1" smtClean="0"/>
+              <a:rPr lang="ko-KR" altLang="en-US" sz="1800" dirty="0" err="1"/>
               <a:t>컬럼명</a:t>
             </a:r>
             <a:r>
-              <a:rPr lang="ko-KR" altLang="en-US" sz="1800" dirty="0" smtClean="0"/>
+              <a:rPr lang="ko-KR" altLang="en-US" sz="1800" dirty="0"/>
               <a:t> </a:t>
             </a:r>
             <a:r>
-              <a:rPr lang="en-US" altLang="ko-KR" sz="1800" dirty="0" err="1" smtClean="0"/>
+              <a:rPr lang="en-US" altLang="ko-KR" sz="1800" dirty="0" err="1"/>
               <a:t>asc</a:t>
             </a:r>
             <a:r>
               <a:rPr lang="en-US" altLang="ko-KR" sz="1800" dirty="0"/>
               <a:t>;</a:t>
             </a:r>
-            <a:endParaRPr lang="en-US" altLang="ko-KR" sz="1800" dirty="0" smtClean="0"/>
           </a:p>
         </p:txBody>
       </p:sp>
@@ -10150,7 +10145,7 @@
               <a:buNone/>
             </a:pPr>
             <a:r>
-              <a:rPr lang="en-US" altLang="ko-KR" dirty="0" smtClean="0">
+              <a:rPr lang="en-US" altLang="ko-KR" dirty="0">
                 <a:solidFill>
                   <a:schemeClr val="bg1"/>
                 </a:solidFill>
@@ -10354,7 +10349,7 @@
               <a:buNone/>
             </a:pPr>
             <a:r>
-              <a:rPr lang="en-US" altLang="ko-KR" dirty="0" smtClean="0"/>
+              <a:rPr lang="en-US" altLang="ko-KR" dirty="0"/>
               <a:t>1.Select</a:t>
             </a:r>
           </a:p>
@@ -10364,53 +10359,45 @@
               <a:buNone/>
             </a:pPr>
             <a:r>
-              <a:rPr lang="en-US" altLang="ko-KR" sz="2400" dirty="0" smtClean="0"/>
-              <a:t>  </a:t>
-            </a:r>
-            <a:r>
               <a:rPr lang="en-US" altLang="ko-KR" sz="2400" dirty="0"/>
-              <a:t>8</a:t>
-            </a:r>
-            <a:r>
-              <a:rPr lang="en-US" altLang="ko-KR" sz="2400" dirty="0" smtClean="0"/>
-              <a:t>) </a:t>
-            </a:r>
-            <a:r>
-              <a:rPr lang="ko-KR" altLang="en-US" sz="2400" dirty="0" smtClean="0"/>
+              <a:t>  8) </a:t>
+            </a:r>
+            <a:r>
+              <a:rPr lang="ko-KR" altLang="en-US" sz="2400" dirty="0"/>
               <a:t>정렬 </a:t>
             </a:r>
             <a:r>
-              <a:rPr lang="en-US" altLang="ko-KR" sz="2400" dirty="0" smtClean="0"/>
+              <a:rPr lang="en-US" altLang="ko-KR" sz="2400" dirty="0"/>
               <a:t>– </a:t>
             </a:r>
             <a:r>
-              <a:rPr lang="ko-KR" altLang="en-US" sz="2400" dirty="0" smtClean="0"/>
+              <a:rPr lang="ko-KR" altLang="en-US" sz="2400" dirty="0"/>
               <a:t>내림차순</a:t>
             </a:r>
-            <a:endParaRPr lang="en-US" altLang="ko-KR" sz="2400" dirty="0" smtClean="0"/>
+            <a:endParaRPr lang="en-US" altLang="ko-KR" sz="2400" dirty="0"/>
           </a:p>
           <a:p>
             <a:pPr marL="0" indent="0">
               <a:buNone/>
             </a:pPr>
             <a:r>
-              <a:rPr lang="en-US" altLang="ko-KR" sz="1800" dirty="0" smtClean="0"/>
+              <a:rPr lang="en-US" altLang="ko-KR" sz="1800" dirty="0"/>
               <a:t>     Select </a:t>
             </a:r>
             <a:r>
-              <a:rPr lang="ko-KR" altLang="en-US" sz="1800" dirty="0" err="1" smtClean="0"/>
+              <a:rPr lang="ko-KR" altLang="en-US" sz="1800" dirty="0" err="1"/>
               <a:t>컬럼명</a:t>
             </a:r>
             <a:r>
-              <a:rPr lang="en-US" altLang="ko-KR" sz="1800" dirty="0" smtClean="0"/>
+              <a:rPr lang="en-US" altLang="ko-KR" sz="1800" dirty="0"/>
               <a:t>, </a:t>
             </a:r>
             <a:r>
-              <a:rPr lang="ko-KR" altLang="en-US" sz="1800" dirty="0" err="1" smtClean="0"/>
+              <a:rPr lang="ko-KR" altLang="en-US" sz="1800" dirty="0" err="1"/>
               <a:t>컬럼명</a:t>
             </a:r>
             <a:r>
-              <a:rPr lang="en-US" altLang="ko-KR" sz="1800" dirty="0" smtClean="0"/>
+              <a:rPr lang="en-US" altLang="ko-KR" sz="1800" dirty="0"/>
               <a:t>…</a:t>
             </a:r>
           </a:p>
@@ -10420,19 +10407,19 @@
               <a:buNone/>
             </a:pPr>
             <a:r>
-              <a:rPr lang="en-US" altLang="ko-KR" sz="1800" dirty="0" smtClean="0"/>
+              <a:rPr lang="en-US" altLang="ko-KR" sz="1800" dirty="0"/>
               <a:t>      from </a:t>
             </a:r>
             <a:r>
-              <a:rPr lang="ko-KR" altLang="en-US" sz="1800" dirty="0" err="1" smtClean="0"/>
+              <a:rPr lang="ko-KR" altLang="en-US" sz="1800" dirty="0" err="1"/>
               <a:t>테이블명</a:t>
             </a:r>
             <a:r>
-              <a:rPr lang="ko-KR" altLang="en-US" sz="1800" dirty="0" smtClean="0"/>
+              <a:rPr lang="ko-KR" altLang="en-US" sz="1800" dirty="0"/>
               <a:t> </a:t>
             </a:r>
             <a:r>
-              <a:rPr lang="en-US" altLang="ko-KR" sz="1800" dirty="0" smtClean="0"/>
+              <a:rPr lang="en-US" altLang="ko-KR" sz="1800" dirty="0"/>
               <a:t>AS A1</a:t>
             </a:r>
           </a:p>
@@ -10442,22 +10429,22 @@
               <a:buNone/>
             </a:pPr>
             <a:r>
-              <a:rPr lang="en-US" altLang="ko-KR" sz="1800" dirty="0" smtClean="0"/>
+              <a:rPr lang="en-US" altLang="ko-KR" sz="1800" dirty="0"/>
               <a:t>   </a:t>
             </a:r>
             <a:r>
-              <a:rPr lang="ko-KR" altLang="en-US" sz="1800" dirty="0" smtClean="0"/>
+              <a:rPr lang="ko-KR" altLang="en-US" sz="1800" dirty="0"/>
               <a:t> </a:t>
             </a:r>
             <a:r>
-              <a:rPr lang="en-US" altLang="ko-KR" sz="1800" dirty="0" smtClean="0"/>
+              <a:rPr lang="en-US" altLang="ko-KR" sz="1800" dirty="0"/>
               <a:t>Where </a:t>
             </a:r>
             <a:r>
-              <a:rPr lang="ko-KR" altLang="en-US" sz="1800" dirty="0" smtClean="0"/>
+              <a:rPr lang="ko-KR" altLang="en-US" sz="1800" dirty="0"/>
               <a:t>조건</a:t>
             </a:r>
-            <a:endParaRPr lang="en-US" altLang="ko-KR" sz="1800" dirty="0" smtClean="0"/>
+            <a:endParaRPr lang="en-US" altLang="ko-KR" sz="1800" dirty="0"/>
           </a:p>
           <a:p>
             <a:pPr marL="0" indent="0">
@@ -10465,26 +10452,25 @@
               <a:buNone/>
             </a:pPr>
             <a:r>
-              <a:rPr lang="en-US" altLang="ko-KR" sz="1800" dirty="0" smtClean="0"/>
+              <a:rPr lang="en-US" altLang="ko-KR" sz="1800" dirty="0"/>
               <a:t>     order by </a:t>
             </a:r>
             <a:r>
-              <a:rPr lang="ko-KR" altLang="en-US" sz="1800" dirty="0" err="1" smtClean="0"/>
+              <a:rPr lang="ko-KR" altLang="en-US" sz="1800" dirty="0" err="1"/>
               <a:t>컬럼명</a:t>
             </a:r>
             <a:r>
-              <a:rPr lang="ko-KR" altLang="en-US" sz="1800" dirty="0" smtClean="0"/>
+              <a:rPr lang="ko-KR" altLang="en-US" sz="1800" dirty="0"/>
               <a:t> </a:t>
             </a:r>
             <a:r>
-              <a:rPr lang="en-US" altLang="ko-KR" sz="1800" dirty="0" err="1" smtClean="0"/>
+              <a:rPr lang="en-US" altLang="ko-KR" sz="1800" dirty="0" err="1"/>
               <a:t>desc</a:t>
             </a:r>
             <a:r>
               <a:rPr lang="en-US" altLang="ko-KR" sz="1800" dirty="0"/>
               <a:t>;</a:t>
             </a:r>
-            <a:endParaRPr lang="en-US" altLang="ko-KR" sz="1800" dirty="0" smtClean="0"/>
           </a:p>
         </p:txBody>
       </p:sp>
@@ -10577,7 +10563,7 @@
               <a:buNone/>
             </a:pPr>
             <a:r>
-              <a:rPr lang="en-US" altLang="ko-KR" dirty="0" smtClean="0">
+              <a:rPr lang="en-US" altLang="ko-KR" dirty="0">
                 <a:solidFill>
                   <a:schemeClr val="bg1"/>
                 </a:solidFill>
@@ -10781,7 +10767,7 @@
               <a:buNone/>
             </a:pPr>
             <a:r>
-              <a:rPr lang="en-US" altLang="ko-KR" dirty="0" smtClean="0"/>
+              <a:rPr lang="en-US" altLang="ko-KR" dirty="0"/>
               <a:t>1.Select</a:t>
             </a:r>
           </a:p>
@@ -10791,49 +10777,45 @@
               <a:buNone/>
             </a:pPr>
             <a:r>
-              <a:rPr lang="en-US" altLang="ko-KR" sz="2400" dirty="0" smtClean="0"/>
-              <a:t>  </a:t>
-            </a:r>
-            <a:r>
-              <a:rPr lang="en-US" altLang="ko-KR" sz="2400" dirty="0" smtClean="0"/>
-              <a:t>9) </a:t>
-            </a:r>
-            <a:r>
-              <a:rPr lang="ko-KR" altLang="en-US" sz="2400" dirty="0" smtClean="0"/>
+              <a:rPr lang="en-US" altLang="ko-KR" sz="2400" dirty="0"/>
+              <a:t>  9) </a:t>
+            </a:r>
+            <a:r>
+              <a:rPr lang="ko-KR" altLang="en-US" sz="2400" dirty="0"/>
               <a:t>정렬 </a:t>
             </a:r>
             <a:r>
-              <a:rPr lang="en-US" altLang="ko-KR" sz="2400" dirty="0" smtClean="0"/>
+              <a:rPr lang="en-US" altLang="ko-KR" sz="2400" dirty="0"/>
               <a:t>– </a:t>
             </a:r>
             <a:r>
-              <a:rPr lang="ko-KR" altLang="en-US" sz="2400" dirty="0" smtClean="0"/>
+              <a:rPr lang="ko-KR" altLang="en-US" sz="2400" dirty="0"/>
               <a:t>다중</a:t>
             </a:r>
-            <a:endParaRPr lang="en-US" altLang="ko-KR" sz="2400" dirty="0" smtClean="0"/>
+            <a:endParaRPr lang="en-US" altLang="ko-KR" sz="2400" dirty="0"/>
           </a:p>
           <a:p>
             <a:pPr marL="0" indent="0">
               <a:buNone/>
             </a:pPr>
             <a:r>
-              <a:rPr lang="en-US" altLang="ko-KR" sz="1800" dirty="0" smtClean="0"/>
+              <a:rPr lang="en-US" altLang="ko-KR" sz="1800" dirty="0"/>
               <a:t>     Select </a:t>
             </a:r>
             <a:r>
-              <a:rPr lang="ko-KR" altLang="en-US" sz="1800" dirty="0" err="1" smtClean="0"/>
+              <a:rPr lang="ko-KR" altLang="en-US" sz="1800" dirty="0" err="1"/>
               <a:t>컬럼명</a:t>
             </a:r>
             <a:r>
-              <a:rPr lang="en-US" altLang="ko-KR" sz="1800" dirty="0" smtClean="0"/>
+              <a:rPr lang="en-US" altLang="ko-KR" sz="1800" dirty="0"/>
               <a:t>, </a:t>
             </a:r>
             <a:r>
-              <a:rPr lang="ko-KR" altLang="en-US" sz="1800" dirty="0" err="1" smtClean="0"/>
+              <a:rPr lang="ko-KR" altLang="en-US" sz="1800" dirty="0" err="1"/>
               <a:t>컬럼명</a:t>
             </a:r>
             <a:r>
-              <a:rPr lang="en-US" altLang="ko-KR" sz="1800" dirty="0" smtClean="0"/>
+              <a:rPr lang="en-US" altLang="ko-KR" sz="1800" dirty="0"/>
               <a:t>…</a:t>
             </a:r>
           </a:p>
@@ -10843,19 +10825,19 @@
               <a:buNone/>
             </a:pPr>
             <a:r>
-              <a:rPr lang="en-US" altLang="ko-KR" sz="1800" dirty="0" smtClean="0"/>
+              <a:rPr lang="en-US" altLang="ko-KR" sz="1800" dirty="0"/>
               <a:t>      from </a:t>
             </a:r>
             <a:r>
-              <a:rPr lang="ko-KR" altLang="en-US" sz="1800" dirty="0" err="1" smtClean="0"/>
+              <a:rPr lang="ko-KR" altLang="en-US" sz="1800" dirty="0" err="1"/>
               <a:t>테이블명</a:t>
             </a:r>
             <a:r>
-              <a:rPr lang="ko-KR" altLang="en-US" sz="1800" dirty="0" smtClean="0"/>
+              <a:rPr lang="ko-KR" altLang="en-US" sz="1800" dirty="0"/>
               <a:t> </a:t>
             </a:r>
             <a:r>
-              <a:rPr lang="en-US" altLang="ko-KR" sz="1800" dirty="0" smtClean="0"/>
+              <a:rPr lang="en-US" altLang="ko-KR" sz="1800" dirty="0"/>
               <a:t>AS A1</a:t>
             </a:r>
           </a:p>
@@ -10865,22 +10847,22 @@
               <a:buNone/>
             </a:pPr>
             <a:r>
-              <a:rPr lang="en-US" altLang="ko-KR" sz="1800" dirty="0" smtClean="0"/>
+              <a:rPr lang="en-US" altLang="ko-KR" sz="1800" dirty="0"/>
               <a:t>   </a:t>
             </a:r>
             <a:r>
-              <a:rPr lang="ko-KR" altLang="en-US" sz="1800" dirty="0" smtClean="0"/>
+              <a:rPr lang="ko-KR" altLang="en-US" sz="1800" dirty="0"/>
               <a:t> </a:t>
             </a:r>
             <a:r>
-              <a:rPr lang="en-US" altLang="ko-KR" sz="1800" dirty="0" smtClean="0"/>
+              <a:rPr lang="en-US" altLang="ko-KR" sz="1800" dirty="0"/>
               <a:t>Where </a:t>
             </a:r>
             <a:r>
-              <a:rPr lang="ko-KR" altLang="en-US" sz="1800" dirty="0" smtClean="0"/>
+              <a:rPr lang="ko-KR" altLang="en-US" sz="1800" dirty="0"/>
               <a:t>조건</a:t>
             </a:r>
-            <a:endParaRPr lang="en-US" altLang="ko-KR" sz="1800" dirty="0" smtClean="0"/>
+            <a:endParaRPr lang="en-US" altLang="ko-KR" sz="1800" dirty="0"/>
           </a:p>
           <a:p>
             <a:pPr marL="0" indent="0">
@@ -10888,46 +10870,45 @@
               <a:buNone/>
             </a:pPr>
             <a:r>
-              <a:rPr lang="en-US" altLang="ko-KR" sz="1800" dirty="0" smtClean="0"/>
+              <a:rPr lang="en-US" altLang="ko-KR" sz="1800" dirty="0"/>
               <a:t>     order by </a:t>
             </a:r>
             <a:r>
-              <a:rPr lang="ko-KR" altLang="en-US" sz="1800" dirty="0" err="1" smtClean="0"/>
+              <a:rPr lang="ko-KR" altLang="en-US" sz="1800" dirty="0" err="1"/>
               <a:t>컬럼명</a:t>
             </a:r>
             <a:r>
-              <a:rPr lang="en-US" altLang="ko-KR" sz="1800" dirty="0" smtClean="0"/>
+              <a:rPr lang="en-US" altLang="ko-KR" sz="1800" dirty="0"/>
               <a:t>1</a:t>
             </a:r>
             <a:r>
-              <a:rPr lang="ko-KR" altLang="en-US" sz="1800" dirty="0" smtClean="0"/>
+              <a:rPr lang="ko-KR" altLang="en-US" sz="1800" dirty="0"/>
               <a:t> </a:t>
             </a:r>
             <a:r>
-              <a:rPr lang="en-US" altLang="ko-KR" sz="1800" dirty="0" err="1" smtClean="0"/>
+              <a:rPr lang="en-US" altLang="ko-KR" sz="1800" dirty="0" err="1"/>
               <a:t>desc</a:t>
             </a:r>
             <a:r>
-              <a:rPr lang="en-US" altLang="ko-KR" sz="1800" dirty="0" smtClean="0"/>
+              <a:rPr lang="en-US" altLang="ko-KR" sz="1800" dirty="0"/>
               <a:t>, </a:t>
             </a:r>
             <a:r>
-              <a:rPr lang="ko-KR" altLang="en-US" sz="1800" dirty="0" err="1" smtClean="0"/>
+              <a:rPr lang="ko-KR" altLang="en-US" sz="1800" dirty="0" err="1"/>
               <a:t>컬럼명</a:t>
             </a:r>
             <a:r>
-              <a:rPr lang="en-US" altLang="ko-KR" sz="1800" dirty="0" smtClean="0"/>
+              <a:rPr lang="en-US" altLang="ko-KR" sz="1800" dirty="0"/>
               <a:t>2 </a:t>
             </a:r>
             <a:r>
-              <a:rPr lang="en-US" altLang="ko-KR" sz="1800" dirty="0" err="1" smtClean="0"/>
+              <a:rPr lang="en-US" altLang="ko-KR" sz="1800" dirty="0" err="1"/>
               <a:t>asc</a:t>
             </a:r>
             <a:r>
-              <a:rPr lang="en-US" altLang="ko-KR" sz="1800" dirty="0" smtClean="0"/>
+              <a:rPr lang="en-US" altLang="ko-KR" sz="1800" dirty="0"/>
               <a:t>;</a:t>
             </a:r>
-            <a:endParaRPr lang="en-US" altLang="ko-KR" sz="1800" dirty="0" smtClean="0"/>
           </a:p>
         </p:txBody>
       </p:sp>
@@ -11020,7 +11001,7 @@
               <a:buNone/>
             </a:pPr>
             <a:r>
-              <a:rPr lang="en-US" altLang="ko-KR" dirty="0" smtClean="0">
+              <a:rPr lang="en-US" altLang="ko-KR" dirty="0">
                 <a:solidFill>
                   <a:schemeClr val="bg1"/>
                 </a:solidFill>
@@ -11224,84 +11205,16 @@
               <a:buNone/>
             </a:pPr>
             <a:r>
-              <a:rPr lang="ko-KR" altLang="en-US" sz="2400" dirty="0" smtClean="0"/>
-              <a:t>실습 </a:t>
-            </a:r>
-            <a:r>
-              <a:rPr lang="en-US" altLang="ko-KR" sz="2400" dirty="0" smtClean="0"/>
-              <a:t>5. </a:t>
-            </a:r>
-            <a:r>
-              <a:rPr lang="ko-KR" altLang="en-US" sz="2400" dirty="0" smtClean="0"/>
-              <a:t>고객관리대장의 사람 중 상품권을 수령한 사람들의 </a:t>
-            </a:r>
-            <a:r>
-              <a:rPr lang="ko-KR" altLang="en-US" sz="2400" dirty="0" err="1" smtClean="0"/>
-              <a:t>고객이름</a:t>
-            </a:r>
-            <a:r>
-              <a:rPr lang="en-US" altLang="ko-KR" sz="2400" dirty="0" smtClean="0"/>
-              <a:t>,</a:t>
-            </a:r>
-            <a:r>
-              <a:rPr lang="ko-KR" altLang="en-US" sz="2400" dirty="0" smtClean="0"/>
-              <a:t> 연락처</a:t>
-            </a:r>
-            <a:r>
-              <a:rPr lang="en-US" altLang="ko-KR" sz="2400" dirty="0" smtClean="0"/>
-              <a:t>, </a:t>
-            </a:r>
-            <a:r>
-              <a:rPr lang="ko-KR" altLang="en-US" sz="2400" dirty="0" smtClean="0"/>
-              <a:t>상품권</a:t>
-            </a:r>
-            <a:r>
-              <a:rPr lang="en-US" altLang="ko-KR" sz="2400" dirty="0" smtClean="0"/>
-              <a:t>, </a:t>
-            </a:r>
-            <a:r>
-              <a:rPr lang="ko-KR" altLang="en-US" sz="2400" dirty="0" err="1" smtClean="0"/>
-              <a:t>발급일자를</a:t>
-            </a:r>
-            <a:r>
-              <a:rPr lang="ko-KR" altLang="en-US" sz="2400" dirty="0" smtClean="0"/>
-              <a:t> 출력 하시오</a:t>
-            </a:r>
-            <a:r>
-              <a:rPr lang="en-US" altLang="ko-KR" sz="2400" dirty="0" smtClean="0"/>
-              <a:t>.</a:t>
-            </a:r>
-          </a:p>
-          <a:p>
-            <a:pPr marL="0" indent="0">
-              <a:buFont typeface="Arial" panose="020B0604020202020204" pitchFamily="34" charset="0"/>
-              <a:buNone/>
-            </a:pPr>
-            <a:endParaRPr lang="en-US" altLang="ko-KR" sz="2400" dirty="0"/>
-          </a:p>
-          <a:p>
-            <a:pPr marL="0" indent="0">
-              <a:buNone/>
-            </a:pPr>
-            <a:r>
               <a:rPr lang="ko-KR" altLang="en-US" sz="2400" dirty="0"/>
               <a:t>실습 </a:t>
             </a:r>
             <a:r>
-              <a:rPr lang="en-US" altLang="ko-KR" sz="2400" dirty="0" smtClean="0"/>
-              <a:t>6. </a:t>
+              <a:rPr lang="en-US" altLang="ko-KR" sz="2400" dirty="0"/>
+              <a:t>5. </a:t>
             </a:r>
             <a:r>
               <a:rPr lang="ko-KR" altLang="en-US" sz="2400" dirty="0"/>
-              <a:t>고객관리대장의 사람 중 상품권을 </a:t>
-            </a:r>
-            <a:r>
-              <a:rPr lang="ko-KR" altLang="en-US" sz="2400" dirty="0" smtClean="0"/>
-              <a:t>수령 하지 못한 </a:t>
-            </a:r>
-            <a:r>
-              <a:rPr lang="ko-KR" altLang="en-US" sz="2400" dirty="0"/>
-              <a:t>사람들의 </a:t>
+              <a:t>고객관리대장의 사람 중 상품권을 수령한 사람들의 </a:t>
             </a:r>
             <a:r>
               <a:rPr lang="ko-KR" altLang="en-US" sz="2400" dirty="0" err="1"/>
@@ -11313,15 +11226,27 @@
             </a:r>
             <a:r>
               <a:rPr lang="ko-KR" altLang="en-US" sz="2400" dirty="0"/>
-              <a:t> </a:t>
-            </a:r>
-            <a:r>
-              <a:rPr lang="ko-KR" altLang="en-US" sz="2400" dirty="0" smtClean="0"/>
-              <a:t>연락처를 </a:t>
+              <a:t> 연락처</a:t>
+            </a:r>
+            <a:r>
+              <a:rPr lang="en-US" altLang="ko-KR" sz="2400" dirty="0"/>
+              <a:t>, </a:t>
             </a:r>
             <a:r>
               <a:rPr lang="ko-KR" altLang="en-US" sz="2400" dirty="0"/>
-              <a:t>출력 하시오</a:t>
+              <a:t>상품권</a:t>
+            </a:r>
+            <a:r>
+              <a:rPr lang="en-US" altLang="ko-KR" sz="2400" dirty="0"/>
+              <a:t>, </a:t>
+            </a:r>
+            <a:r>
+              <a:rPr lang="ko-KR" altLang="en-US" sz="2400" dirty="0" err="1"/>
+              <a:t>발급일자를</a:t>
+            </a:r>
+            <a:r>
+              <a:rPr lang="ko-KR" altLang="en-US" sz="2400" dirty="0"/>
+              <a:t> 출력 하시오</a:t>
             </a:r>
             <a:r>
               <a:rPr lang="en-US" altLang="ko-KR" sz="2400" dirty="0"/>
@@ -11333,53 +11258,168 @@
               <a:buFont typeface="Arial" panose="020B0604020202020204" pitchFamily="34" charset="0"/>
               <a:buNone/>
             </a:pPr>
-            <a:endParaRPr lang="en-US" altLang="ko-KR" sz="2400" dirty="0" smtClean="0"/>
+            <a:endParaRPr lang="en-US" altLang="ko-KR" sz="2400" dirty="0"/>
           </a:p>
           <a:p>
             <a:pPr marL="0" indent="0">
-              <a:buFont typeface="Arial" panose="020B0604020202020204" pitchFamily="34" charset="0"/>
-              <a:buNone/>
-            </a:pPr>
-            <a:r>
-              <a:rPr lang="ko-KR" altLang="en-US" sz="2400" dirty="0" smtClean="0"/>
+              <a:buNone/>
+            </a:pPr>
+            <a:r>
+              <a:rPr lang="ko-KR" altLang="en-US" sz="2400" dirty="0"/>
               <a:t>실습 </a:t>
             </a:r>
             <a:r>
-              <a:rPr lang="en-US" altLang="ko-KR" sz="2400" dirty="0" smtClean="0"/>
-              <a:t>7. “</a:t>
-            </a:r>
-            <a:r>
-              <a:rPr lang="ko-KR" altLang="en-US" sz="2400" dirty="0" smtClean="0"/>
+              <a:rPr lang="en-US" altLang="ko-KR" sz="2400" dirty="0"/>
+              <a:t>6. </a:t>
+            </a:r>
+            <a:r>
+              <a:rPr lang="ko-KR" altLang="en-US" sz="2400" dirty="0"/>
+              <a:t>고객관리대장의 사람 중 상품권을 수령 하지 못한 사람들의 </a:t>
+            </a:r>
+            <a:r>
+              <a:rPr lang="ko-KR" altLang="en-US" sz="2400" dirty="0" err="1"/>
+              <a:t>고객이름</a:t>
+            </a:r>
+            <a:r>
+              <a:rPr lang="en-US" altLang="ko-KR" sz="2400" dirty="0"/>
+              <a:t>,</a:t>
+            </a:r>
+            <a:r>
+              <a:rPr lang="ko-KR" altLang="en-US" sz="2400" dirty="0"/>
+              <a:t> 연락처를 출력 하시오</a:t>
+            </a:r>
+            <a:r>
+              <a:rPr lang="en-US" altLang="ko-KR" sz="2400" dirty="0"/>
+              <a:t>.</a:t>
+            </a:r>
+          </a:p>
+          <a:p>
+            <a:pPr marL="0" indent="0">
+              <a:buFont typeface="Arial" panose="020B0604020202020204" pitchFamily="34" charset="0"/>
+              <a:buNone/>
+            </a:pPr>
+            <a:endParaRPr lang="en-US" altLang="ko-KR" sz="2400" dirty="0"/>
+          </a:p>
+          <a:p>
+            <a:pPr marL="0" indent="0">
+              <a:buNone/>
+            </a:pPr>
+            <a:r>
+              <a:rPr lang="ko-KR" altLang="en-US" sz="2400" dirty="0"/>
+              <a:t>실습 </a:t>
+            </a:r>
+            <a:r>
+              <a:rPr lang="en-US" altLang="ko-KR" sz="2400" dirty="0"/>
+              <a:t>7. </a:t>
+            </a:r>
+            <a:r>
+              <a:rPr lang="ko-KR" altLang="en-US" sz="2400" dirty="0"/>
+              <a:t>고객관리대장의 내용을 고객이름 내림차순으로 정렬하여 출력 </a:t>
+            </a:r>
+            <a:r>
+              <a:rPr lang="ko-KR" altLang="en-US" sz="2400" dirty="0" err="1"/>
+              <a:t>하시오</a:t>
+            </a:r>
+            <a:r>
+              <a:rPr lang="en-US" altLang="ko-KR" sz="2400" dirty="0"/>
+              <a:t>.</a:t>
+            </a:r>
+          </a:p>
+          <a:p>
+            <a:pPr marL="0" indent="0">
+              <a:buNone/>
+            </a:pPr>
+            <a:endParaRPr lang="en-US" altLang="ko-KR" sz="2400" dirty="0"/>
+          </a:p>
+          <a:p>
+            <a:pPr marL="0" indent="0">
+              <a:buNone/>
+            </a:pPr>
+            <a:r>
+              <a:rPr lang="ko-KR" altLang="en-US" sz="2400" dirty="0"/>
+              <a:t>실습 </a:t>
+            </a:r>
+            <a:r>
+              <a:rPr lang="en-US" altLang="ko-KR" sz="2400" dirty="0"/>
+              <a:t>8. </a:t>
+            </a:r>
+            <a:r>
+              <a:rPr lang="ko-KR" altLang="en-US" sz="2400" dirty="0"/>
+              <a:t>고객관리대장의 내용을 나이순서</a:t>
+            </a:r>
+            <a:r>
+              <a:rPr lang="en-US" altLang="ko-KR" sz="2400" dirty="0"/>
+              <a:t>(</a:t>
+            </a:r>
+            <a:r>
+              <a:rPr lang="ko-KR" altLang="en-US" sz="2400" dirty="0"/>
+              <a:t>오름차순</a:t>
+            </a:r>
+            <a:r>
+              <a:rPr lang="en-US" altLang="ko-KR" sz="2400" dirty="0"/>
+              <a:t>) </a:t>
+            </a:r>
+            <a:r>
+              <a:rPr lang="ko-KR" altLang="en-US" sz="2400" dirty="0"/>
+              <a:t>으로 정렬하여 출력 </a:t>
+            </a:r>
+            <a:r>
+              <a:rPr lang="ko-KR" altLang="en-US" sz="2400" dirty="0" err="1"/>
+              <a:t>하시오</a:t>
+            </a:r>
+            <a:r>
+              <a:rPr lang="en-US" altLang="ko-KR" sz="2400" dirty="0"/>
+              <a:t>.</a:t>
+            </a:r>
+          </a:p>
+          <a:p>
+            <a:pPr marL="0" indent="0">
+              <a:buFont typeface="Arial" panose="020B0604020202020204" pitchFamily="34" charset="0"/>
+              <a:buNone/>
+            </a:pPr>
+            <a:endParaRPr lang="en-US" altLang="ko-KR" sz="2400" dirty="0"/>
+          </a:p>
+          <a:p>
+            <a:pPr marL="0" indent="0">
+              <a:buFont typeface="Arial" panose="020B0604020202020204" pitchFamily="34" charset="0"/>
+              <a:buNone/>
+            </a:pPr>
+            <a:r>
+              <a:rPr lang="ko-KR" altLang="en-US" sz="2400" dirty="0"/>
+              <a:t>실습 </a:t>
+            </a:r>
+            <a:r>
+              <a:rPr lang="en-US" altLang="ko-KR" sz="2400" dirty="0"/>
+              <a:t>9. “</a:t>
+            </a:r>
+            <a:r>
+              <a:rPr lang="ko-KR" altLang="en-US" sz="2400" dirty="0"/>
               <a:t>실습</a:t>
             </a:r>
             <a:r>
               <a:rPr lang="en-US" altLang="ko-KR" sz="2400" dirty="0"/>
-              <a:t> </a:t>
-            </a:r>
-            <a:r>
-              <a:rPr lang="en-US" altLang="ko-KR" sz="2400" dirty="0" smtClean="0"/>
-              <a:t>6”</a:t>
-            </a:r>
-            <a:r>
-              <a:rPr lang="ko-KR" altLang="en-US" sz="2400" dirty="0" smtClean="0"/>
+              <a:t> 6”</a:t>
+            </a:r>
+            <a:r>
+              <a:rPr lang="ko-KR" altLang="en-US" sz="2400" dirty="0"/>
               <a:t>의 결과를 </a:t>
             </a:r>
             <a:r>
-              <a:rPr lang="ko-KR" altLang="en-US" sz="2400" dirty="0" err="1" smtClean="0"/>
+              <a:rPr lang="ko-KR" altLang="en-US" sz="2400" dirty="0" err="1"/>
               <a:t>고객이름</a:t>
             </a:r>
             <a:r>
-              <a:rPr lang="ko-KR" altLang="en-US" sz="2400" dirty="0" smtClean="0"/>
+              <a:rPr lang="ko-KR" altLang="en-US" sz="2400" dirty="0"/>
               <a:t> 기준으로 내림차순 정렬 하시오</a:t>
             </a:r>
-            <a:endParaRPr lang="en-US" altLang="ko-KR" sz="2400" dirty="0" smtClean="0"/>
+            <a:endParaRPr lang="en-US" altLang="ko-KR" sz="2400" dirty="0"/>
           </a:p>
           <a:p>
             <a:pPr marL="0" indent="0">
               <a:buFont typeface="Arial" panose="020B0604020202020204" pitchFamily="34" charset="0"/>
               <a:buNone/>
             </a:pPr>
-            <a:endParaRPr lang="en-US" altLang="ko-KR" sz="2400" dirty="0" smtClean="0"/>
+            <a:endParaRPr lang="en-US" altLang="ko-KR" sz="2400" dirty="0"/>
           </a:p>
           <a:p>
             <a:pPr marL="0" indent="0">
@@ -11455,7 +11495,7 @@
               <a:buNone/>
             </a:pPr>
             <a:r>
-              <a:rPr lang="en-US" altLang="ko-KR" dirty="0" smtClean="0">
+              <a:rPr lang="en-US" altLang="ko-KR" dirty="0">
                 <a:solidFill>
                   <a:schemeClr val="bg1"/>
                 </a:solidFill>
@@ -11659,7 +11699,7 @@
               <a:buNone/>
             </a:pPr>
             <a:r>
-              <a:rPr lang="en-US" altLang="ko-KR" dirty="0" smtClean="0"/>
+              <a:rPr lang="en-US" altLang="ko-KR" dirty="0"/>
               <a:t>2. Union</a:t>
             </a:r>
           </a:p>
@@ -11669,15 +11709,15 @@
               <a:buNone/>
             </a:pPr>
             <a:r>
-              <a:rPr lang="en-US" altLang="ko-KR" sz="2400" dirty="0" smtClean="0"/>
+              <a:rPr lang="en-US" altLang="ko-KR" sz="2400" dirty="0"/>
               <a:t>  1) </a:t>
             </a:r>
             <a:r>
-              <a:rPr lang="ko-KR" altLang="en-US" sz="2400" dirty="0" smtClean="0"/>
+              <a:rPr lang="ko-KR" altLang="en-US" sz="2400" dirty="0"/>
               <a:t>서로 다른 테이블의 </a:t>
             </a:r>
             <a:r>
-              <a:rPr lang="en-US" altLang="ko-KR" sz="2400" dirty="0" smtClean="0"/>
+              <a:rPr lang="en-US" altLang="ko-KR" sz="2400" dirty="0"/>
               <a:t>Union</a:t>
             </a:r>
           </a:p>
@@ -11686,23 +11726,23 @@
               <a:buNone/>
             </a:pPr>
             <a:r>
-              <a:rPr lang="en-US" altLang="ko-KR" sz="1800" dirty="0" smtClean="0"/>
+              <a:rPr lang="en-US" altLang="ko-KR" sz="1800" dirty="0"/>
               <a:t>     Select </a:t>
             </a:r>
             <a:r>
-              <a:rPr lang="ko-KR" altLang="en-US" sz="1800" dirty="0" err="1" smtClean="0"/>
+              <a:rPr lang="ko-KR" altLang="en-US" sz="1800" dirty="0" err="1"/>
               <a:t>컬럼명</a:t>
             </a:r>
             <a:r>
-              <a:rPr lang="en-US" altLang="ko-KR" sz="1800" dirty="0" smtClean="0"/>
+              <a:rPr lang="en-US" altLang="ko-KR" sz="1800" dirty="0"/>
               <a:t>1, </a:t>
             </a:r>
             <a:r>
-              <a:rPr lang="ko-KR" altLang="en-US" sz="1800" dirty="0" err="1" smtClean="0"/>
+              <a:rPr lang="ko-KR" altLang="en-US" sz="1800" dirty="0" err="1"/>
               <a:t>컬럼명</a:t>
             </a:r>
             <a:r>
-              <a:rPr lang="en-US" altLang="ko-KR" sz="1800" dirty="0" smtClean="0"/>
+              <a:rPr lang="en-US" altLang="ko-KR" sz="1800" dirty="0"/>
               <a:t>2</a:t>
             </a:r>
           </a:p>
@@ -11712,19 +11752,19 @@
               <a:buNone/>
             </a:pPr>
             <a:r>
-              <a:rPr lang="en-US" altLang="ko-KR" sz="1800" dirty="0" smtClean="0"/>
+              <a:rPr lang="en-US" altLang="ko-KR" sz="1800" dirty="0"/>
               <a:t>      from </a:t>
             </a:r>
             <a:r>
-              <a:rPr lang="ko-KR" altLang="en-US" sz="1800" dirty="0" err="1" smtClean="0"/>
+              <a:rPr lang="ko-KR" altLang="en-US" sz="1800" dirty="0" err="1"/>
               <a:t>테이블명</a:t>
             </a:r>
             <a:r>
-              <a:rPr lang="ko-KR" altLang="en-US" sz="1800" dirty="0" smtClean="0"/>
+              <a:rPr lang="ko-KR" altLang="en-US" sz="1800" dirty="0"/>
               <a:t> </a:t>
             </a:r>
             <a:r>
-              <a:rPr lang="en-US" altLang="ko-KR" sz="1800" dirty="0" smtClean="0"/>
+              <a:rPr lang="en-US" altLang="ko-KR" sz="1800" dirty="0"/>
               <a:t>AS A1</a:t>
             </a:r>
           </a:p>
@@ -11734,22 +11774,22 @@
               <a:buNone/>
             </a:pPr>
             <a:r>
-              <a:rPr lang="en-US" altLang="ko-KR" sz="1800" dirty="0" smtClean="0"/>
+              <a:rPr lang="en-US" altLang="ko-KR" sz="1800" dirty="0"/>
               <a:t>   </a:t>
             </a:r>
             <a:r>
-              <a:rPr lang="ko-KR" altLang="en-US" sz="1800" dirty="0" smtClean="0"/>
+              <a:rPr lang="ko-KR" altLang="en-US" sz="1800" dirty="0"/>
               <a:t> </a:t>
             </a:r>
             <a:r>
-              <a:rPr lang="en-US" altLang="ko-KR" sz="1800" dirty="0" smtClean="0"/>
+              <a:rPr lang="en-US" altLang="ko-KR" sz="1800" dirty="0"/>
               <a:t>Where </a:t>
             </a:r>
             <a:r>
-              <a:rPr lang="ko-KR" altLang="en-US" sz="1800" dirty="0" smtClean="0"/>
+              <a:rPr lang="ko-KR" altLang="en-US" sz="1800" dirty="0"/>
               <a:t>조건</a:t>
             </a:r>
-            <a:endParaRPr lang="en-US" altLang="ko-KR" sz="1800" dirty="0" smtClean="0"/>
+            <a:endParaRPr lang="en-US" altLang="ko-KR" sz="1800" dirty="0"/>
           </a:p>
           <a:p>
             <a:pPr marL="0" indent="0">
@@ -11757,23 +11797,33 @@
               <a:buNone/>
             </a:pPr>
             <a:r>
-              <a:rPr lang="en-US" altLang="ko-KR" sz="1800" dirty="0" smtClean="0"/>
+              <a:rPr lang="en-US" altLang="ko-KR" sz="1800" dirty="0"/>
+              <a:t>     UNION</a:t>
+            </a:r>
+          </a:p>
+          <a:p>
+            <a:pPr marL="0" indent="0">
+              <a:buFont typeface="Arial" panose="020B0604020202020204" pitchFamily="34" charset="0"/>
+              <a:buNone/>
+            </a:pPr>
+            <a:r>
+              <a:rPr lang="en-US" altLang="ko-KR" sz="1800" dirty="0"/>
               <a:t>     Select </a:t>
             </a:r>
             <a:r>
-              <a:rPr lang="ko-KR" altLang="en-US" sz="1800" dirty="0" err="1" smtClean="0"/>
+              <a:rPr lang="ko-KR" altLang="en-US" sz="1800" dirty="0" err="1"/>
               <a:t>컬럼명</a:t>
             </a:r>
             <a:r>
-              <a:rPr lang="en-US" altLang="ko-KR" sz="1800" dirty="0" smtClean="0"/>
+              <a:rPr lang="en-US" altLang="ko-KR" sz="1800" dirty="0"/>
               <a:t>1, </a:t>
             </a:r>
             <a:r>
-              <a:rPr lang="ko-KR" altLang="en-US" sz="1800" dirty="0" err="1" smtClean="0"/>
+              <a:rPr lang="ko-KR" altLang="en-US" sz="1800" dirty="0" err="1"/>
               <a:t>컬럼명</a:t>
             </a:r>
             <a:r>
-              <a:rPr lang="en-US" altLang="ko-KR" sz="1800" dirty="0" smtClean="0"/>
+              <a:rPr lang="en-US" altLang="ko-KR" sz="1800" dirty="0"/>
               <a:t>2</a:t>
             </a:r>
           </a:p>
@@ -11784,22 +11834,18 @@
             </a:pPr>
             <a:r>
               <a:rPr lang="en-US" altLang="ko-KR" sz="1800" dirty="0"/>
+              <a:t>       from </a:t>
+            </a:r>
+            <a:r>
+              <a:rPr lang="ko-KR" altLang="en-US" sz="1800" dirty="0" err="1"/>
+              <a:t>테이블명</a:t>
+            </a:r>
+            <a:r>
+              <a:rPr lang="ko-KR" altLang="en-US" sz="1800" dirty="0"/>
               <a:t> </a:t>
             </a:r>
             <a:r>
-              <a:rPr lang="en-US" altLang="ko-KR" sz="1800" dirty="0" smtClean="0"/>
-              <a:t>      from </a:t>
-            </a:r>
-            <a:r>
-              <a:rPr lang="ko-KR" altLang="en-US" sz="1800" dirty="0" err="1" smtClean="0"/>
-              <a:t>테이블명</a:t>
-            </a:r>
-            <a:r>
-              <a:rPr lang="ko-KR" altLang="en-US" sz="1800" dirty="0" smtClean="0"/>
-              <a:t> </a:t>
-            </a:r>
-            <a:r>
-              <a:rPr lang="en-US" altLang="ko-KR" sz="1800" dirty="0" smtClean="0"/>
+              <a:rPr lang="en-US" altLang="ko-KR" sz="1800" dirty="0"/>
               <a:t>AS A2</a:t>
             </a:r>
           </a:p>
@@ -11809,15 +11855,15 @@
               <a:buNone/>
             </a:pPr>
             <a:r>
-              <a:rPr lang="en-US" altLang="ko-KR" sz="1800" dirty="0" smtClean="0"/>
+              <a:rPr lang="en-US" altLang="ko-KR" sz="1800" dirty="0"/>
               <a:t>    Where </a:t>
             </a:r>
             <a:r>
-              <a:rPr lang="ko-KR" altLang="en-US" sz="1800" dirty="0" smtClean="0"/>
+              <a:rPr lang="ko-KR" altLang="en-US" sz="1800" dirty="0"/>
               <a:t>조건</a:t>
             </a:r>
             <a:r>
-              <a:rPr lang="en-US" altLang="ko-KR" sz="1800" dirty="0" smtClean="0"/>
+              <a:rPr lang="en-US" altLang="ko-KR" sz="1800" dirty="0"/>
               <a:t>;</a:t>
             </a:r>
           </a:p>
@@ -11912,7 +11958,7 @@
               <a:buNone/>
             </a:pPr>
             <a:r>
-              <a:rPr lang="en-US" altLang="ko-KR" dirty="0" smtClean="0">
+              <a:rPr lang="en-US" altLang="ko-KR" dirty="0">
                 <a:solidFill>
                   <a:schemeClr val="bg1"/>
                 </a:solidFill>
@@ -12116,7 +12162,7 @@
               <a:buNone/>
             </a:pPr>
             <a:r>
-              <a:rPr lang="en-US" altLang="ko-KR" dirty="0" smtClean="0"/>
+              <a:rPr lang="en-US" altLang="ko-KR" dirty="0"/>
               <a:t>2. Union</a:t>
             </a:r>
           </a:p>
@@ -12126,15 +12172,15 @@
               <a:buNone/>
             </a:pPr>
             <a:r>
-              <a:rPr lang="en-US" altLang="ko-KR" sz="2400" dirty="0" smtClean="0"/>
-              <a:t>  1) </a:t>
-            </a:r>
-            <a:r>
-              <a:rPr lang="ko-KR" altLang="en-US" sz="2400" dirty="0" smtClean="0"/>
+              <a:rPr lang="en-US" altLang="ko-KR" sz="2400" dirty="0"/>
+              <a:t>  2) </a:t>
+            </a:r>
+            <a:r>
+              <a:rPr lang="ko-KR" altLang="en-US" sz="2400" dirty="0"/>
               <a:t>동일 테이블의 </a:t>
             </a:r>
             <a:r>
-              <a:rPr lang="en-US" altLang="ko-KR" sz="2400" dirty="0" smtClean="0"/>
+              <a:rPr lang="en-US" altLang="ko-KR" sz="2400" dirty="0"/>
               <a:t>Union</a:t>
             </a:r>
           </a:p>
@@ -12143,23 +12189,23 @@
               <a:buNone/>
             </a:pPr>
             <a:r>
-              <a:rPr lang="en-US" altLang="ko-KR" sz="1800" dirty="0" smtClean="0"/>
+              <a:rPr lang="en-US" altLang="ko-KR" sz="1800" dirty="0"/>
               <a:t>     Select </a:t>
             </a:r>
             <a:r>
-              <a:rPr lang="ko-KR" altLang="en-US" sz="1800" dirty="0" err="1" smtClean="0"/>
+              <a:rPr lang="ko-KR" altLang="en-US" sz="1800" dirty="0" err="1"/>
               <a:t>컬럼명</a:t>
             </a:r>
             <a:r>
-              <a:rPr lang="en-US" altLang="ko-KR" sz="1800" dirty="0" smtClean="0"/>
+              <a:rPr lang="en-US" altLang="ko-KR" sz="1800" dirty="0"/>
               <a:t>1, </a:t>
             </a:r>
             <a:r>
-              <a:rPr lang="ko-KR" altLang="en-US" sz="1800" dirty="0" err="1" smtClean="0"/>
+              <a:rPr lang="ko-KR" altLang="en-US" sz="1800" dirty="0" err="1"/>
               <a:t>컬럼명</a:t>
             </a:r>
             <a:r>
-              <a:rPr lang="en-US" altLang="ko-KR" sz="1800" dirty="0" smtClean="0"/>
+              <a:rPr lang="en-US" altLang="ko-KR" sz="1800" dirty="0"/>
               <a:t>2</a:t>
             </a:r>
           </a:p>
@@ -12169,82 +12215,8 @@
               <a:buNone/>
             </a:pPr>
             <a:r>
-              <a:rPr lang="en-US" altLang="ko-KR" sz="1800" dirty="0" smtClean="0"/>
+              <a:rPr lang="en-US" altLang="ko-KR" sz="1800" dirty="0"/>
               <a:t>      from </a:t>
-            </a:r>
-            <a:r>
-              <a:rPr lang="ko-KR" altLang="en-US" sz="1800" dirty="0" err="1" smtClean="0"/>
-              <a:t>테이블명</a:t>
-            </a:r>
-            <a:r>
-              <a:rPr lang="ko-KR" altLang="en-US" sz="1800" dirty="0" smtClean="0"/>
-              <a:t> </a:t>
-            </a:r>
-            <a:r>
-              <a:rPr lang="en-US" altLang="ko-KR" sz="1800" dirty="0" smtClean="0"/>
-              <a:t>AS A1</a:t>
-            </a:r>
-          </a:p>
-          <a:p>
-            <a:pPr marL="0" indent="0">
-              <a:buFont typeface="Arial" panose="020B0604020202020204" pitchFamily="34" charset="0"/>
-              <a:buNone/>
-            </a:pPr>
-            <a:r>
-              <a:rPr lang="en-US" altLang="ko-KR" sz="1800" dirty="0" smtClean="0"/>
-              <a:t>   </a:t>
-            </a:r>
-            <a:r>
-              <a:rPr lang="ko-KR" altLang="en-US" sz="1800" dirty="0" smtClean="0"/>
-              <a:t> </a:t>
-            </a:r>
-            <a:r>
-              <a:rPr lang="en-US" altLang="ko-KR" sz="1800" dirty="0" smtClean="0"/>
-              <a:t>Where </a:t>
-            </a:r>
-            <a:r>
-              <a:rPr lang="ko-KR" altLang="en-US" sz="1800" dirty="0" smtClean="0"/>
-              <a:t>조건</a:t>
-            </a:r>
-            <a:endParaRPr lang="en-US" altLang="ko-KR" sz="1800" dirty="0" smtClean="0"/>
-          </a:p>
-          <a:p>
-            <a:pPr marL="0" indent="0">
-              <a:buFont typeface="Arial" panose="020B0604020202020204" pitchFamily="34" charset="0"/>
-              <a:buNone/>
-            </a:pPr>
-            <a:r>
-              <a:rPr lang="en-US" altLang="ko-KR" sz="1800" dirty="0" smtClean="0"/>
-              <a:t>     Select </a:t>
-            </a:r>
-            <a:r>
-              <a:rPr lang="ko-KR" altLang="en-US" sz="1800" dirty="0" err="1" smtClean="0"/>
-              <a:t>컬럼명</a:t>
-            </a:r>
-            <a:r>
-              <a:rPr lang="en-US" altLang="ko-KR" sz="1800" dirty="0" smtClean="0"/>
-              <a:t>1, </a:t>
-            </a:r>
-            <a:r>
-              <a:rPr lang="ko-KR" altLang="en-US" sz="1800" dirty="0" err="1" smtClean="0"/>
-              <a:t>컬럼명</a:t>
-            </a:r>
-            <a:r>
-              <a:rPr lang="en-US" altLang="ko-KR" sz="1800" dirty="0" smtClean="0"/>
-              <a:t>2</a:t>
-            </a:r>
-          </a:p>
-          <a:p>
-            <a:pPr marL="0" indent="0">
-              <a:buNone/>
-            </a:pPr>
-            <a:r>
-              <a:rPr lang="en-US" altLang="ko-KR" sz="1800" dirty="0" smtClean="0"/>
-              <a:t>      </a:t>
-            </a:r>
-            <a:r>
-              <a:rPr lang="en-US" altLang="ko-KR" sz="1800" dirty="0"/>
-              <a:t>from </a:t>
             </a:r>
             <a:r>
               <a:rPr lang="ko-KR" altLang="en-US" sz="1800" dirty="0" err="1"/>
@@ -12256,27 +12228,103 @@
             </a:r>
             <a:r>
               <a:rPr lang="en-US" altLang="ko-KR" sz="1800" dirty="0"/>
-              <a:t>AS </a:t>
-            </a:r>
-            <a:r>
-              <a:rPr lang="en-US" altLang="ko-KR" sz="1800" dirty="0" smtClean="0"/>
-              <a:t>A1</a:t>
+              <a:t>AS A1</a:t>
             </a:r>
           </a:p>
           <a:p>
             <a:pPr marL="0" indent="0">
-              <a:buNone/>
-            </a:pPr>
-            <a:r>
-              <a:rPr lang="en-US" altLang="ko-KR" sz="1800" dirty="0" smtClean="0"/>
+              <a:buFont typeface="Arial" panose="020B0604020202020204" pitchFamily="34" charset="0"/>
+              <a:buNone/>
+            </a:pPr>
+            <a:r>
+              <a:rPr lang="en-US" altLang="ko-KR" sz="1800" dirty="0"/>
+              <a:t>   </a:t>
+            </a:r>
+            <a:r>
+              <a:rPr lang="ko-KR" altLang="en-US" sz="1800" dirty="0"/>
+              <a:t> </a:t>
+            </a:r>
+            <a:r>
+              <a:rPr lang="en-US" altLang="ko-KR" sz="1800" dirty="0"/>
+              <a:t>Where </a:t>
+            </a:r>
+            <a:r>
+              <a:rPr lang="ko-KR" altLang="en-US" sz="1800" dirty="0"/>
+              <a:t>조건</a:t>
+            </a:r>
+            <a:endParaRPr lang="en-US" altLang="ko-KR" sz="1800" dirty="0"/>
+          </a:p>
+          <a:p>
+            <a:pPr marL="0" indent="0">
+              <a:buFont typeface="Arial" panose="020B0604020202020204" pitchFamily="34" charset="0"/>
+              <a:buNone/>
+            </a:pPr>
+            <a:r>
+              <a:rPr lang="en-US" altLang="ko-KR" sz="1800" dirty="0"/>
+              <a:t>     UNION</a:t>
+            </a:r>
+          </a:p>
+          <a:p>
+            <a:pPr marL="0" indent="0">
+              <a:buFont typeface="Arial" panose="020B0604020202020204" pitchFamily="34" charset="0"/>
+              <a:buNone/>
+            </a:pPr>
+            <a:r>
+              <a:rPr lang="en-US" altLang="ko-KR" sz="1800" dirty="0"/>
+              <a:t>     Select </a:t>
+            </a:r>
+            <a:r>
+              <a:rPr lang="ko-KR" altLang="en-US" sz="1800" dirty="0" err="1"/>
+              <a:t>컬럼명</a:t>
+            </a:r>
+            <a:r>
+              <a:rPr lang="en-US" altLang="ko-KR" sz="1800" dirty="0"/>
+              <a:t>1, </a:t>
+            </a:r>
+            <a:r>
+              <a:rPr lang="ko-KR" altLang="en-US" sz="1800" dirty="0" err="1"/>
+              <a:t>컬럼명</a:t>
+            </a:r>
+            <a:r>
+              <a:rPr lang="en-US" altLang="ko-KR" sz="1800" dirty="0"/>
+              <a:t>2</a:t>
+            </a:r>
+          </a:p>
+          <a:p>
+            <a:pPr marL="0" indent="0">
+              <a:buNone/>
+            </a:pPr>
+            <a:r>
+              <a:rPr lang="en-US" altLang="ko-KR" sz="1800" dirty="0"/>
+              <a:t>      from </a:t>
+            </a:r>
+            <a:r>
+              <a:rPr lang="ko-KR" altLang="en-US" sz="1800" dirty="0" err="1"/>
+              <a:t>테이블명</a:t>
+            </a:r>
+            <a:r>
+              <a:rPr lang="ko-KR" altLang="en-US" sz="1800" dirty="0"/>
+              <a:t> </a:t>
+            </a:r>
+            <a:r>
+              <a:rPr lang="en-US" altLang="ko-KR" sz="1800" dirty="0"/>
+              <a:t>AS A1</a:t>
+            </a:r>
+          </a:p>
+          <a:p>
+            <a:pPr marL="0" indent="0">
+              <a:buNone/>
+            </a:pPr>
+            <a:r>
+              <a:rPr lang="en-US" altLang="ko-KR" sz="1800" dirty="0"/>
               <a:t>    Where </a:t>
             </a:r>
             <a:r>
-              <a:rPr lang="ko-KR" altLang="en-US" sz="1800" dirty="0" smtClean="0"/>
+              <a:rPr lang="ko-KR" altLang="en-US" sz="1800" dirty="0"/>
               <a:t>조건</a:t>
             </a:r>
             <a:r>
-              <a:rPr lang="en-US" altLang="ko-KR" sz="1800" dirty="0" smtClean="0"/>
+              <a:rPr lang="en-US" altLang="ko-KR" sz="1800" dirty="0"/>
               <a:t>;</a:t>
             </a:r>
           </a:p>
@@ -12371,7 +12419,7 @@
               <a:buNone/>
             </a:pPr>
             <a:r>
-              <a:rPr lang="en-US" altLang="ko-KR" dirty="0" smtClean="0">
+              <a:rPr lang="en-US" altLang="ko-KR" dirty="0">
                 <a:solidFill>
                   <a:schemeClr val="bg1"/>
                 </a:solidFill>
@@ -12575,39 +12623,39 @@
               <a:buNone/>
             </a:pPr>
             <a:r>
-              <a:rPr lang="ko-KR" altLang="en-US" sz="2400" dirty="0" smtClean="0"/>
+              <a:rPr lang="ko-KR" altLang="en-US" sz="2400" dirty="0"/>
               <a:t>실습 </a:t>
             </a:r>
             <a:r>
-              <a:rPr lang="en-US" altLang="ko-KR" sz="2400" dirty="0" smtClean="0"/>
-              <a:t>8. </a:t>
-            </a:r>
-            <a:r>
-              <a:rPr lang="ko-KR" altLang="en-US" sz="2400" dirty="0" smtClean="0"/>
+              <a:rPr lang="en-US" altLang="ko-KR" sz="2400" dirty="0"/>
+              <a:t>10. </a:t>
+            </a:r>
+            <a:r>
+              <a:rPr lang="ko-KR" altLang="en-US" sz="2400" dirty="0"/>
               <a:t>상품권 발급 대장 테이블을 두 번 사용하여 </a:t>
             </a:r>
             <a:r>
-              <a:rPr lang="en-US" altLang="ko-KR" sz="2400" dirty="0" err="1" smtClean="0"/>
+              <a:rPr lang="en-US" altLang="ko-KR" sz="2400" dirty="0" err="1"/>
               <a:t>c_id</a:t>
             </a:r>
             <a:r>
-              <a:rPr lang="en-US" altLang="ko-KR" sz="2400" dirty="0" smtClean="0"/>
+              <a:rPr lang="en-US" altLang="ko-KR" sz="2400" dirty="0"/>
               <a:t> </a:t>
             </a:r>
             <a:r>
-              <a:rPr lang="ko-KR" altLang="en-US" sz="2400" dirty="0" smtClean="0"/>
+              <a:rPr lang="ko-KR" altLang="en-US" sz="2400" dirty="0"/>
               <a:t>컬럼만 </a:t>
             </a:r>
             <a:r>
-              <a:rPr lang="en-US" altLang="ko-KR" sz="2400" dirty="0" smtClean="0"/>
+              <a:rPr lang="en-US" altLang="ko-KR" sz="2400" dirty="0"/>
               <a:t>union </a:t>
             </a:r>
             <a:r>
-              <a:rPr lang="ko-KR" altLang="en-US" sz="2400" dirty="0" smtClean="0"/>
+              <a:rPr lang="ko-KR" altLang="en-US" sz="2400" dirty="0"/>
               <a:t>시키고 결과를 확인 하시오</a:t>
             </a:r>
             <a:r>
-              <a:rPr lang="en-US" altLang="ko-KR" sz="2400" dirty="0" smtClean="0"/>
+              <a:rPr lang="en-US" altLang="ko-KR" sz="2400" dirty="0"/>
               <a:t>.</a:t>
             </a:r>
           </a:p>
@@ -12624,50 +12672,134 @@
               <a:buNone/>
             </a:pPr>
             <a:r>
-              <a:rPr lang="ko-KR" altLang="en-US" sz="2400" dirty="0" smtClean="0"/>
+              <a:rPr lang="ko-KR" altLang="en-US" sz="2400" dirty="0"/>
               <a:t>실습 </a:t>
             </a:r>
             <a:r>
               <a:rPr lang="en-US" altLang="ko-KR" sz="2400" dirty="0"/>
-              <a:t>9</a:t>
-            </a:r>
-            <a:r>
-              <a:rPr lang="en-US" altLang="ko-KR" sz="2400" smtClean="0"/>
-              <a:t>. </a:t>
-            </a:r>
-            <a:r>
-              <a:rPr lang="ko-KR" altLang="en-US" sz="2400" dirty="0" smtClean="0"/>
+              <a:t>11. “</a:t>
+            </a:r>
+            <a:r>
+              <a:rPr lang="ko-KR" altLang="en-US" sz="2400" dirty="0"/>
+              <a:t>실습 </a:t>
+            </a:r>
+            <a:r>
+              <a:rPr lang="en-US" altLang="ko-KR" sz="2400" dirty="0"/>
+              <a:t>10”</a:t>
+            </a:r>
+            <a:r>
+              <a:rPr lang="ko-KR" altLang="en-US" sz="2400" dirty="0"/>
+              <a:t>에 첫번째 </a:t>
+            </a:r>
+            <a:r>
+              <a:rPr lang="en-US" altLang="ko-KR" sz="2400" dirty="0"/>
+              <a:t>select</a:t>
+            </a:r>
+            <a:r>
+              <a:rPr lang="ko-KR" altLang="en-US" sz="2400" dirty="0"/>
+              <a:t>문에는 </a:t>
+            </a:r>
+            <a:r>
+              <a:rPr lang="en-US" altLang="ko-KR" sz="2400" dirty="0"/>
+              <a:t>‘1</a:t>
+            </a:r>
+            <a:r>
+              <a:rPr lang="ko-KR" altLang="en-US" sz="2400" dirty="0"/>
+              <a:t>번</a:t>
+            </a:r>
+            <a:r>
+              <a:rPr lang="en-US" altLang="ko-KR" sz="2400" dirty="0"/>
+              <a:t>‘ </a:t>
+            </a:r>
+            <a:r>
+              <a:rPr lang="ko-KR" altLang="en-US" sz="2400" dirty="0"/>
+              <a:t>이라는 내용의 컬럼을 두번째 </a:t>
+            </a:r>
+            <a:r>
+              <a:rPr lang="en-US" altLang="ko-KR" sz="2400" dirty="0"/>
+              <a:t>select</a:t>
+            </a:r>
+            <a:r>
+              <a:rPr lang="ko-KR" altLang="en-US" sz="2400" dirty="0"/>
+              <a:t>문에는 </a:t>
+            </a:r>
+            <a:r>
+              <a:rPr lang="en-US" altLang="ko-KR" sz="2400" dirty="0"/>
+              <a:t>‘2</a:t>
+            </a:r>
+            <a:r>
+              <a:rPr lang="ko-KR" altLang="en-US" sz="2400" dirty="0"/>
+              <a:t>번</a:t>
+            </a:r>
+            <a:r>
+              <a:rPr lang="en-US" altLang="ko-KR" sz="2400" dirty="0"/>
+              <a:t>’</a:t>
+            </a:r>
+            <a:r>
+              <a:rPr lang="ko-KR" altLang="en-US" sz="2400" dirty="0"/>
+              <a:t>이라는 내용의 컬럼을 추가하여 결과를 확인 </a:t>
+            </a:r>
+            <a:r>
+              <a:rPr lang="ko-KR" altLang="en-US" sz="2400" dirty="0" err="1"/>
+              <a:t>하시오</a:t>
+            </a:r>
+            <a:r>
+              <a:rPr lang="en-US" altLang="ko-KR" sz="2400" dirty="0"/>
+              <a:t>.</a:t>
+            </a:r>
+          </a:p>
+          <a:p>
+            <a:pPr marL="0" indent="0">
+              <a:buFont typeface="Arial" panose="020B0604020202020204" pitchFamily="34" charset="0"/>
+              <a:buNone/>
+            </a:pPr>
+            <a:endParaRPr lang="en-US" altLang="ko-KR" sz="2400" dirty="0"/>
+          </a:p>
+          <a:p>
+            <a:pPr marL="0" indent="0">
+              <a:buFont typeface="Arial" panose="020B0604020202020204" pitchFamily="34" charset="0"/>
+              <a:buNone/>
+            </a:pPr>
+            <a:r>
+              <a:rPr lang="ko-KR" altLang="en-US" sz="2400" dirty="0"/>
+              <a:t>실습 </a:t>
+            </a:r>
+            <a:r>
+              <a:rPr lang="en-US" altLang="ko-KR" sz="2400" dirty="0"/>
+              <a:t>12. </a:t>
+            </a:r>
+            <a:r>
+              <a:rPr lang="ko-KR" altLang="en-US" sz="2400" dirty="0"/>
               <a:t>상품권 발급 대장 테이블을 이용하여 </a:t>
             </a:r>
             <a:r>
-              <a:rPr lang="en-US" altLang="ko-KR" sz="2400" dirty="0" smtClean="0"/>
+              <a:rPr lang="en-US" altLang="ko-KR" sz="2400" dirty="0"/>
               <a:t>10</a:t>
             </a:r>
             <a:r>
-              <a:rPr lang="ko-KR" altLang="en-US" sz="2400" dirty="0" smtClean="0"/>
+              <a:rPr lang="ko-KR" altLang="en-US" sz="2400" dirty="0"/>
               <a:t>만원 초과 상품권을 발급 받은 고객 </a:t>
             </a:r>
             <a:r>
-              <a:rPr lang="ko-KR" altLang="en-US" sz="2400" dirty="0" err="1" smtClean="0"/>
+              <a:rPr lang="ko-KR" altLang="en-US" sz="2400" dirty="0" err="1"/>
               <a:t>관리번호를</a:t>
             </a:r>
             <a:r>
-              <a:rPr lang="ko-KR" altLang="en-US" sz="2400" dirty="0" smtClean="0"/>
+              <a:rPr lang="ko-KR" altLang="en-US" sz="2400" dirty="0"/>
               <a:t> </a:t>
             </a:r>
             <a:r>
-              <a:rPr lang="en-US" altLang="ko-KR" sz="2400" dirty="0" smtClean="0"/>
+              <a:rPr lang="en-US" altLang="ko-KR" sz="2400" dirty="0"/>
               <a:t>2</a:t>
             </a:r>
             <a:r>
-              <a:rPr lang="ko-KR" altLang="en-US" sz="2400" dirty="0" smtClean="0"/>
+              <a:rPr lang="ko-KR" altLang="en-US" sz="2400" dirty="0"/>
               <a:t>번 출력되도록 구성 하시오</a:t>
             </a:r>
             <a:r>
-              <a:rPr lang="en-US" altLang="ko-KR" sz="2400" dirty="0" smtClean="0"/>
+              <a:rPr lang="en-US" altLang="ko-KR" sz="2400" dirty="0"/>
               <a:t>.</a:t>
             </a:r>
-            <a:endParaRPr lang="en-US" altLang="ko-KR" sz="2400" dirty="0"/>
           </a:p>
         </p:txBody>
       </p:sp>
@@ -12736,7 +12868,7 @@
               <a:buNone/>
             </a:pPr>
             <a:r>
-              <a:rPr lang="en-US" altLang="ko-KR" dirty="0" smtClean="0">
+              <a:rPr lang="en-US" altLang="ko-KR" dirty="0">
                 <a:solidFill>
                   <a:schemeClr val="bg1"/>
                 </a:solidFill>
@@ -12940,7 +13072,7 @@
               <a:buNone/>
             </a:pPr>
             <a:r>
-              <a:rPr lang="en-US" altLang="ko-KR" smtClean="0"/>
+              <a:rPr lang="en-US" altLang="ko-KR"/>
               <a:t>1.Select</a:t>
             </a:r>
           </a:p>
@@ -12950,14 +13082,14 @@
               <a:buNone/>
             </a:pPr>
             <a:r>
-              <a:rPr lang="en-US" altLang="ko-KR" sz="2400" smtClean="0"/>
+              <a:rPr lang="en-US" altLang="ko-KR" sz="2400"/>
               <a:t>  1) </a:t>
             </a:r>
             <a:r>
-              <a:rPr lang="ko-KR" altLang="en-US" sz="2400" smtClean="0"/>
+              <a:rPr lang="ko-KR" altLang="en-US" sz="2400"/>
               <a:t>일반 조회</a:t>
             </a:r>
-            <a:endParaRPr lang="en-US" altLang="ko-KR" sz="2400" smtClean="0"/>
+            <a:endParaRPr lang="en-US" altLang="ko-KR" sz="2400"/>
           </a:p>
           <a:p>
             <a:pPr marL="0" indent="0">
@@ -12965,18 +13097,18 @@
               <a:buNone/>
             </a:pPr>
             <a:r>
-              <a:rPr lang="en-US" altLang="ko-KR" sz="2400" smtClean="0"/>
+              <a:rPr lang="en-US" altLang="ko-KR" sz="2400"/>
               <a:t>     Select * from </a:t>
             </a:r>
             <a:r>
-              <a:rPr lang="ko-KR" altLang="en-US" sz="2400" smtClean="0"/>
+              <a:rPr lang="ko-KR" altLang="en-US" sz="2400"/>
               <a:t>테이블명</a:t>
             </a:r>
             <a:r>
-              <a:rPr lang="en-US" altLang="ko-KR" sz="2400" smtClean="0"/>
+              <a:rPr lang="en-US" altLang="ko-KR" sz="2400"/>
               <a:t>;</a:t>
             </a:r>
-            <a:endParaRPr lang="en-US" altLang="ko-KR" sz="2400" dirty="0" smtClean="0"/>
+            <a:endParaRPr lang="en-US" altLang="ko-KR" sz="2400" dirty="0"/>
           </a:p>
         </p:txBody>
       </p:sp>
@@ -13005,6 +13137,924 @@
         </p:spPr>
       </p:pic>
     </p:spTree>
+  </p:cSld>
+  <p:clrMapOvr>
+    <a:masterClrMapping/>
+  </p:clrMapOvr>
+</p:sld>
+</file>
+
+<file path=ppt/slides/slide20.xml><?xml version="1.0" encoding="utf-8"?>
+<p:sld xmlns:a="http://schemas.openxmlformats.org/drawingml/2006/main" xmlns:r="http://schemas.openxmlformats.org/officeDocument/2006/relationships" xmlns:p="http://schemas.openxmlformats.org/presentationml/2006/main">
+  <p:cSld>
+    <p:spTree>
+      <p:nvGrpSpPr>
+        <p:cNvPr id="1" name=""/>
+        <p:cNvGrpSpPr/>
+        <p:nvPr/>
+      </p:nvGrpSpPr>
+      <p:grpSpPr>
+        <a:xfrm>
+          <a:off x="0" y="0"/>
+          <a:ext cx="0" cy="0"/>
+          <a:chOff x="0" y="0"/>
+          <a:chExt cx="0" cy="0"/>
+        </a:xfrm>
+      </p:grpSpPr>
+      <p:sp>
+        <p:nvSpPr>
+          <p:cNvPr id="44" name="도형 17"/>
+          <p:cNvSpPr>
+            <a:spLocks/>
+          </p:cNvSpPr>
+          <p:nvPr/>
+        </p:nvSpPr>
+        <p:spPr>
+          <a:xfrm>
+            <a:off x="765868" y="316230"/>
+            <a:ext cx="2052165" cy="454292"/>
+          </a:xfrm>
+          <a:prstGeom prst="rect">
+            <a:avLst/>
+          </a:prstGeom>
+          <a:ln w="0">
+            <a:noFill/>
+            <a:prstDash/>
+          </a:ln>
+        </p:spPr>
+        <p:txBody>
+          <a:bodyPr vert="horz" wrap="none" lIns="91440" tIns="45720" rIns="91440" bIns="45720" numCol="1" anchor="t">
+            <a:spAutoFit/>
+          </a:bodyPr>
+          <a:lstStyle/>
+          <a:p>
+            <a:pPr marL="0" indent="0" latinLnBrk="0">
+              <a:lnSpc>
+                <a:spcPct val="150000"/>
+              </a:lnSpc>
+              <a:buFontTx/>
+              <a:buNone/>
+            </a:pPr>
+            <a:r>
+              <a:rPr lang="en-US" altLang="ko-KR" dirty="0">
+                <a:solidFill>
+                  <a:schemeClr val="bg1"/>
+                </a:solidFill>
+              </a:rPr>
+              <a:t>SQL Select, Union</a:t>
+            </a:r>
+            <a:endParaRPr lang="ko-KR" altLang="en-US" dirty="0">
+              <a:solidFill>
+                <a:schemeClr val="bg1"/>
+              </a:solidFill>
+            </a:endParaRPr>
+          </a:p>
+        </p:txBody>
+      </p:sp>
+      <p:sp>
+        <p:nvSpPr>
+          <p:cNvPr id="3" name="내용 개체 틀 2"/>
+          <p:cNvSpPr txBox="1">
+            <a:spLocks/>
+          </p:cNvSpPr>
+          <p:nvPr/>
+        </p:nvSpPr>
+        <p:spPr>
+          <a:xfrm>
+            <a:off x="440573" y="1600200"/>
+            <a:ext cx="11305309" cy="4525963"/>
+          </a:xfrm>
+          <a:prstGeom prst="rect">
+            <a:avLst/>
+          </a:prstGeom>
+        </p:spPr>
+        <p:txBody>
+          <a:bodyPr/>
+          <a:lstStyle>
+            <a:lvl1pPr marL="228600" indent="-228600" algn="l" defTabSz="914400" rtl="0" eaLnBrk="1" latinLnBrk="1" hangingPunct="1">
+              <a:lnSpc>
+                <a:spcPct val="90000"/>
+              </a:lnSpc>
+              <a:spcBef>
+                <a:spcPts val="1000"/>
+              </a:spcBef>
+              <a:buFont typeface="Arial" panose="020B0604020202020204" pitchFamily="34" charset="0"/>
+              <a:buChar char="•"/>
+              <a:defRPr sz="2800" kern="1200">
+                <a:solidFill>
+                  <a:schemeClr val="tx1"/>
+                </a:solidFill>
+                <a:latin typeface="+mn-lt"/>
+                <a:ea typeface="+mn-ea"/>
+                <a:cs typeface="+mn-cs"/>
+              </a:defRPr>
+            </a:lvl1pPr>
+            <a:lvl2pPr marL="685800" indent="-228600" algn="l" defTabSz="914400" rtl="0" eaLnBrk="1" latinLnBrk="1" hangingPunct="1">
+              <a:lnSpc>
+                <a:spcPct val="90000"/>
+              </a:lnSpc>
+              <a:spcBef>
+                <a:spcPts val="500"/>
+              </a:spcBef>
+              <a:buFont typeface="Arial" panose="020B0604020202020204" pitchFamily="34" charset="0"/>
+              <a:buChar char="•"/>
+              <a:defRPr sz="2400" kern="1200">
+                <a:solidFill>
+                  <a:schemeClr val="tx1"/>
+                </a:solidFill>
+                <a:latin typeface="+mn-lt"/>
+                <a:ea typeface="+mn-ea"/>
+                <a:cs typeface="+mn-cs"/>
+              </a:defRPr>
+            </a:lvl2pPr>
+            <a:lvl3pPr marL="1143000" indent="-228600" algn="l" defTabSz="914400" rtl="0" eaLnBrk="1" latinLnBrk="1" hangingPunct="1">
+              <a:lnSpc>
+                <a:spcPct val="90000"/>
+              </a:lnSpc>
+              <a:spcBef>
+                <a:spcPts val="500"/>
+              </a:spcBef>
+              <a:buFont typeface="Arial" panose="020B0604020202020204" pitchFamily="34" charset="0"/>
+              <a:buChar char="•"/>
+              <a:defRPr sz="2000" kern="1200">
+                <a:solidFill>
+                  <a:schemeClr val="tx1"/>
+                </a:solidFill>
+                <a:latin typeface="+mn-lt"/>
+                <a:ea typeface="+mn-ea"/>
+                <a:cs typeface="+mn-cs"/>
+              </a:defRPr>
+            </a:lvl3pPr>
+            <a:lvl4pPr marL="1600200" indent="-228600" algn="l" defTabSz="914400" rtl="0" eaLnBrk="1" latinLnBrk="1" hangingPunct="1">
+              <a:lnSpc>
+                <a:spcPct val="90000"/>
+              </a:lnSpc>
+              <a:spcBef>
+                <a:spcPts val="500"/>
+              </a:spcBef>
+              <a:buFont typeface="Arial" panose="020B0604020202020204" pitchFamily="34" charset="0"/>
+              <a:buChar char="•"/>
+              <a:defRPr sz="1800" kern="1200">
+                <a:solidFill>
+                  <a:schemeClr val="tx1"/>
+                </a:solidFill>
+                <a:latin typeface="+mn-lt"/>
+                <a:ea typeface="+mn-ea"/>
+                <a:cs typeface="+mn-cs"/>
+              </a:defRPr>
+            </a:lvl4pPr>
+            <a:lvl5pPr marL="2057400" indent="-228600" algn="l" defTabSz="914400" rtl="0" eaLnBrk="1" latinLnBrk="1" hangingPunct="1">
+              <a:lnSpc>
+                <a:spcPct val="90000"/>
+              </a:lnSpc>
+              <a:spcBef>
+                <a:spcPts val="500"/>
+              </a:spcBef>
+              <a:buFont typeface="Arial" panose="020B0604020202020204" pitchFamily="34" charset="0"/>
+              <a:buChar char="•"/>
+              <a:defRPr sz="1800" kern="1200">
+                <a:solidFill>
+                  <a:schemeClr val="tx1"/>
+                </a:solidFill>
+                <a:latin typeface="+mn-lt"/>
+                <a:ea typeface="+mn-ea"/>
+                <a:cs typeface="+mn-cs"/>
+              </a:defRPr>
+            </a:lvl5pPr>
+            <a:lvl6pPr marL="2514600" indent="-228600" algn="l" defTabSz="914400" rtl="0" eaLnBrk="1" latinLnBrk="1" hangingPunct="1">
+              <a:lnSpc>
+                <a:spcPct val="90000"/>
+              </a:lnSpc>
+              <a:spcBef>
+                <a:spcPts val="500"/>
+              </a:spcBef>
+              <a:buFont typeface="Arial" panose="020B0604020202020204" pitchFamily="34" charset="0"/>
+              <a:buChar char="•"/>
+              <a:defRPr sz="1800" kern="1200">
+                <a:solidFill>
+                  <a:schemeClr val="tx1"/>
+                </a:solidFill>
+                <a:latin typeface="+mn-lt"/>
+                <a:ea typeface="+mn-ea"/>
+                <a:cs typeface="+mn-cs"/>
+              </a:defRPr>
+            </a:lvl6pPr>
+            <a:lvl7pPr marL="2971800" indent="-228600" algn="l" defTabSz="914400" rtl="0" eaLnBrk="1" latinLnBrk="1" hangingPunct="1">
+              <a:lnSpc>
+                <a:spcPct val="90000"/>
+              </a:lnSpc>
+              <a:spcBef>
+                <a:spcPts val="500"/>
+              </a:spcBef>
+              <a:buFont typeface="Arial" panose="020B0604020202020204" pitchFamily="34" charset="0"/>
+              <a:buChar char="•"/>
+              <a:defRPr sz="1800" kern="1200">
+                <a:solidFill>
+                  <a:schemeClr val="tx1"/>
+                </a:solidFill>
+                <a:latin typeface="+mn-lt"/>
+                <a:ea typeface="+mn-ea"/>
+                <a:cs typeface="+mn-cs"/>
+              </a:defRPr>
+            </a:lvl7pPr>
+            <a:lvl8pPr marL="3429000" indent="-228600" algn="l" defTabSz="914400" rtl="0" eaLnBrk="1" latinLnBrk="1" hangingPunct="1">
+              <a:lnSpc>
+                <a:spcPct val="90000"/>
+              </a:lnSpc>
+              <a:spcBef>
+                <a:spcPts val="500"/>
+              </a:spcBef>
+              <a:buFont typeface="Arial" panose="020B0604020202020204" pitchFamily="34" charset="0"/>
+              <a:buChar char="•"/>
+              <a:defRPr sz="1800" kern="1200">
+                <a:solidFill>
+                  <a:schemeClr val="tx1"/>
+                </a:solidFill>
+                <a:latin typeface="+mn-lt"/>
+                <a:ea typeface="+mn-ea"/>
+                <a:cs typeface="+mn-cs"/>
+              </a:defRPr>
+            </a:lvl8pPr>
+            <a:lvl9pPr marL="3886200" indent="-228600" algn="l" defTabSz="914400" rtl="0" eaLnBrk="1" latinLnBrk="1" hangingPunct="1">
+              <a:lnSpc>
+                <a:spcPct val="90000"/>
+              </a:lnSpc>
+              <a:spcBef>
+                <a:spcPts val="500"/>
+              </a:spcBef>
+              <a:buFont typeface="Arial" panose="020B0604020202020204" pitchFamily="34" charset="0"/>
+              <a:buChar char="•"/>
+              <a:defRPr sz="1800" kern="1200">
+                <a:solidFill>
+                  <a:schemeClr val="tx1"/>
+                </a:solidFill>
+                <a:latin typeface="+mn-lt"/>
+                <a:ea typeface="+mn-ea"/>
+                <a:cs typeface="+mn-cs"/>
+              </a:defRPr>
+            </a:lvl9pPr>
+          </a:lstStyle>
+          <a:p>
+            <a:pPr marL="0" indent="0">
+              <a:buFont typeface="Arial" panose="020B0604020202020204" pitchFamily="34" charset="0"/>
+              <a:buNone/>
+            </a:pPr>
+            <a:r>
+              <a:rPr lang="en-US" altLang="ko-KR" dirty="0"/>
+              <a:t>2. Union All</a:t>
+            </a:r>
+          </a:p>
+          <a:p>
+            <a:pPr marL="0" indent="0">
+              <a:buFont typeface="Arial" panose="020B0604020202020204" pitchFamily="34" charset="0"/>
+              <a:buNone/>
+            </a:pPr>
+            <a:r>
+              <a:rPr lang="en-US" altLang="ko-KR" sz="2400" dirty="0"/>
+              <a:t>  3) </a:t>
+            </a:r>
+            <a:r>
+              <a:rPr lang="ko-KR" altLang="en-US" sz="2400" dirty="0"/>
+              <a:t>두 테이블의 </a:t>
+            </a:r>
+            <a:r>
+              <a:rPr lang="en-US" altLang="ko-KR" sz="2400" dirty="0"/>
+              <a:t>Union</a:t>
+            </a:r>
+          </a:p>
+          <a:p>
+            <a:pPr marL="0" indent="0">
+              <a:buNone/>
+            </a:pPr>
+            <a:r>
+              <a:rPr lang="en-US" altLang="ko-KR" sz="1800" dirty="0"/>
+              <a:t>     Select </a:t>
+            </a:r>
+            <a:r>
+              <a:rPr lang="ko-KR" altLang="en-US" sz="1800" dirty="0" err="1"/>
+              <a:t>컬럼명</a:t>
+            </a:r>
+            <a:r>
+              <a:rPr lang="en-US" altLang="ko-KR" sz="1800" dirty="0"/>
+              <a:t>1, </a:t>
+            </a:r>
+            <a:r>
+              <a:rPr lang="ko-KR" altLang="en-US" sz="1800" dirty="0" err="1"/>
+              <a:t>컬럼명</a:t>
+            </a:r>
+            <a:r>
+              <a:rPr lang="en-US" altLang="ko-KR" sz="1800" dirty="0"/>
+              <a:t>2</a:t>
+            </a:r>
+          </a:p>
+          <a:p>
+            <a:pPr marL="0" indent="0">
+              <a:buFont typeface="Arial" panose="020B0604020202020204" pitchFamily="34" charset="0"/>
+              <a:buNone/>
+            </a:pPr>
+            <a:r>
+              <a:rPr lang="en-US" altLang="ko-KR" sz="1800" dirty="0"/>
+              <a:t>      from </a:t>
+            </a:r>
+            <a:r>
+              <a:rPr lang="ko-KR" altLang="en-US" sz="1800" dirty="0" err="1"/>
+              <a:t>테이블명</a:t>
+            </a:r>
+            <a:r>
+              <a:rPr lang="ko-KR" altLang="en-US" sz="1800" dirty="0"/>
+              <a:t> </a:t>
+            </a:r>
+            <a:r>
+              <a:rPr lang="en-US" altLang="ko-KR" sz="1800" dirty="0"/>
+              <a:t>AS A1</a:t>
+            </a:r>
+          </a:p>
+          <a:p>
+            <a:pPr marL="0" indent="0">
+              <a:buFont typeface="Arial" panose="020B0604020202020204" pitchFamily="34" charset="0"/>
+              <a:buNone/>
+            </a:pPr>
+            <a:r>
+              <a:rPr lang="en-US" altLang="ko-KR" sz="1800" dirty="0"/>
+              <a:t>   </a:t>
+            </a:r>
+            <a:r>
+              <a:rPr lang="ko-KR" altLang="en-US" sz="1800" dirty="0"/>
+              <a:t> </a:t>
+            </a:r>
+            <a:r>
+              <a:rPr lang="en-US" altLang="ko-KR" sz="1800" dirty="0"/>
+              <a:t>Where </a:t>
+            </a:r>
+            <a:r>
+              <a:rPr lang="ko-KR" altLang="en-US" sz="1800" dirty="0"/>
+              <a:t>조건</a:t>
+            </a:r>
+            <a:endParaRPr lang="en-US" altLang="ko-KR" sz="1800" dirty="0"/>
+          </a:p>
+          <a:p>
+            <a:pPr marL="0" indent="0">
+              <a:buFont typeface="Arial" panose="020B0604020202020204" pitchFamily="34" charset="0"/>
+              <a:buNone/>
+            </a:pPr>
+            <a:r>
+              <a:rPr lang="en-US" altLang="ko-KR" sz="1800" dirty="0"/>
+              <a:t>     UNION ALL</a:t>
+            </a:r>
+          </a:p>
+          <a:p>
+            <a:pPr marL="0" indent="0">
+              <a:buFont typeface="Arial" panose="020B0604020202020204" pitchFamily="34" charset="0"/>
+              <a:buNone/>
+            </a:pPr>
+            <a:r>
+              <a:rPr lang="en-US" altLang="ko-KR" sz="1800" dirty="0"/>
+              <a:t>     Select </a:t>
+            </a:r>
+            <a:r>
+              <a:rPr lang="ko-KR" altLang="en-US" sz="1800" dirty="0" err="1"/>
+              <a:t>컬럼명</a:t>
+            </a:r>
+            <a:r>
+              <a:rPr lang="en-US" altLang="ko-KR" sz="1800" dirty="0"/>
+              <a:t>1, </a:t>
+            </a:r>
+            <a:r>
+              <a:rPr lang="ko-KR" altLang="en-US" sz="1800" dirty="0" err="1"/>
+              <a:t>컬럼명</a:t>
+            </a:r>
+            <a:r>
+              <a:rPr lang="en-US" altLang="ko-KR" sz="1800" dirty="0"/>
+              <a:t>2</a:t>
+            </a:r>
+          </a:p>
+          <a:p>
+            <a:pPr marL="0" indent="0">
+              <a:buNone/>
+            </a:pPr>
+            <a:r>
+              <a:rPr lang="en-US" altLang="ko-KR" sz="1800" dirty="0"/>
+              <a:t>      from </a:t>
+            </a:r>
+            <a:r>
+              <a:rPr lang="ko-KR" altLang="en-US" sz="1800" dirty="0" err="1"/>
+              <a:t>테이블명</a:t>
+            </a:r>
+            <a:r>
+              <a:rPr lang="ko-KR" altLang="en-US" sz="1800" dirty="0"/>
+              <a:t> </a:t>
+            </a:r>
+            <a:r>
+              <a:rPr lang="en-US" altLang="ko-KR" sz="1800" dirty="0"/>
+              <a:t>AS A1</a:t>
+            </a:r>
+          </a:p>
+          <a:p>
+            <a:pPr marL="0" indent="0">
+              <a:buNone/>
+            </a:pPr>
+            <a:r>
+              <a:rPr lang="en-US" altLang="ko-KR" sz="1800" dirty="0"/>
+              <a:t>    Where </a:t>
+            </a:r>
+            <a:r>
+              <a:rPr lang="ko-KR" altLang="en-US" sz="1800" dirty="0"/>
+              <a:t>조건</a:t>
+            </a:r>
+            <a:r>
+              <a:rPr lang="en-US" altLang="ko-KR" sz="1800" dirty="0"/>
+              <a:t>;</a:t>
+            </a:r>
+          </a:p>
+        </p:txBody>
+      </p:sp>
+      <p:pic>
+        <p:nvPicPr>
+          <p:cNvPr id="5" name="그림 4">
+            <a:extLst>
+              <a:ext uri="{FF2B5EF4-FFF2-40B4-BE49-F238E27FC236}">
+                <a16:creationId xmlns:a16="http://schemas.microsoft.com/office/drawing/2014/main" id="{FCBACA2B-6C3A-36A1-1C0C-775B51DE7297}"/>
+              </a:ext>
+            </a:extLst>
+          </p:cNvPr>
+          <p:cNvPicPr>
+            <a:picLocks noChangeAspect="1"/>
+          </p:cNvPicPr>
+          <p:nvPr/>
+        </p:nvPicPr>
+        <p:blipFill>
+          <a:blip r:embed="rId2">
+            <a:extLst>
+              <a:ext uri="{28A0092B-C50C-407E-A947-70E740481C1C}">
+                <a14:useLocalDpi xmlns:a14="http://schemas.microsoft.com/office/drawing/2010/main" val="0"/>
+              </a:ext>
+            </a:extLst>
+          </a:blip>
+          <a:stretch>
+            <a:fillRect/>
+          </a:stretch>
+        </p:blipFill>
+        <p:spPr>
+          <a:xfrm>
+            <a:off x="4384675" y="2033587"/>
+            <a:ext cx="2762250" cy="4467225"/>
+          </a:xfrm>
+          <a:prstGeom prst="rect">
+            <a:avLst/>
+          </a:prstGeom>
+        </p:spPr>
+      </p:pic>
+    </p:spTree>
+    <p:extLst>
+      <p:ext uri="{BB962C8B-B14F-4D97-AF65-F5344CB8AC3E}">
+        <p14:creationId xmlns:p14="http://schemas.microsoft.com/office/powerpoint/2010/main" val="3170118117"/>
+      </p:ext>
+    </p:extLst>
+  </p:cSld>
+  <p:clrMapOvr>
+    <a:masterClrMapping/>
+  </p:clrMapOvr>
+</p:sld>
+</file>
+
+<file path=ppt/slides/slide21.xml><?xml version="1.0" encoding="utf-8"?>
+<p:sld xmlns:a="http://schemas.openxmlformats.org/drawingml/2006/main" xmlns:r="http://schemas.openxmlformats.org/officeDocument/2006/relationships" xmlns:p="http://schemas.openxmlformats.org/presentationml/2006/main">
+  <p:cSld>
+    <p:spTree>
+      <p:nvGrpSpPr>
+        <p:cNvPr id="1" name=""/>
+        <p:cNvGrpSpPr/>
+        <p:nvPr/>
+      </p:nvGrpSpPr>
+      <p:grpSpPr>
+        <a:xfrm>
+          <a:off x="0" y="0"/>
+          <a:ext cx="0" cy="0"/>
+          <a:chOff x="0" y="0"/>
+          <a:chExt cx="0" cy="0"/>
+        </a:xfrm>
+      </p:grpSpPr>
+      <p:sp>
+        <p:nvSpPr>
+          <p:cNvPr id="44" name="도형 17"/>
+          <p:cNvSpPr>
+            <a:spLocks/>
+          </p:cNvSpPr>
+          <p:nvPr/>
+        </p:nvSpPr>
+        <p:spPr>
+          <a:xfrm>
+            <a:off x="765868" y="316230"/>
+            <a:ext cx="2052165" cy="454292"/>
+          </a:xfrm>
+          <a:prstGeom prst="rect">
+            <a:avLst/>
+          </a:prstGeom>
+          <a:ln w="0">
+            <a:noFill/>
+            <a:prstDash/>
+          </a:ln>
+        </p:spPr>
+        <p:txBody>
+          <a:bodyPr vert="horz" wrap="none" lIns="91440" tIns="45720" rIns="91440" bIns="45720" numCol="1" anchor="t">
+            <a:spAutoFit/>
+          </a:bodyPr>
+          <a:lstStyle/>
+          <a:p>
+            <a:pPr marL="0" indent="0" latinLnBrk="0">
+              <a:lnSpc>
+                <a:spcPct val="150000"/>
+              </a:lnSpc>
+              <a:buFontTx/>
+              <a:buNone/>
+            </a:pPr>
+            <a:r>
+              <a:rPr lang="en-US" altLang="ko-KR" dirty="0">
+                <a:solidFill>
+                  <a:schemeClr val="bg1"/>
+                </a:solidFill>
+              </a:rPr>
+              <a:t>SQL Select, Union</a:t>
+            </a:r>
+            <a:endParaRPr lang="ko-KR" altLang="en-US" dirty="0">
+              <a:solidFill>
+                <a:schemeClr val="bg1"/>
+              </a:solidFill>
+            </a:endParaRPr>
+          </a:p>
+        </p:txBody>
+      </p:sp>
+      <p:sp>
+        <p:nvSpPr>
+          <p:cNvPr id="7" name="내용 개체 틀 2"/>
+          <p:cNvSpPr txBox="1">
+            <a:spLocks/>
+          </p:cNvSpPr>
+          <p:nvPr/>
+        </p:nvSpPr>
+        <p:spPr>
+          <a:xfrm>
+            <a:off x="498765" y="1600200"/>
+            <a:ext cx="11222182" cy="4525963"/>
+          </a:xfrm>
+          <a:prstGeom prst="rect">
+            <a:avLst/>
+          </a:prstGeom>
+        </p:spPr>
+        <p:txBody>
+          <a:bodyPr/>
+          <a:lstStyle>
+            <a:lvl1pPr marL="228600" indent="-228600" algn="l" defTabSz="914400" rtl="0" eaLnBrk="1" latinLnBrk="1" hangingPunct="1">
+              <a:lnSpc>
+                <a:spcPct val="90000"/>
+              </a:lnSpc>
+              <a:spcBef>
+                <a:spcPts val="1000"/>
+              </a:spcBef>
+              <a:buFont typeface="Arial" panose="020B0604020202020204" pitchFamily="34" charset="0"/>
+              <a:buChar char="•"/>
+              <a:defRPr sz="2800" kern="1200">
+                <a:solidFill>
+                  <a:schemeClr val="tx1"/>
+                </a:solidFill>
+                <a:latin typeface="+mn-lt"/>
+                <a:ea typeface="+mn-ea"/>
+                <a:cs typeface="+mn-cs"/>
+              </a:defRPr>
+            </a:lvl1pPr>
+            <a:lvl2pPr marL="685800" indent="-228600" algn="l" defTabSz="914400" rtl="0" eaLnBrk="1" latinLnBrk="1" hangingPunct="1">
+              <a:lnSpc>
+                <a:spcPct val="90000"/>
+              </a:lnSpc>
+              <a:spcBef>
+                <a:spcPts val="500"/>
+              </a:spcBef>
+              <a:buFont typeface="Arial" panose="020B0604020202020204" pitchFamily="34" charset="0"/>
+              <a:buChar char="•"/>
+              <a:defRPr sz="2400" kern="1200">
+                <a:solidFill>
+                  <a:schemeClr val="tx1"/>
+                </a:solidFill>
+                <a:latin typeface="+mn-lt"/>
+                <a:ea typeface="+mn-ea"/>
+                <a:cs typeface="+mn-cs"/>
+              </a:defRPr>
+            </a:lvl2pPr>
+            <a:lvl3pPr marL="1143000" indent="-228600" algn="l" defTabSz="914400" rtl="0" eaLnBrk="1" latinLnBrk="1" hangingPunct="1">
+              <a:lnSpc>
+                <a:spcPct val="90000"/>
+              </a:lnSpc>
+              <a:spcBef>
+                <a:spcPts val="500"/>
+              </a:spcBef>
+              <a:buFont typeface="Arial" panose="020B0604020202020204" pitchFamily="34" charset="0"/>
+              <a:buChar char="•"/>
+              <a:defRPr sz="2000" kern="1200">
+                <a:solidFill>
+                  <a:schemeClr val="tx1"/>
+                </a:solidFill>
+                <a:latin typeface="+mn-lt"/>
+                <a:ea typeface="+mn-ea"/>
+                <a:cs typeface="+mn-cs"/>
+              </a:defRPr>
+            </a:lvl3pPr>
+            <a:lvl4pPr marL="1600200" indent="-228600" algn="l" defTabSz="914400" rtl="0" eaLnBrk="1" latinLnBrk="1" hangingPunct="1">
+              <a:lnSpc>
+                <a:spcPct val="90000"/>
+              </a:lnSpc>
+              <a:spcBef>
+                <a:spcPts val="500"/>
+              </a:spcBef>
+              <a:buFont typeface="Arial" panose="020B0604020202020204" pitchFamily="34" charset="0"/>
+              <a:buChar char="•"/>
+              <a:defRPr sz="1800" kern="1200">
+                <a:solidFill>
+                  <a:schemeClr val="tx1"/>
+                </a:solidFill>
+                <a:latin typeface="+mn-lt"/>
+                <a:ea typeface="+mn-ea"/>
+                <a:cs typeface="+mn-cs"/>
+              </a:defRPr>
+            </a:lvl4pPr>
+            <a:lvl5pPr marL="2057400" indent="-228600" algn="l" defTabSz="914400" rtl="0" eaLnBrk="1" latinLnBrk="1" hangingPunct="1">
+              <a:lnSpc>
+                <a:spcPct val="90000"/>
+              </a:lnSpc>
+              <a:spcBef>
+                <a:spcPts val="500"/>
+              </a:spcBef>
+              <a:buFont typeface="Arial" panose="020B0604020202020204" pitchFamily="34" charset="0"/>
+              <a:buChar char="•"/>
+              <a:defRPr sz="1800" kern="1200">
+                <a:solidFill>
+                  <a:schemeClr val="tx1"/>
+                </a:solidFill>
+                <a:latin typeface="+mn-lt"/>
+                <a:ea typeface="+mn-ea"/>
+                <a:cs typeface="+mn-cs"/>
+              </a:defRPr>
+            </a:lvl5pPr>
+            <a:lvl6pPr marL="2514600" indent="-228600" algn="l" defTabSz="914400" rtl="0" eaLnBrk="1" latinLnBrk="1" hangingPunct="1">
+              <a:lnSpc>
+                <a:spcPct val="90000"/>
+              </a:lnSpc>
+              <a:spcBef>
+                <a:spcPts val="500"/>
+              </a:spcBef>
+              <a:buFont typeface="Arial" panose="020B0604020202020204" pitchFamily="34" charset="0"/>
+              <a:buChar char="•"/>
+              <a:defRPr sz="1800" kern="1200">
+                <a:solidFill>
+                  <a:schemeClr val="tx1"/>
+                </a:solidFill>
+                <a:latin typeface="+mn-lt"/>
+                <a:ea typeface="+mn-ea"/>
+                <a:cs typeface="+mn-cs"/>
+              </a:defRPr>
+            </a:lvl6pPr>
+            <a:lvl7pPr marL="2971800" indent="-228600" algn="l" defTabSz="914400" rtl="0" eaLnBrk="1" latinLnBrk="1" hangingPunct="1">
+              <a:lnSpc>
+                <a:spcPct val="90000"/>
+              </a:lnSpc>
+              <a:spcBef>
+                <a:spcPts val="500"/>
+              </a:spcBef>
+              <a:buFont typeface="Arial" panose="020B0604020202020204" pitchFamily="34" charset="0"/>
+              <a:buChar char="•"/>
+              <a:defRPr sz="1800" kern="1200">
+                <a:solidFill>
+                  <a:schemeClr val="tx1"/>
+                </a:solidFill>
+                <a:latin typeface="+mn-lt"/>
+                <a:ea typeface="+mn-ea"/>
+                <a:cs typeface="+mn-cs"/>
+              </a:defRPr>
+            </a:lvl7pPr>
+            <a:lvl8pPr marL="3429000" indent="-228600" algn="l" defTabSz="914400" rtl="0" eaLnBrk="1" latinLnBrk="1" hangingPunct="1">
+              <a:lnSpc>
+                <a:spcPct val="90000"/>
+              </a:lnSpc>
+              <a:spcBef>
+                <a:spcPts val="500"/>
+              </a:spcBef>
+              <a:buFont typeface="Arial" panose="020B0604020202020204" pitchFamily="34" charset="0"/>
+              <a:buChar char="•"/>
+              <a:defRPr sz="1800" kern="1200">
+                <a:solidFill>
+                  <a:schemeClr val="tx1"/>
+                </a:solidFill>
+                <a:latin typeface="+mn-lt"/>
+                <a:ea typeface="+mn-ea"/>
+                <a:cs typeface="+mn-cs"/>
+              </a:defRPr>
+            </a:lvl8pPr>
+            <a:lvl9pPr marL="3886200" indent="-228600" algn="l" defTabSz="914400" rtl="0" eaLnBrk="1" latinLnBrk="1" hangingPunct="1">
+              <a:lnSpc>
+                <a:spcPct val="90000"/>
+              </a:lnSpc>
+              <a:spcBef>
+                <a:spcPts val="500"/>
+              </a:spcBef>
+              <a:buFont typeface="Arial" panose="020B0604020202020204" pitchFamily="34" charset="0"/>
+              <a:buChar char="•"/>
+              <a:defRPr sz="1800" kern="1200">
+                <a:solidFill>
+                  <a:schemeClr val="tx1"/>
+                </a:solidFill>
+                <a:latin typeface="+mn-lt"/>
+                <a:ea typeface="+mn-ea"/>
+                <a:cs typeface="+mn-cs"/>
+              </a:defRPr>
+            </a:lvl9pPr>
+          </a:lstStyle>
+          <a:p>
+            <a:pPr marL="0" indent="0">
+              <a:buFont typeface="Arial" panose="020B0604020202020204" pitchFamily="34" charset="0"/>
+              <a:buNone/>
+            </a:pPr>
+            <a:r>
+              <a:rPr lang="ko-KR" altLang="en-US" sz="2400" dirty="0"/>
+              <a:t>실습 </a:t>
+            </a:r>
+            <a:r>
+              <a:rPr lang="en-US" altLang="ko-KR" sz="2400" dirty="0"/>
+              <a:t>13. </a:t>
+            </a:r>
+            <a:r>
+              <a:rPr lang="ko-KR" altLang="en-US" sz="2400" dirty="0"/>
+              <a:t>상품권 발급 대장 테이블을 사용하여 </a:t>
+            </a:r>
+            <a:r>
+              <a:rPr lang="en-US" altLang="ko-KR" sz="2400" dirty="0" err="1"/>
+              <a:t>c_id</a:t>
+            </a:r>
+            <a:r>
+              <a:rPr lang="en-US" altLang="ko-KR" sz="2400" dirty="0"/>
+              <a:t>, </a:t>
+            </a:r>
+            <a:r>
+              <a:rPr lang="en-US" altLang="ko-KR" sz="2400" dirty="0" err="1"/>
+              <a:t>c_name</a:t>
+            </a:r>
+            <a:r>
+              <a:rPr lang="en-US" altLang="ko-KR" sz="2400" dirty="0"/>
+              <a:t> </a:t>
+            </a:r>
+            <a:r>
+              <a:rPr lang="ko-KR" altLang="en-US" sz="2400" dirty="0"/>
+              <a:t>내용을 두번씩 화면에 출력 </a:t>
+            </a:r>
+            <a:r>
+              <a:rPr lang="ko-KR" altLang="en-US" sz="2400" dirty="0" err="1"/>
+              <a:t>하시오</a:t>
+            </a:r>
+            <a:r>
+              <a:rPr lang="en-US" altLang="ko-KR" sz="2400" dirty="0"/>
+              <a:t>.(</a:t>
+            </a:r>
+            <a:r>
+              <a:rPr lang="ko-KR" altLang="en-US" sz="2400" dirty="0"/>
+              <a:t>순서 상관 없음</a:t>
+            </a:r>
+            <a:r>
+              <a:rPr lang="en-US" altLang="ko-KR" sz="2400" dirty="0"/>
+              <a:t>)</a:t>
+            </a:r>
+          </a:p>
+          <a:p>
+            <a:pPr marL="0" indent="0">
+              <a:buFont typeface="Arial" panose="020B0604020202020204" pitchFamily="34" charset="0"/>
+              <a:buNone/>
+            </a:pPr>
+            <a:endParaRPr lang="en-US" altLang="ko-KR" sz="2400" dirty="0"/>
+          </a:p>
+          <a:p>
+            <a:pPr marL="0" indent="0">
+              <a:buFont typeface="Arial" panose="020B0604020202020204" pitchFamily="34" charset="0"/>
+              <a:buNone/>
+            </a:pPr>
+            <a:r>
+              <a:rPr lang="ko-KR" altLang="en-US" sz="2400" dirty="0"/>
+              <a:t>실습 </a:t>
+            </a:r>
+            <a:r>
+              <a:rPr lang="en-US" altLang="ko-KR" sz="2400" dirty="0"/>
+              <a:t>14. </a:t>
+            </a:r>
+            <a:r>
+              <a:rPr lang="ko-KR" altLang="en-US" sz="2400" dirty="0"/>
+              <a:t>상품권 발급 대장 테이블을 사용하여 </a:t>
+            </a:r>
+            <a:r>
+              <a:rPr lang="en-US" altLang="ko-KR" sz="2400" dirty="0" err="1"/>
+              <a:t>c_id</a:t>
+            </a:r>
+            <a:r>
+              <a:rPr lang="en-US" altLang="ko-KR" sz="2400" dirty="0"/>
+              <a:t>, </a:t>
+            </a:r>
+            <a:r>
+              <a:rPr lang="en-US" altLang="ko-KR" sz="2400" dirty="0" err="1"/>
+              <a:t>c_name</a:t>
+            </a:r>
+            <a:r>
+              <a:rPr lang="en-US" altLang="ko-KR" sz="2400" dirty="0"/>
+              <a:t> </a:t>
+            </a:r>
+            <a:r>
+              <a:rPr lang="ko-KR" altLang="en-US" sz="2400" dirty="0"/>
+              <a:t>내용을 </a:t>
+            </a:r>
+            <a:r>
+              <a:rPr lang="ko-KR" altLang="en-US" sz="2400" dirty="0" err="1"/>
+              <a:t>세번씩</a:t>
+            </a:r>
+            <a:r>
+              <a:rPr lang="ko-KR" altLang="en-US" sz="2400" dirty="0"/>
+              <a:t> 화면에 출력 </a:t>
+            </a:r>
+            <a:r>
+              <a:rPr lang="ko-KR" altLang="en-US" sz="2400" dirty="0" err="1"/>
+              <a:t>하시오</a:t>
+            </a:r>
+            <a:r>
+              <a:rPr lang="en-US" altLang="ko-KR" sz="2400" dirty="0"/>
+              <a:t>.(</a:t>
+            </a:r>
+            <a:r>
+              <a:rPr lang="ko-KR" altLang="en-US" sz="2400" dirty="0"/>
+              <a:t>순서 상관 없음</a:t>
+            </a:r>
+            <a:r>
+              <a:rPr lang="en-US" altLang="ko-KR" sz="2400" dirty="0"/>
+              <a:t>)</a:t>
+            </a:r>
+          </a:p>
+          <a:p>
+            <a:pPr marL="0" indent="0">
+              <a:buFont typeface="Arial" panose="020B0604020202020204" pitchFamily="34" charset="0"/>
+              <a:buNone/>
+            </a:pPr>
+            <a:endParaRPr lang="en-US" altLang="ko-KR" sz="2400" dirty="0"/>
+          </a:p>
+          <a:p>
+            <a:pPr marL="0" indent="0">
+              <a:buFont typeface="Arial" panose="020B0604020202020204" pitchFamily="34" charset="0"/>
+              <a:buNone/>
+            </a:pPr>
+            <a:r>
+              <a:rPr lang="ko-KR" altLang="en-US" sz="2400" dirty="0"/>
+              <a:t>추가 문제 </a:t>
+            </a:r>
+            <a:r>
+              <a:rPr lang="en-US" altLang="ko-KR" sz="2400" dirty="0"/>
+              <a:t>1. </a:t>
+            </a:r>
+            <a:r>
+              <a:rPr lang="ko-KR" altLang="en-US" sz="2400" dirty="0"/>
+              <a:t>고객 관리대장 테이블을 이용하여 나이가 </a:t>
+            </a:r>
+            <a:r>
+              <a:rPr lang="en-US" altLang="ko-KR" sz="2400" dirty="0"/>
+              <a:t>30</a:t>
+            </a:r>
+            <a:r>
+              <a:rPr lang="ko-KR" altLang="en-US" sz="2400" dirty="0"/>
+              <a:t>세 인 사람만 제외하고 </a:t>
+            </a:r>
+            <a:r>
+              <a:rPr lang="ko-KR" altLang="en-US" sz="2400" dirty="0" err="1"/>
+              <a:t>출력하시오</a:t>
+            </a:r>
+            <a:r>
+              <a:rPr lang="en-US" altLang="ko-KR" sz="2400" dirty="0"/>
+              <a:t>.(where</a:t>
+            </a:r>
+            <a:r>
+              <a:rPr lang="ko-KR" altLang="en-US" sz="2400" dirty="0"/>
+              <a:t>절 조건</a:t>
+            </a:r>
+            <a:r>
+              <a:rPr lang="en-US" altLang="ko-KR" sz="2400" dirty="0"/>
+              <a:t>, union </a:t>
+            </a:r>
+            <a:r>
+              <a:rPr lang="ko-KR" altLang="en-US" sz="2400" dirty="0"/>
+              <a:t>사용</a:t>
+            </a:r>
+            <a:r>
+              <a:rPr lang="en-US" altLang="ko-KR" sz="2400" dirty="0"/>
+              <a:t>)</a:t>
+            </a:r>
+          </a:p>
+        </p:txBody>
+      </p:sp>
+    </p:spTree>
+    <p:extLst>
+      <p:ext uri="{BB962C8B-B14F-4D97-AF65-F5344CB8AC3E}">
+        <p14:creationId xmlns:p14="http://schemas.microsoft.com/office/powerpoint/2010/main" val="1651775496"/>
+      </p:ext>
+    </p:extLst>
   </p:cSld>
   <p:clrMapOvr>
     <a:masterClrMapping/>
@@ -13064,7 +14114,7 @@
               <a:buNone/>
             </a:pPr>
             <a:r>
-              <a:rPr lang="en-US" altLang="ko-KR" dirty="0" smtClean="0">
+              <a:rPr lang="en-US" altLang="ko-KR" dirty="0">
                 <a:solidFill>
                   <a:schemeClr val="bg1"/>
                 </a:solidFill>
@@ -13268,7 +14318,7 @@
               <a:buNone/>
             </a:pPr>
             <a:r>
-              <a:rPr lang="en-US" altLang="ko-KR" smtClean="0"/>
+              <a:rPr lang="en-US" altLang="ko-KR"/>
               <a:t>1.Select</a:t>
             </a:r>
           </a:p>
@@ -13278,14 +14328,14 @@
               <a:buNone/>
             </a:pPr>
             <a:r>
-              <a:rPr lang="en-US" altLang="ko-KR" sz="2400" smtClean="0"/>
+              <a:rPr lang="en-US" altLang="ko-KR" sz="2400"/>
               <a:t>  2) </a:t>
             </a:r>
             <a:r>
-              <a:rPr lang="ko-KR" altLang="en-US" sz="2400" smtClean="0"/>
+              <a:rPr lang="ko-KR" altLang="en-US" sz="2400"/>
               <a:t>테이블 구조 확인</a:t>
             </a:r>
-            <a:endParaRPr lang="en-US" altLang="ko-KR" sz="2400" smtClean="0"/>
+            <a:endParaRPr lang="en-US" altLang="ko-KR" sz="2400"/>
           </a:p>
           <a:p>
             <a:pPr marL="0" indent="0">
@@ -13293,18 +14343,18 @@
               <a:buNone/>
             </a:pPr>
             <a:r>
-              <a:rPr lang="en-US" altLang="ko-KR" sz="2400" smtClean="0"/>
+              <a:rPr lang="en-US" altLang="ko-KR" sz="2400"/>
               <a:t>     desc </a:t>
             </a:r>
             <a:r>
-              <a:rPr lang="ko-KR" altLang="en-US" sz="2400" smtClean="0"/>
+              <a:rPr lang="ko-KR" altLang="en-US" sz="2400"/>
               <a:t>테이블명</a:t>
             </a:r>
             <a:r>
-              <a:rPr lang="en-US" altLang="ko-KR" sz="2400" smtClean="0"/>
+              <a:rPr lang="en-US" altLang="ko-KR" sz="2400"/>
               <a:t>;</a:t>
             </a:r>
-            <a:endParaRPr lang="en-US" altLang="ko-KR" sz="2400" dirty="0" smtClean="0"/>
+            <a:endParaRPr lang="en-US" altLang="ko-KR" sz="2400" dirty="0"/>
           </a:p>
         </p:txBody>
       </p:sp>
@@ -13397,7 +14447,7 @@
               <a:buNone/>
             </a:pPr>
             <a:r>
-              <a:rPr lang="en-US" altLang="ko-KR" dirty="0" smtClean="0">
+              <a:rPr lang="en-US" altLang="ko-KR" dirty="0">
                 <a:solidFill>
                   <a:schemeClr val="bg1"/>
                 </a:solidFill>
@@ -13601,7 +14651,7 @@
               <a:buNone/>
             </a:pPr>
             <a:r>
-              <a:rPr lang="en-US" altLang="ko-KR" smtClean="0"/>
+              <a:rPr lang="en-US" altLang="ko-KR"/>
               <a:t>1.Select</a:t>
             </a:r>
           </a:p>
@@ -13611,14 +14661,14 @@
               <a:buNone/>
             </a:pPr>
             <a:r>
-              <a:rPr lang="en-US" altLang="ko-KR" sz="2400" smtClean="0"/>
+              <a:rPr lang="en-US" altLang="ko-KR" sz="2400"/>
               <a:t>  3) </a:t>
             </a:r>
             <a:r>
-              <a:rPr lang="ko-KR" altLang="en-US" sz="2400" smtClean="0"/>
+              <a:rPr lang="ko-KR" altLang="en-US" sz="2400"/>
               <a:t>권장되는 조회</a:t>
             </a:r>
-            <a:endParaRPr lang="en-US" altLang="ko-KR" sz="2400" smtClean="0"/>
+            <a:endParaRPr lang="en-US" altLang="ko-KR" sz="2400"/>
           </a:p>
           <a:p>
             <a:pPr marL="0" indent="0">
@@ -13626,42 +14676,42 @@
               <a:buNone/>
             </a:pPr>
             <a:r>
-              <a:rPr lang="en-US" altLang="ko-KR" sz="2400" smtClean="0"/>
+              <a:rPr lang="en-US" altLang="ko-KR" sz="2400"/>
               <a:t>     Select </a:t>
             </a:r>
             <a:r>
-              <a:rPr lang="ko-KR" altLang="en-US" sz="2400" smtClean="0"/>
+              <a:rPr lang="ko-KR" altLang="en-US" sz="2400"/>
               <a:t>컬럼명</a:t>
             </a:r>
             <a:r>
-              <a:rPr lang="en-US" altLang="ko-KR" sz="2400" smtClean="0"/>
+              <a:rPr lang="en-US" altLang="ko-KR" sz="2400"/>
               <a:t>, </a:t>
             </a:r>
             <a:r>
-              <a:rPr lang="ko-KR" altLang="en-US" sz="2400" smtClean="0"/>
+              <a:rPr lang="ko-KR" altLang="en-US" sz="2400"/>
               <a:t>컬럼명</a:t>
             </a:r>
             <a:r>
-              <a:rPr lang="en-US" altLang="ko-KR" sz="2400" smtClean="0"/>
+              <a:rPr lang="en-US" altLang="ko-KR" sz="2400"/>
               <a:t>… from </a:t>
             </a:r>
             <a:r>
-              <a:rPr lang="ko-KR" altLang="en-US" sz="2400" smtClean="0"/>
+              <a:rPr lang="ko-KR" altLang="en-US" sz="2400"/>
               <a:t>테이블명 </a:t>
             </a:r>
             <a:r>
-              <a:rPr lang="en-US" altLang="ko-KR" sz="2400" smtClean="0"/>
+              <a:rPr lang="en-US" altLang="ko-KR" sz="2400"/>
               <a:t>Where </a:t>
             </a:r>
             <a:r>
-              <a:rPr lang="ko-KR" altLang="en-US" sz="2400" smtClean="0"/>
+              <a:rPr lang="ko-KR" altLang="en-US" sz="2400"/>
               <a:t>조건</a:t>
             </a:r>
             <a:r>
-              <a:rPr lang="en-US" altLang="ko-KR" sz="2400" smtClean="0"/>
+              <a:rPr lang="en-US" altLang="ko-KR" sz="2400"/>
               <a:t>;</a:t>
             </a:r>
-            <a:endParaRPr lang="en-US" altLang="ko-KR" sz="2400" dirty="0" smtClean="0"/>
+            <a:endParaRPr lang="en-US" altLang="ko-KR" sz="2400" dirty="0"/>
           </a:p>
         </p:txBody>
       </p:sp>
@@ -13754,7 +14804,7 @@
               <a:buNone/>
             </a:pPr>
             <a:r>
-              <a:rPr lang="en-US" altLang="ko-KR" dirty="0" smtClean="0">
+              <a:rPr lang="en-US" altLang="ko-KR" dirty="0">
                 <a:solidFill>
                   <a:schemeClr val="bg1"/>
                 </a:solidFill>
@@ -13958,7 +15008,7 @@
               <a:buNone/>
             </a:pPr>
             <a:r>
-              <a:rPr lang="en-US" altLang="ko-KR" smtClean="0"/>
+              <a:rPr lang="en-US" altLang="ko-KR"/>
               <a:t>1.Select</a:t>
             </a:r>
           </a:p>
@@ -13968,15 +15018,15 @@
               <a:buNone/>
             </a:pPr>
             <a:r>
-              <a:rPr lang="en-US" altLang="ko-KR" sz="2400" smtClean="0"/>
+              <a:rPr lang="en-US" altLang="ko-KR" sz="2400"/>
               <a:t>  3) </a:t>
             </a:r>
             <a:r>
-              <a:rPr lang="ko-KR" altLang="en-US" sz="2400" smtClean="0"/>
+              <a:rPr lang="ko-KR" altLang="en-US" sz="2400"/>
               <a:t>다중 조건 조회</a:t>
             </a:r>
             <a:r>
-              <a:rPr lang="en-US" altLang="ko-KR" sz="2400" smtClean="0"/>
+              <a:rPr lang="en-US" altLang="ko-KR" sz="2400"/>
               <a:t>(AND)</a:t>
             </a:r>
           </a:p>
@@ -13986,23 +15036,23 @@
               <a:buNone/>
             </a:pPr>
             <a:r>
-              <a:rPr lang="en-US" altLang="ko-KR" sz="2400" smtClean="0"/>
+              <a:rPr lang="en-US" altLang="ko-KR" sz="2400"/>
               <a:t>     Select </a:t>
             </a:r>
             <a:r>
-              <a:rPr lang="ko-KR" altLang="en-US" sz="2400" smtClean="0"/>
+              <a:rPr lang="ko-KR" altLang="en-US" sz="2400"/>
               <a:t>컬럼명</a:t>
             </a:r>
             <a:r>
-              <a:rPr lang="en-US" altLang="ko-KR" sz="2400" smtClean="0"/>
+              <a:rPr lang="en-US" altLang="ko-KR" sz="2400"/>
               <a:t>, </a:t>
             </a:r>
             <a:r>
-              <a:rPr lang="ko-KR" altLang="en-US" sz="2400" smtClean="0"/>
+              <a:rPr lang="ko-KR" altLang="en-US" sz="2400"/>
               <a:t>컬럼명</a:t>
             </a:r>
             <a:r>
-              <a:rPr lang="en-US" altLang="ko-KR" sz="2400" smtClean="0"/>
+              <a:rPr lang="en-US" altLang="ko-KR" sz="2400"/>
               <a:t>…</a:t>
             </a:r>
           </a:p>
@@ -14012,14 +15062,14 @@
               <a:buNone/>
             </a:pPr>
             <a:r>
-              <a:rPr lang="en-US" altLang="ko-KR" sz="2400" smtClean="0"/>
+              <a:rPr lang="en-US" altLang="ko-KR" sz="2400"/>
               <a:t>       from </a:t>
             </a:r>
             <a:r>
-              <a:rPr lang="ko-KR" altLang="en-US" sz="2400" smtClean="0"/>
+              <a:rPr lang="ko-KR" altLang="en-US" sz="2400"/>
               <a:t>테이블명</a:t>
             </a:r>
-            <a:endParaRPr lang="en-US" altLang="ko-KR" sz="2400" smtClean="0"/>
+            <a:endParaRPr lang="en-US" altLang="ko-KR" sz="2400"/>
           </a:p>
           <a:p>
             <a:pPr marL="0" indent="0">
@@ -14027,23 +15077,23 @@
               <a:buNone/>
             </a:pPr>
             <a:r>
-              <a:rPr lang="en-US" altLang="ko-KR" sz="2400" smtClean="0"/>
+              <a:rPr lang="en-US" altLang="ko-KR" sz="2400"/>
               <a:t>   </a:t>
             </a:r>
             <a:r>
-              <a:rPr lang="ko-KR" altLang="en-US" sz="2400" smtClean="0"/>
+              <a:rPr lang="ko-KR" altLang="en-US" sz="2400"/>
               <a:t> </a:t>
             </a:r>
             <a:r>
-              <a:rPr lang="en-US" altLang="ko-KR" sz="2400" smtClean="0"/>
+              <a:rPr lang="en-US" altLang="ko-KR" sz="2400"/>
               <a:t>Where </a:t>
             </a:r>
             <a:r>
-              <a:rPr lang="ko-KR" altLang="en-US" sz="2400" smtClean="0"/>
+              <a:rPr lang="ko-KR" altLang="en-US" sz="2400"/>
               <a:t>조건</a:t>
             </a:r>
             <a:r>
-              <a:rPr lang="en-US" altLang="ko-KR" sz="2400" smtClean="0"/>
+              <a:rPr lang="en-US" altLang="ko-KR" sz="2400"/>
               <a:t>1</a:t>
             </a:r>
           </a:p>
@@ -14053,18 +15103,18 @@
               <a:buNone/>
             </a:pPr>
             <a:r>
-              <a:rPr lang="en-US" altLang="ko-KR" sz="2400" smtClean="0"/>
+              <a:rPr lang="en-US" altLang="ko-KR" sz="2400"/>
               <a:t>        and </a:t>
             </a:r>
             <a:r>
-              <a:rPr lang="ko-KR" altLang="en-US" sz="2400" smtClean="0"/>
+              <a:rPr lang="ko-KR" altLang="en-US" sz="2400"/>
               <a:t>조건</a:t>
             </a:r>
             <a:r>
-              <a:rPr lang="en-US" altLang="ko-KR" sz="2400" smtClean="0"/>
+              <a:rPr lang="en-US" altLang="ko-KR" sz="2400"/>
               <a:t>2;</a:t>
             </a:r>
-            <a:endParaRPr lang="en-US" altLang="ko-KR" sz="2400" dirty="0" smtClean="0"/>
+            <a:endParaRPr lang="en-US" altLang="ko-KR" sz="2400" dirty="0"/>
           </a:p>
         </p:txBody>
       </p:sp>
@@ -14157,7 +15207,7 @@
               <a:buNone/>
             </a:pPr>
             <a:r>
-              <a:rPr lang="en-US" altLang="ko-KR" dirty="0" smtClean="0">
+              <a:rPr lang="en-US" altLang="ko-KR" dirty="0">
                 <a:solidFill>
                   <a:schemeClr val="bg1"/>
                 </a:solidFill>
@@ -14361,7 +15411,7 @@
               <a:buNone/>
             </a:pPr>
             <a:r>
-              <a:rPr lang="en-US" altLang="ko-KR" smtClean="0"/>
+              <a:rPr lang="en-US" altLang="ko-KR"/>
               <a:t>1.Select</a:t>
             </a:r>
           </a:p>
@@ -14371,15 +15421,15 @@
               <a:buNone/>
             </a:pPr>
             <a:r>
-              <a:rPr lang="en-US" altLang="ko-KR" sz="2400" smtClean="0"/>
+              <a:rPr lang="en-US" altLang="ko-KR" sz="2400"/>
               <a:t>  4) </a:t>
             </a:r>
             <a:r>
-              <a:rPr lang="ko-KR" altLang="en-US" sz="2400" smtClean="0"/>
+              <a:rPr lang="ko-KR" altLang="en-US" sz="2400"/>
               <a:t>다중 조건 조회</a:t>
             </a:r>
             <a:r>
-              <a:rPr lang="en-US" altLang="ko-KR" sz="2400" smtClean="0"/>
+              <a:rPr lang="en-US" altLang="ko-KR" sz="2400"/>
               <a:t>(OR)</a:t>
             </a:r>
           </a:p>
@@ -14389,23 +15439,23 @@
               <a:buNone/>
             </a:pPr>
             <a:r>
-              <a:rPr lang="en-US" altLang="ko-KR" sz="2400" smtClean="0"/>
+              <a:rPr lang="en-US" altLang="ko-KR" sz="2400"/>
               <a:t>     Select </a:t>
             </a:r>
             <a:r>
-              <a:rPr lang="ko-KR" altLang="en-US" sz="2400" smtClean="0"/>
+              <a:rPr lang="ko-KR" altLang="en-US" sz="2400"/>
               <a:t>컬럼명</a:t>
             </a:r>
             <a:r>
-              <a:rPr lang="en-US" altLang="ko-KR" sz="2400" smtClean="0"/>
+              <a:rPr lang="en-US" altLang="ko-KR" sz="2400"/>
               <a:t>, </a:t>
             </a:r>
             <a:r>
-              <a:rPr lang="ko-KR" altLang="en-US" sz="2400" smtClean="0"/>
+              <a:rPr lang="ko-KR" altLang="en-US" sz="2400"/>
               <a:t>컬럼명</a:t>
             </a:r>
             <a:r>
-              <a:rPr lang="en-US" altLang="ko-KR" sz="2400" smtClean="0"/>
+              <a:rPr lang="en-US" altLang="ko-KR" sz="2400"/>
               <a:t>…</a:t>
             </a:r>
           </a:p>
@@ -14415,14 +15465,14 @@
               <a:buNone/>
             </a:pPr>
             <a:r>
-              <a:rPr lang="en-US" altLang="ko-KR" sz="2400" smtClean="0"/>
+              <a:rPr lang="en-US" altLang="ko-KR" sz="2400"/>
               <a:t>       from </a:t>
             </a:r>
             <a:r>
-              <a:rPr lang="ko-KR" altLang="en-US" sz="2400" smtClean="0"/>
+              <a:rPr lang="ko-KR" altLang="en-US" sz="2400"/>
               <a:t>테이블명</a:t>
             </a:r>
-            <a:endParaRPr lang="en-US" altLang="ko-KR" sz="2400" smtClean="0"/>
+            <a:endParaRPr lang="en-US" altLang="ko-KR" sz="2400"/>
           </a:p>
           <a:p>
             <a:pPr marL="0" indent="0">
@@ -14430,23 +15480,23 @@
               <a:buNone/>
             </a:pPr>
             <a:r>
-              <a:rPr lang="en-US" altLang="ko-KR" sz="2400" smtClean="0"/>
+              <a:rPr lang="en-US" altLang="ko-KR" sz="2400"/>
               <a:t>   </a:t>
             </a:r>
             <a:r>
-              <a:rPr lang="ko-KR" altLang="en-US" sz="2400" smtClean="0"/>
+              <a:rPr lang="ko-KR" altLang="en-US" sz="2400"/>
               <a:t> </a:t>
             </a:r>
             <a:r>
-              <a:rPr lang="en-US" altLang="ko-KR" sz="2400" smtClean="0"/>
+              <a:rPr lang="en-US" altLang="ko-KR" sz="2400"/>
               <a:t>Where </a:t>
             </a:r>
             <a:r>
-              <a:rPr lang="ko-KR" altLang="en-US" sz="2400" smtClean="0"/>
+              <a:rPr lang="ko-KR" altLang="en-US" sz="2400"/>
               <a:t>조건</a:t>
             </a:r>
             <a:r>
-              <a:rPr lang="en-US" altLang="ko-KR" sz="2400" smtClean="0"/>
+              <a:rPr lang="en-US" altLang="ko-KR" sz="2400"/>
               <a:t>1</a:t>
             </a:r>
           </a:p>
@@ -14456,18 +15506,18 @@
               <a:buNone/>
             </a:pPr>
             <a:r>
-              <a:rPr lang="en-US" altLang="ko-KR" sz="2400" smtClean="0"/>
+              <a:rPr lang="en-US" altLang="ko-KR" sz="2400"/>
               <a:t>          or </a:t>
             </a:r>
             <a:r>
-              <a:rPr lang="ko-KR" altLang="en-US" sz="2400" smtClean="0"/>
+              <a:rPr lang="ko-KR" altLang="en-US" sz="2400"/>
               <a:t>조건</a:t>
             </a:r>
             <a:r>
-              <a:rPr lang="en-US" altLang="ko-KR" sz="2400" smtClean="0"/>
+              <a:rPr lang="en-US" altLang="ko-KR" sz="2400"/>
               <a:t>2;</a:t>
             </a:r>
-            <a:endParaRPr lang="en-US" altLang="ko-KR" sz="2400" dirty="0" smtClean="0"/>
+            <a:endParaRPr lang="en-US" altLang="ko-KR" sz="2400" dirty="0"/>
           </a:p>
         </p:txBody>
       </p:sp>
@@ -14560,7 +15610,7 @@
               <a:buNone/>
             </a:pPr>
             <a:r>
-              <a:rPr lang="en-US" altLang="ko-KR" dirty="0" smtClean="0">
+              <a:rPr lang="en-US" altLang="ko-KR" dirty="0">
                 <a:solidFill>
                   <a:schemeClr val="bg1"/>
                 </a:solidFill>
@@ -14764,7 +15814,7 @@
               <a:buNone/>
             </a:pPr>
             <a:r>
-              <a:rPr lang="en-US" altLang="ko-KR" dirty="0" smtClean="0"/>
+              <a:rPr lang="en-US" altLang="ko-KR" dirty="0"/>
               <a:t>1.Select</a:t>
             </a:r>
           </a:p>
@@ -14773,15 +15823,15 @@
               <a:buNone/>
             </a:pPr>
             <a:r>
-              <a:rPr lang="en-US" altLang="ko-KR" sz="2400" dirty="0" smtClean="0"/>
+              <a:rPr lang="en-US" altLang="ko-KR" sz="2400" dirty="0"/>
               <a:t>  5) </a:t>
             </a:r>
             <a:r>
-              <a:rPr lang="ko-KR" altLang="en-US" sz="2400" dirty="0" smtClean="0"/>
+              <a:rPr lang="ko-KR" altLang="en-US" sz="2400" dirty="0"/>
               <a:t>범위 조건</a:t>
             </a:r>
             <a:r>
-              <a:rPr lang="en-US" altLang="ko-KR" sz="2400" dirty="0" smtClean="0"/>
+              <a:rPr lang="en-US" altLang="ko-KR" sz="2400" dirty="0"/>
               <a:t>(between)</a:t>
             </a:r>
           </a:p>
@@ -14791,23 +15841,23 @@
               <a:buNone/>
             </a:pPr>
             <a:r>
-              <a:rPr lang="en-US" altLang="ko-KR" sz="2400" dirty="0" smtClean="0"/>
+              <a:rPr lang="en-US" altLang="ko-KR" sz="2400" dirty="0"/>
               <a:t>     Select </a:t>
             </a:r>
             <a:r>
-              <a:rPr lang="ko-KR" altLang="en-US" sz="2400" dirty="0" err="1" smtClean="0"/>
+              <a:rPr lang="ko-KR" altLang="en-US" sz="2400" dirty="0" err="1"/>
               <a:t>컬럼명</a:t>
             </a:r>
             <a:r>
-              <a:rPr lang="en-US" altLang="ko-KR" sz="2400" dirty="0" smtClean="0"/>
+              <a:rPr lang="en-US" altLang="ko-KR" sz="2400" dirty="0"/>
               <a:t>, </a:t>
             </a:r>
             <a:r>
-              <a:rPr lang="ko-KR" altLang="en-US" sz="2400" dirty="0" err="1" smtClean="0"/>
+              <a:rPr lang="ko-KR" altLang="en-US" sz="2400" dirty="0" err="1"/>
               <a:t>컬럼명</a:t>
             </a:r>
             <a:r>
-              <a:rPr lang="en-US" altLang="ko-KR" sz="2400" dirty="0" smtClean="0"/>
+              <a:rPr lang="en-US" altLang="ko-KR" sz="2400" dirty="0"/>
               <a:t>…</a:t>
             </a:r>
           </a:p>
@@ -14817,14 +15867,14 @@
               <a:buNone/>
             </a:pPr>
             <a:r>
-              <a:rPr lang="en-US" altLang="ko-KR" sz="2400" dirty="0" smtClean="0"/>
+              <a:rPr lang="en-US" altLang="ko-KR" sz="2400" dirty="0"/>
               <a:t>       from </a:t>
             </a:r>
             <a:r>
-              <a:rPr lang="ko-KR" altLang="en-US" sz="2400" dirty="0" err="1" smtClean="0"/>
+              <a:rPr lang="ko-KR" altLang="en-US" sz="2400" dirty="0" err="1"/>
               <a:t>테이블명</a:t>
             </a:r>
-            <a:endParaRPr lang="en-US" altLang="ko-KR" sz="2400" dirty="0" smtClean="0"/>
+            <a:endParaRPr lang="en-US" altLang="ko-KR" sz="2400" dirty="0"/>
           </a:p>
           <a:p>
             <a:pPr marL="0" indent="0">
@@ -14832,47 +15882,43 @@
               <a:buNone/>
             </a:pPr>
             <a:r>
-              <a:rPr lang="en-US" altLang="ko-KR" sz="2400" dirty="0" smtClean="0"/>
+              <a:rPr lang="en-US" altLang="ko-KR" sz="2400" dirty="0"/>
               <a:t>   </a:t>
             </a:r>
             <a:r>
-              <a:rPr lang="ko-KR" altLang="en-US" sz="2400" dirty="0" smtClean="0"/>
+              <a:rPr lang="ko-KR" altLang="en-US" sz="2400" dirty="0"/>
               <a:t> </a:t>
             </a:r>
             <a:r>
-              <a:rPr lang="en-US" altLang="ko-KR" sz="2400" dirty="0" smtClean="0"/>
+              <a:rPr lang="en-US" altLang="ko-KR" sz="2400" dirty="0"/>
               <a:t>Where </a:t>
             </a:r>
             <a:r>
-              <a:rPr lang="ko-KR" altLang="en-US" sz="2400" dirty="0" err="1" smtClean="0"/>
+              <a:rPr lang="ko-KR" altLang="en-US" sz="2400" dirty="0" err="1"/>
               <a:t>컬럼명</a:t>
             </a:r>
             <a:r>
-              <a:rPr lang="ko-KR" altLang="en-US" sz="2400" dirty="0" smtClean="0"/>
+              <a:rPr lang="ko-KR" altLang="en-US" sz="2400" dirty="0"/>
               <a:t> </a:t>
             </a:r>
             <a:r>
-              <a:rPr lang="en-US" altLang="ko-KR" sz="2400" dirty="0" smtClean="0"/>
-              <a:t>between</a:t>
-            </a:r>
-            <a:r>
               <a:rPr lang="en-US" altLang="ko-KR" sz="2400" dirty="0"/>
-              <a:t> </a:t>
-            </a:r>
-            <a:r>
-              <a:rPr lang="ko-KR" altLang="en-US" sz="2400" dirty="0" smtClean="0"/>
+              <a:t>between </a:t>
+            </a:r>
+            <a:r>
+              <a:rPr lang="ko-KR" altLang="en-US" sz="2400" dirty="0"/>
               <a:t>조건</a:t>
             </a:r>
             <a:r>
-              <a:rPr lang="en-US" altLang="ko-KR" sz="2400" dirty="0" smtClean="0"/>
+              <a:rPr lang="en-US" altLang="ko-KR" sz="2400" dirty="0"/>
               <a:t>1 and </a:t>
             </a:r>
             <a:r>
-              <a:rPr lang="ko-KR" altLang="en-US" sz="2400" dirty="0" smtClean="0"/>
+              <a:rPr lang="ko-KR" altLang="en-US" sz="2400" dirty="0"/>
               <a:t>조건</a:t>
             </a:r>
             <a:r>
-              <a:rPr lang="en-US" altLang="ko-KR" sz="2400" dirty="0" smtClean="0"/>
+              <a:rPr lang="en-US" altLang="ko-KR" sz="2400" dirty="0"/>
               <a:t>2;</a:t>
             </a:r>
           </a:p>
@@ -14967,7 +16013,7 @@
               <a:buNone/>
             </a:pPr>
             <a:r>
-              <a:rPr lang="en-US" altLang="ko-KR" dirty="0" smtClean="0">
+              <a:rPr lang="en-US" altLang="ko-KR" dirty="0">
                 <a:solidFill>
                   <a:schemeClr val="bg1"/>
                 </a:solidFill>
@@ -15171,7 +16217,7 @@
               <a:buNone/>
             </a:pPr>
             <a:r>
-              <a:rPr lang="en-US" altLang="ko-KR" dirty="0" smtClean="0"/>
+              <a:rPr lang="en-US" altLang="ko-KR" dirty="0"/>
               <a:t>1.Select</a:t>
             </a:r>
           </a:p>
@@ -15180,14 +16226,14 @@
               <a:buNone/>
             </a:pPr>
             <a:r>
-              <a:rPr lang="en-US" altLang="ko-KR" sz="2400" dirty="0" smtClean="0"/>
+              <a:rPr lang="en-US" altLang="ko-KR" sz="2400" dirty="0"/>
               <a:t>  6) like </a:t>
             </a:r>
             <a:r>
-              <a:rPr lang="ko-KR" altLang="en-US" sz="2400" dirty="0" smtClean="0"/>
+              <a:rPr lang="ko-KR" altLang="en-US" sz="2400" dirty="0"/>
               <a:t>조건 조회</a:t>
             </a:r>
-            <a:endParaRPr lang="en-US" altLang="ko-KR" sz="2400" dirty="0" smtClean="0"/>
+            <a:endParaRPr lang="en-US" altLang="ko-KR" sz="2400" dirty="0"/>
           </a:p>
           <a:p>
             <a:pPr marL="0" indent="0">
@@ -15195,23 +16241,23 @@
               <a:buNone/>
             </a:pPr>
             <a:r>
-              <a:rPr lang="en-US" altLang="ko-KR" sz="2400" dirty="0" smtClean="0"/>
+              <a:rPr lang="en-US" altLang="ko-KR" sz="2400" dirty="0"/>
               <a:t>     Select </a:t>
             </a:r>
             <a:r>
-              <a:rPr lang="ko-KR" altLang="en-US" sz="2400" dirty="0" err="1" smtClean="0"/>
+              <a:rPr lang="ko-KR" altLang="en-US" sz="2400" dirty="0" err="1"/>
               <a:t>컬럼명</a:t>
             </a:r>
             <a:r>
-              <a:rPr lang="en-US" altLang="ko-KR" sz="2400" dirty="0" smtClean="0"/>
+              <a:rPr lang="en-US" altLang="ko-KR" sz="2400" dirty="0"/>
               <a:t>, </a:t>
             </a:r>
             <a:r>
-              <a:rPr lang="ko-KR" altLang="en-US" sz="2400" dirty="0" err="1" smtClean="0"/>
+              <a:rPr lang="ko-KR" altLang="en-US" sz="2400" dirty="0" err="1"/>
               <a:t>컬럼명</a:t>
             </a:r>
             <a:r>
-              <a:rPr lang="en-US" altLang="ko-KR" sz="2400" dirty="0" smtClean="0"/>
+              <a:rPr lang="en-US" altLang="ko-KR" sz="2400" dirty="0"/>
               <a:t>…</a:t>
             </a:r>
           </a:p>
@@ -15221,14 +16267,14 @@
               <a:buNone/>
             </a:pPr>
             <a:r>
-              <a:rPr lang="en-US" altLang="ko-KR" sz="2400" dirty="0" smtClean="0"/>
+              <a:rPr lang="en-US" altLang="ko-KR" sz="2400" dirty="0"/>
               <a:t>       from </a:t>
             </a:r>
             <a:r>
-              <a:rPr lang="ko-KR" altLang="en-US" sz="2400" dirty="0" err="1" smtClean="0"/>
+              <a:rPr lang="ko-KR" altLang="en-US" sz="2400" dirty="0" err="1"/>
               <a:t>테이블명</a:t>
             </a:r>
-            <a:endParaRPr lang="en-US" altLang="ko-KR" sz="2400" dirty="0" smtClean="0"/>
+            <a:endParaRPr lang="en-US" altLang="ko-KR" sz="2400" dirty="0"/>
           </a:p>
           <a:p>
             <a:pPr marL="0" indent="0">
@@ -15236,35 +16282,35 @@
               <a:buNone/>
             </a:pPr>
             <a:r>
-              <a:rPr lang="en-US" altLang="ko-KR" sz="2400" dirty="0" smtClean="0"/>
+              <a:rPr lang="en-US" altLang="ko-KR" sz="2400" dirty="0"/>
               <a:t>   </a:t>
-            </a:r>
-            <a:r>
-              <a:rPr lang="ko-KR" altLang="en-US" sz="2400" dirty="0" smtClean="0"/>
-              <a:t> </a:t>
-            </a:r>
-            <a:r>
-              <a:rPr lang="en-US" altLang="ko-KR" sz="2400" dirty="0" smtClean="0"/>
-              <a:t>Where </a:t>
-            </a:r>
-            <a:r>
-              <a:rPr lang="ko-KR" altLang="en-US" sz="2400" dirty="0" err="1" smtClean="0"/>
-              <a:t>컬럼명</a:t>
             </a:r>
             <a:r>
               <a:rPr lang="ko-KR" altLang="en-US" sz="2400" dirty="0"/>
               <a:t> </a:t>
             </a:r>
             <a:r>
-              <a:rPr lang="en-US" altLang="ko-KR" sz="2400" dirty="0" smtClean="0"/>
+              <a:rPr lang="en-US" altLang="ko-KR" sz="2400" dirty="0"/>
+              <a:t>Where </a:t>
+            </a:r>
+            <a:r>
+              <a:rPr lang="ko-KR" altLang="en-US" sz="2400" dirty="0" err="1"/>
+              <a:t>컬럼명</a:t>
+            </a:r>
+            <a:r>
+              <a:rPr lang="ko-KR" altLang="en-US" sz="2400" dirty="0"/>
+              <a:t> </a:t>
+            </a:r>
+            <a:r>
+              <a:rPr lang="en-US" altLang="ko-KR" sz="2400" dirty="0"/>
               <a:t>like ‘%</a:t>
             </a:r>
             <a:r>
-              <a:rPr lang="ko-KR" altLang="en-US" sz="2400" dirty="0" smtClean="0"/>
+              <a:rPr lang="ko-KR" altLang="en-US" sz="2400" dirty="0"/>
               <a:t>일부 글자</a:t>
             </a:r>
             <a:r>
-              <a:rPr lang="en-US" altLang="ko-KR" sz="2400" dirty="0" smtClean="0"/>
+              <a:rPr lang="en-US" altLang="ko-KR" sz="2400" dirty="0"/>
               <a:t>%’;</a:t>
             </a:r>
           </a:p>
@@ -15359,7 +16405,7 @@
               <a:buNone/>
             </a:pPr>
             <a:r>
-              <a:rPr lang="en-US" altLang="ko-KR" dirty="0" smtClean="0">
+              <a:rPr lang="en-US" altLang="ko-KR" dirty="0">
                 <a:solidFill>
                   <a:schemeClr val="bg1"/>
                 </a:solidFill>
@@ -15563,35 +16609,35 @@
               <a:buNone/>
             </a:pPr>
             <a:r>
-              <a:rPr lang="ko-KR" altLang="en-US" sz="2400" dirty="0" smtClean="0"/>
+              <a:rPr lang="ko-KR" altLang="en-US" sz="2400" dirty="0"/>
               <a:t>실습 </a:t>
             </a:r>
             <a:r>
-              <a:rPr lang="en-US" altLang="ko-KR" sz="2400" dirty="0" smtClean="0"/>
+              <a:rPr lang="en-US" altLang="ko-KR" sz="2400" dirty="0"/>
               <a:t>1. </a:t>
             </a:r>
             <a:r>
-              <a:rPr lang="ko-KR" altLang="en-US" sz="2400" dirty="0" smtClean="0"/>
+              <a:rPr lang="ko-KR" altLang="en-US" sz="2400" dirty="0"/>
               <a:t>고객관리대장 테이블의 </a:t>
             </a:r>
             <a:r>
-              <a:rPr lang="ko-KR" altLang="en-US" sz="2400" dirty="0" err="1" smtClean="0"/>
+              <a:rPr lang="ko-KR" altLang="en-US" sz="2400" dirty="0" err="1"/>
               <a:t>고객등급에</a:t>
             </a:r>
             <a:r>
-              <a:rPr lang="ko-KR" altLang="en-US" sz="2400" dirty="0" smtClean="0"/>
+              <a:rPr lang="ko-KR" altLang="en-US" sz="2400" dirty="0"/>
               <a:t> </a:t>
             </a:r>
             <a:r>
-              <a:rPr lang="en-US" altLang="ko-KR" sz="2400" dirty="0" smtClean="0"/>
+              <a:rPr lang="en-US" altLang="ko-KR" sz="2400" dirty="0"/>
               <a:t>VIP</a:t>
             </a:r>
             <a:r>
-              <a:rPr lang="ko-KR" altLang="en-US" sz="2400" dirty="0" smtClean="0"/>
+              <a:rPr lang="ko-KR" altLang="en-US" sz="2400" dirty="0"/>
               <a:t>인 사람의 이름과 등급을 모두 출력 하시오</a:t>
             </a:r>
             <a:r>
-              <a:rPr lang="en-US" altLang="ko-KR" sz="2400" dirty="0" smtClean="0"/>
+              <a:rPr lang="en-US" altLang="ko-KR" sz="2400" dirty="0"/>
               <a:t>.</a:t>
             </a:r>
           </a:p>
@@ -15608,23 +16654,23 @@
               <a:buNone/>
             </a:pPr>
             <a:r>
-              <a:rPr lang="ko-KR" altLang="en-US" sz="2400" dirty="0" smtClean="0"/>
+              <a:rPr lang="ko-KR" altLang="en-US" sz="2400" dirty="0"/>
               <a:t>실습 </a:t>
             </a:r>
             <a:r>
-              <a:rPr lang="en-US" altLang="ko-KR" sz="2400" dirty="0" smtClean="0"/>
+              <a:rPr lang="en-US" altLang="ko-KR" sz="2400" dirty="0"/>
               <a:t>2. </a:t>
             </a:r>
             <a:r>
-              <a:rPr lang="ko-KR" altLang="en-US" sz="2400" dirty="0" smtClean="0"/>
+              <a:rPr lang="ko-KR" altLang="en-US" sz="2400" dirty="0"/>
               <a:t>고객관리대장 테이블의 연락처에 </a:t>
             </a:r>
             <a:r>
-              <a:rPr lang="en-US" altLang="ko-KR" sz="2400" dirty="0" smtClean="0"/>
+              <a:rPr lang="en-US" altLang="ko-KR" sz="2400" dirty="0"/>
               <a:t>11</a:t>
             </a:r>
             <a:r>
-              <a:rPr lang="ko-KR" altLang="en-US" sz="2400" dirty="0" smtClean="0"/>
+              <a:rPr lang="ko-KR" altLang="en-US" sz="2400" dirty="0"/>
               <a:t>이 포함된 사람의 이름과</a:t>
             </a:r>
             <a:r>
@@ -15632,10 +16678,10 @@
               <a:t> </a:t>
             </a:r>
             <a:r>
-              <a:rPr lang="ko-KR" altLang="en-US" sz="2400" dirty="0" smtClean="0"/>
+              <a:rPr lang="ko-KR" altLang="en-US" sz="2400" dirty="0"/>
               <a:t>연락처를 모두 출력 하시오</a:t>
             </a:r>
-            <a:endParaRPr lang="en-US" altLang="ko-KR" sz="2400" dirty="0" smtClean="0"/>
+            <a:endParaRPr lang="en-US" altLang="ko-KR" sz="2400" dirty="0"/>
           </a:p>
           <a:p>
             <a:pPr marL="0" indent="0">
@@ -15650,50 +16696,50 @@
               <a:buNone/>
             </a:pPr>
             <a:r>
-              <a:rPr lang="ko-KR" altLang="en-US" sz="2400" dirty="0" smtClean="0"/>
+              <a:rPr lang="ko-KR" altLang="en-US" sz="2400" dirty="0"/>
               <a:t>실습 </a:t>
             </a:r>
             <a:r>
-              <a:rPr lang="en-US" altLang="ko-KR" sz="2400" dirty="0" smtClean="0"/>
+              <a:rPr lang="en-US" altLang="ko-KR" sz="2400" dirty="0"/>
               <a:t>3. </a:t>
             </a:r>
             <a:r>
-              <a:rPr lang="ko-KR" altLang="en-US" sz="2400" dirty="0" smtClean="0"/>
+              <a:rPr lang="ko-KR" altLang="en-US" sz="2400" dirty="0"/>
               <a:t>우편번호가 </a:t>
             </a:r>
             <a:r>
-              <a:rPr lang="en-US" altLang="ko-KR" sz="2400" dirty="0" smtClean="0"/>
+              <a:rPr lang="en-US" altLang="ko-KR" sz="2400" dirty="0"/>
               <a:t>8</a:t>
             </a:r>
             <a:r>
-              <a:rPr lang="ko-KR" altLang="en-US" sz="2400" dirty="0" smtClean="0"/>
+              <a:rPr lang="ko-KR" altLang="en-US" sz="2400" dirty="0"/>
               <a:t>로 시작하는 사람들의 고객관리번호</a:t>
             </a:r>
             <a:r>
-              <a:rPr lang="en-US" altLang="ko-KR" sz="2400" dirty="0" smtClean="0"/>
+              <a:rPr lang="en-US" altLang="ko-KR" sz="2400" dirty="0"/>
               <a:t>, </a:t>
             </a:r>
             <a:r>
-              <a:rPr lang="ko-KR" altLang="en-US" sz="2400" dirty="0" err="1" smtClean="0"/>
+              <a:rPr lang="ko-KR" altLang="en-US" sz="2400" dirty="0" err="1"/>
               <a:t>고객이름</a:t>
             </a:r>
             <a:r>
-              <a:rPr lang="en-US" altLang="ko-KR" sz="2400" dirty="0" smtClean="0"/>
+              <a:rPr lang="en-US" altLang="ko-KR" sz="2400" dirty="0"/>
               <a:t>, </a:t>
             </a:r>
             <a:r>
-              <a:rPr lang="ko-KR" altLang="en-US" sz="2400" dirty="0" smtClean="0"/>
+              <a:rPr lang="ko-KR" altLang="en-US" sz="2400" dirty="0"/>
               <a:t>우편번호</a:t>
             </a:r>
             <a:r>
-              <a:rPr lang="en-US" altLang="ko-KR" sz="2400" dirty="0" smtClean="0"/>
+              <a:rPr lang="en-US" altLang="ko-KR" sz="2400" dirty="0"/>
               <a:t>, </a:t>
             </a:r>
             <a:r>
-              <a:rPr lang="ko-KR" altLang="en-US" sz="2400" dirty="0" smtClean="0"/>
+              <a:rPr lang="ko-KR" altLang="en-US" sz="2400" dirty="0"/>
               <a:t>나이를 출력 하시오</a:t>
             </a:r>
-            <a:endParaRPr lang="en-US" altLang="ko-KR" sz="2400" dirty="0" smtClean="0"/>
+            <a:endParaRPr lang="en-US" altLang="ko-KR" sz="2400" dirty="0"/>
           </a:p>
           <a:p>
             <a:pPr marL="0" indent="0">
@@ -15708,47 +16754,47 @@
               <a:buNone/>
             </a:pPr>
             <a:r>
-              <a:rPr lang="ko-KR" altLang="en-US" sz="2400" dirty="0" smtClean="0"/>
+              <a:rPr lang="ko-KR" altLang="en-US" sz="2400" dirty="0"/>
               <a:t>실습 </a:t>
             </a:r>
             <a:r>
-              <a:rPr lang="en-US" altLang="ko-KR" sz="2400" dirty="0" smtClean="0"/>
+              <a:rPr lang="en-US" altLang="ko-KR" sz="2400" dirty="0"/>
               <a:t>4. </a:t>
             </a:r>
             <a:r>
-              <a:rPr lang="ko-KR" altLang="en-US" sz="2400" dirty="0" smtClean="0"/>
+              <a:rPr lang="ko-KR" altLang="en-US" sz="2400" dirty="0"/>
               <a:t>나이가 </a:t>
             </a:r>
             <a:r>
-              <a:rPr lang="en-US" altLang="ko-KR" sz="2400" dirty="0" smtClean="0"/>
+              <a:rPr lang="en-US" altLang="ko-KR" sz="2400" dirty="0"/>
               <a:t>30</a:t>
             </a:r>
             <a:r>
-              <a:rPr lang="ko-KR" altLang="en-US" sz="2400" dirty="0" smtClean="0"/>
+              <a:rPr lang="ko-KR" altLang="en-US" sz="2400" dirty="0"/>
               <a:t>세 미만의 </a:t>
             </a:r>
             <a:r>
-              <a:rPr lang="ko-KR" altLang="en-US" sz="2400" dirty="0" err="1" smtClean="0"/>
+              <a:rPr lang="ko-KR" altLang="en-US" sz="2400" dirty="0" err="1"/>
               <a:t>고객이름과</a:t>
             </a:r>
             <a:r>
-              <a:rPr lang="ko-KR" altLang="en-US" sz="2400" dirty="0" smtClean="0"/>
+              <a:rPr lang="ko-KR" altLang="en-US" sz="2400" dirty="0"/>
               <a:t> </a:t>
             </a:r>
             <a:r>
-              <a:rPr lang="ko-KR" altLang="en-US" sz="2400" dirty="0" err="1" smtClean="0"/>
+              <a:rPr lang="ko-KR" altLang="en-US" sz="2400" dirty="0" err="1"/>
               <a:t>고객등급</a:t>
             </a:r>
             <a:r>
-              <a:rPr lang="en-US" altLang="ko-KR" sz="2400" dirty="0" smtClean="0"/>
+              <a:rPr lang="en-US" altLang="ko-KR" sz="2400" dirty="0"/>
               <a:t>, </a:t>
             </a:r>
             <a:r>
-              <a:rPr lang="ko-KR" altLang="en-US" sz="2400" dirty="0" smtClean="0"/>
+              <a:rPr lang="ko-KR" altLang="en-US" sz="2400" dirty="0"/>
               <a:t>나이를 모두 출력 하시오</a:t>
             </a:r>
             <a:r>
-              <a:rPr lang="en-US" altLang="ko-KR" sz="2400" dirty="0" smtClean="0"/>
+              <a:rPr lang="en-US" altLang="ko-KR" sz="2400" dirty="0"/>
               <a:t>.</a:t>
             </a:r>
           </a:p>
@@ -15758,7 +16804,7 @@
               <a:buNone/>
             </a:pPr>
             <a:r>
-              <a:rPr lang="en-US" altLang="ko-KR" sz="2400" dirty="0" smtClean="0"/>
+              <a:rPr lang="en-US" altLang="ko-KR" sz="2400" dirty="0"/>
               <a:t> </a:t>
             </a:r>
           </a:p>

--- a/database/6강 SQL Select Union.pptx
+++ b/database/6강 SQL Select Union.pptx
@@ -331,7 +331,7 @@
                 </a:solidFill>
               </a:rPr>
               <a:pPr/>
-              <a:t>2022-06-01</a:t>
+              <a:t>2022-06-02</a:t>
             </a:fld>
             <a:endParaRPr lang="ko-KR" altLang="en-US">
               <a:solidFill>
@@ -561,7 +561,7 @@
                 </a:solidFill>
               </a:rPr>
               <a:pPr/>
-              <a:t>2022-06-01</a:t>
+              <a:t>2022-06-02</a:t>
             </a:fld>
             <a:endParaRPr lang="ko-KR" altLang="en-US">
               <a:solidFill>
@@ -801,7 +801,7 @@
                 </a:solidFill>
               </a:rPr>
               <a:pPr/>
-              <a:t>2022-06-01</a:t>
+              <a:t>2022-06-02</a:t>
             </a:fld>
             <a:endParaRPr lang="ko-KR" altLang="en-US">
               <a:solidFill>
@@ -1033,7 +1033,7 @@
                 <a:latin typeface="맑은 고딕" charset="0"/>
                 <a:ea typeface="맑은 고딕" charset="0"/>
               </a:rPr>
-              <a:t>2022-06-01</a:t>
+              <a:t>2022-06-02</a:t>
             </a:fld>
             <a:endParaRPr lang="ko-KR" altLang="en-US">
               <a:solidFill>
@@ -1312,7 +1312,7 @@
                 <a:latin typeface="맑은 고딕" charset="0"/>
                 <a:ea typeface="맑은 고딕" charset="0"/>
               </a:rPr>
-              <a:t>2022-06-01</a:t>
+              <a:t>2022-06-02</a:t>
             </a:fld>
             <a:endParaRPr lang="ko-KR" altLang="en-US">
               <a:solidFill>
@@ -1554,7 +1554,7 @@
                 <a:latin typeface="맑은 고딕" charset="0"/>
                 <a:ea typeface="맑은 고딕" charset="0"/>
               </a:rPr>
-              <a:t>2022-06-01</a:t>
+              <a:t>2022-06-02</a:t>
             </a:fld>
             <a:endParaRPr lang="ko-KR" altLang="en-US">
               <a:solidFill>
@@ -1909,7 +1909,7 @@
                 <a:latin typeface="맑은 고딕" charset="0"/>
                 <a:ea typeface="맑은 고딕" charset="0"/>
               </a:rPr>
-              <a:t>2022-06-01</a:t>
+              <a:t>2022-06-02</a:t>
             </a:fld>
             <a:endParaRPr lang="ko-KR" altLang="en-US">
               <a:solidFill>
@@ -2342,7 +2342,7 @@
                 <a:latin typeface="맑은 고딕" charset="0"/>
                 <a:ea typeface="맑은 고딕" charset="0"/>
               </a:rPr>
-              <a:t>2022-06-01</a:t>
+              <a:t>2022-06-02</a:t>
             </a:fld>
             <a:endParaRPr lang="ko-KR" altLang="en-US">
               <a:solidFill>
@@ -2545,7 +2545,7 @@
                 <a:latin typeface="맑은 고딕" charset="0"/>
                 <a:ea typeface="맑은 고딕" charset="0"/>
               </a:rPr>
-              <a:t>2022-06-01</a:t>
+              <a:t>2022-06-02</a:t>
             </a:fld>
             <a:endParaRPr lang="ko-KR" altLang="en-US">
               <a:solidFill>
@@ -2709,7 +2709,7 @@
                 <a:latin typeface="맑은 고딕" charset="0"/>
                 <a:ea typeface="맑은 고딕" charset="0"/>
               </a:rPr>
-              <a:t>2022-06-01</a:t>
+              <a:t>2022-06-02</a:t>
             </a:fld>
             <a:endParaRPr lang="ko-KR" altLang="en-US">
               <a:solidFill>
@@ -3027,7 +3027,7 @@
                 <a:latin typeface="맑은 고딕" charset="0"/>
                 <a:ea typeface="맑은 고딕" charset="0"/>
               </a:rPr>
-              <a:t>2022-06-01</a:t>
+              <a:t>2022-06-02</a:t>
             </a:fld>
             <a:endParaRPr lang="ko-KR" altLang="en-US">
               <a:solidFill>
@@ -3267,7 +3267,7 @@
                 </a:solidFill>
               </a:rPr>
               <a:pPr/>
-              <a:t>2022-06-01</a:t>
+              <a:t>2022-06-02</a:t>
             </a:fld>
             <a:endParaRPr lang="ko-KR" altLang="en-US">
               <a:solidFill>
@@ -3519,7 +3519,7 @@
                 <a:latin typeface="맑은 고딕" charset="0"/>
                 <a:ea typeface="맑은 고딕" charset="0"/>
               </a:rPr>
-              <a:t>2022-06-01</a:t>
+              <a:t>2022-06-02</a:t>
             </a:fld>
             <a:endParaRPr lang="ko-KR" altLang="en-US">
               <a:solidFill>
@@ -3798,7 +3798,7 @@
                 <a:latin typeface="맑은 고딕" charset="0"/>
                 <a:ea typeface="맑은 고딕" charset="0"/>
               </a:rPr>
-              <a:t>2022-06-01</a:t>
+              <a:t>2022-06-02</a:t>
             </a:fld>
             <a:endParaRPr lang="ko-KR" altLang="en-US">
               <a:solidFill>
@@ -4077,7 +4077,7 @@
                 <a:latin typeface="맑은 고딕" charset="0"/>
                 <a:ea typeface="맑은 고딕" charset="0"/>
               </a:rPr>
-              <a:t>2022-06-01</a:t>
+              <a:t>2022-06-02</a:t>
             </a:fld>
             <a:endParaRPr lang="ko-KR" altLang="en-US">
               <a:solidFill>
@@ -4394,7 +4394,7 @@
                 </a:solidFill>
               </a:rPr>
               <a:pPr/>
-              <a:t>2022-06-01</a:t>
+              <a:t>2022-06-02</a:t>
             </a:fld>
             <a:endParaRPr lang="ko-KR" altLang="en-US">
               <a:solidFill>
@@ -4691,7 +4691,7 @@
                 </a:solidFill>
               </a:rPr>
               <a:pPr/>
-              <a:t>2022-06-01</a:t>
+              <a:t>2022-06-02</a:t>
             </a:fld>
             <a:endParaRPr lang="ko-KR" altLang="en-US">
               <a:solidFill>
@@ -5135,7 +5135,7 @@
                 </a:solidFill>
               </a:rPr>
               <a:pPr/>
-              <a:t>2022-06-01</a:t>
+              <a:t>2022-06-02</a:t>
             </a:fld>
             <a:endParaRPr lang="ko-KR" altLang="en-US">
               <a:solidFill>
@@ -5308,7 +5308,7 @@
                 </a:solidFill>
               </a:rPr>
               <a:pPr/>
-              <a:t>2022-06-01</a:t>
+              <a:t>2022-06-02</a:t>
             </a:fld>
             <a:endParaRPr lang="ko-KR" altLang="en-US">
               <a:solidFill>
@@ -5453,7 +5453,7 @@
                 </a:solidFill>
               </a:rPr>
               <a:pPr/>
-              <a:t>2022-06-01</a:t>
+              <a:t>2022-06-02</a:t>
             </a:fld>
             <a:endParaRPr lang="ko-KR" altLang="en-US">
               <a:solidFill>
@@ -6822,7 +6822,7 @@
                 </a:solidFill>
               </a:rPr>
               <a:pPr/>
-              <a:t>2022-06-01</a:t>
+              <a:t>2022-06-02</a:t>
             </a:fld>
             <a:endParaRPr lang="ko-KR" altLang="en-US">
               <a:solidFill>
@@ -7142,7 +7142,7 @@
                 </a:solidFill>
               </a:rPr>
               <a:pPr/>
-              <a:t>2022-06-01</a:t>
+              <a:t>2022-06-02</a:t>
             </a:fld>
             <a:endParaRPr lang="ko-KR" altLang="en-US">
               <a:solidFill>
@@ -7415,7 +7415,7 @@
                 </a:solidFill>
               </a:rPr>
               <a:pPr/>
-              <a:t>2022-06-01</a:t>
+              <a:t>2022-06-02</a:t>
             </a:fld>
             <a:endParaRPr lang="ko-KR" altLang="en-US">
               <a:solidFill>
@@ -8016,7 +8016,7 @@
                 <a:latin typeface="맑은 고딕" charset="0"/>
                 <a:ea typeface="맑은 고딕" charset="0"/>
               </a:rPr>
-              <a:t>2022-06-01</a:t>
+              <a:t>2022-06-02</a:t>
             </a:fld>
             <a:endParaRPr lang="ko-KR" altLang="en-US">
               <a:solidFill>
@@ -8287,6 +8287,13 @@
   <p:clrMapOvr>
     <a:masterClrMapping/>
   </p:clrMapOvr>
+  <p:timing>
+    <p:tnLst>
+      <p:par>
+        <p:cTn id="1" dur="indefinite" restart="never" nodeType="tmRoot"/>
+      </p:par>
+    </p:tnLst>
+  </p:timing>
 </p:sld>
 </file>
 
@@ -8759,6 +8766,13 @@
   <p:clrMapOvr>
     <a:masterClrMapping/>
   </p:clrMapOvr>
+  <p:timing>
+    <p:tnLst>
+      <p:par>
+        <p:cTn id="1" dur="indefinite" restart="never" nodeType="tmRoot"/>
+      </p:par>
+    </p:tnLst>
+  </p:timing>
 </p:sld>
 </file>
 
@@ -9194,8 +9208,8 @@
         </p:blipFill>
         <p:spPr>
           <a:xfrm>
-            <a:off x="5054138" y="3774356"/>
-            <a:ext cx="6101368" cy="2847835"/>
+            <a:off x="638167" y="1713186"/>
+            <a:ext cx="10517339" cy="4909005"/>
           </a:xfrm>
           <a:prstGeom prst="rect">
             <a:avLst/>
@@ -9212,6 +9226,13 @@
   <p:clrMapOvr>
     <a:masterClrMapping/>
   </p:clrMapOvr>
+  <p:timing>
+    <p:tnLst>
+      <p:par>
+        <p:cTn id="1" dur="indefinite" restart="never" nodeType="tmRoot"/>
+      </p:par>
+    </p:tnLst>
+  </p:timing>
 </p:sld>
 </file>
 
@@ -9654,8 +9675,8 @@
         </p:blipFill>
         <p:spPr>
           <a:xfrm>
-            <a:off x="856044" y="4502154"/>
-            <a:ext cx="7354326" cy="2010056"/>
+            <a:off x="765868" y="2606566"/>
+            <a:ext cx="11559544" cy="3159410"/>
           </a:xfrm>
           <a:prstGeom prst="rect">
             <a:avLst/>
@@ -9672,6 +9693,13 @@
   <p:clrMapOvr>
     <a:masterClrMapping/>
   </p:clrMapOvr>
+  <p:timing>
+    <p:tnLst>
+      <p:par>
+        <p:cTn id="1" dur="indefinite" restart="never" nodeType="tmRoot"/>
+      </p:par>
+    </p:tnLst>
+  </p:timing>
 </p:sld>
 </file>
 
@@ -10090,6 +10118,13 @@
   <p:clrMapOvr>
     <a:masterClrMapping/>
   </p:clrMapOvr>
+  <p:timing>
+    <p:tnLst>
+      <p:par>
+        <p:cTn id="1" dur="indefinite" restart="never" nodeType="tmRoot"/>
+      </p:par>
+    </p:tnLst>
+  </p:timing>
 </p:sld>
 </file>
 
@@ -10508,6 +10543,13 @@
   <p:clrMapOvr>
     <a:masterClrMapping/>
   </p:clrMapOvr>
+  <p:timing>
+    <p:tnLst>
+      <p:par>
+        <p:cTn id="1" dur="indefinite" restart="never" nodeType="tmRoot"/>
+      </p:par>
+    </p:tnLst>
+  </p:timing>
 </p:sld>
 </file>
 
@@ -10946,6 +10988,13 @@
   <p:clrMapOvr>
     <a:masterClrMapping/>
   </p:clrMapOvr>
+  <p:timing>
+    <p:tnLst>
+      <p:par>
+        <p:cTn id="1" dur="indefinite" restart="never" nodeType="tmRoot"/>
+      </p:par>
+    </p:tnLst>
+  </p:timing>
 </p:sld>
 </file>
 
@@ -11233,12 +11282,12 @@
               <a:t>, </a:t>
             </a:r>
             <a:r>
-              <a:rPr lang="ko-KR" altLang="en-US" sz="2400" dirty="0"/>
+              <a:rPr lang="ko-KR" altLang="en-US" sz="2400" dirty="0" smtClean="0"/>
               <a:t>상품권</a:t>
             </a:r>
             <a:r>
-              <a:rPr lang="en-US" altLang="ko-KR" sz="2400" dirty="0"/>
-              <a:t>, </a:t>
+              <a:rPr lang="en-US" altLang="ko-KR" sz="2400" dirty="0" smtClean="0"/>
+              <a:t> </a:t>
             </a:r>
             <a:r>
               <a:rPr lang="ko-KR" altLang="en-US" sz="2400" dirty="0" err="1"/>
@@ -11440,6 +11489,13 @@
   <p:clrMapOvr>
     <a:masterClrMapping/>
   </p:clrMapOvr>
+  <p:timing>
+    <p:tnLst>
+      <p:par>
+        <p:cTn id="1" dur="indefinite" restart="never" nodeType="tmRoot"/>
+      </p:par>
+    </p:tnLst>
+  </p:timing>
 </p:sld>
 </file>
 
@@ -11903,6 +11959,13 @@
   <p:clrMapOvr>
     <a:masterClrMapping/>
   </p:clrMapOvr>
+  <p:timing>
+    <p:tnLst>
+      <p:par>
+        <p:cTn id="1" dur="indefinite" restart="never" nodeType="tmRoot"/>
+      </p:par>
+    </p:tnLst>
+  </p:timing>
 </p:sld>
 </file>
 
@@ -12346,8 +12409,8 @@
         </p:blipFill>
         <p:spPr>
           <a:xfrm>
-            <a:off x="4664231" y="2198005"/>
-            <a:ext cx="2314898" cy="3991532"/>
+            <a:off x="4664230" y="349930"/>
+            <a:ext cx="3923709" cy="6765573"/>
           </a:xfrm>
           <a:prstGeom prst="rect">
             <a:avLst/>
@@ -12364,6 +12427,13 @@
   <p:clrMapOvr>
     <a:masterClrMapping/>
   </p:clrMapOvr>
+  <p:timing>
+    <p:tnLst>
+      <p:par>
+        <p:cTn id="1" dur="indefinite" restart="never" nodeType="tmRoot"/>
+      </p:par>
+    </p:tnLst>
+  </p:timing>
 </p:sld>
 </file>
 
@@ -12813,6 +12883,13 @@
   <p:clrMapOvr>
     <a:masterClrMapping/>
   </p:clrMapOvr>
+  <p:timing>
+    <p:tnLst>
+      <p:par>
+        <p:cTn id="1" dur="indefinite" restart="never" nodeType="tmRoot"/>
+      </p:par>
+    </p:tnLst>
+  </p:timing>
 </p:sld>
 </file>
 
@@ -13141,6 +13218,13 @@
   <p:clrMapOvr>
     <a:masterClrMapping/>
   </p:clrMapOvr>
+  <p:timing>
+    <p:tnLst>
+      <p:par>
+        <p:cTn id="1" dur="indefinite" restart="never" nodeType="tmRoot"/>
+      </p:par>
+    </p:tnLst>
+  </p:timing>
 </p:sld>
 </file>
 
@@ -13596,8 +13680,8 @@
         </p:blipFill>
         <p:spPr>
           <a:xfrm>
-            <a:off x="4384675" y="2033587"/>
-            <a:ext cx="2762250" cy="4467225"/>
+            <a:off x="5214993" y="308347"/>
+            <a:ext cx="4244318" cy="6864087"/>
           </a:xfrm>
           <a:prstGeom prst="rect">
             <a:avLst/>
@@ -13614,6 +13698,13 @@
   <p:clrMapOvr>
     <a:masterClrMapping/>
   </p:clrMapOvr>
+  <p:timing>
+    <p:tnLst>
+      <p:par>
+        <p:cTn id="1" dur="indefinite" restart="never" nodeType="tmRoot"/>
+      </p:par>
+    </p:tnLst>
+  </p:timing>
 </p:sld>
 </file>
 
@@ -13893,11 +13984,11 @@
               <a:t>, </a:t>
             </a:r>
             <a:r>
-              <a:rPr lang="en-US" altLang="ko-KR" sz="2400" dirty="0" err="1"/>
-              <a:t>c_name</a:t>
-            </a:r>
-            <a:r>
-              <a:rPr lang="en-US" altLang="ko-KR" sz="2400" dirty="0"/>
+              <a:rPr lang="en-US" altLang="ko-KR" sz="2400" dirty="0" err="1" smtClean="0"/>
+              <a:t>issue_date</a:t>
+            </a:r>
+            <a:r>
+              <a:rPr lang="en-US" altLang="ko-KR" sz="2400" dirty="0" smtClean="0"/>
               <a:t> </a:t>
             </a:r>
             <a:r>
@@ -13930,7 +14021,6 @@
           </a:p>
           <a:p>
             <a:pPr marL="0" indent="0">
-              <a:buFont typeface="Arial" panose="020B0604020202020204" pitchFamily="34" charset="0"/>
               <a:buNone/>
             </a:pPr>
             <a:r>
@@ -13955,7 +14045,7 @@
             </a:r>
             <a:r>
               <a:rPr lang="en-US" altLang="ko-KR" sz="2400" dirty="0" err="1"/>
-              <a:t>c_name</a:t>
+              <a:t>issue_date</a:t>
             </a:r>
             <a:r>
               <a:rPr lang="en-US" altLang="ko-KR" sz="2400" dirty="0"/>
@@ -14059,6 +14149,13 @@
   <p:clrMapOvr>
     <a:masterClrMapping/>
   </p:clrMapOvr>
+  <p:timing>
+    <p:tnLst>
+      <p:par>
+        <p:cTn id="1" dur="indefinite" restart="never" nodeType="tmRoot"/>
+      </p:par>
+    </p:tnLst>
+  </p:timing>
 </p:sld>
 </file>
 
@@ -14392,6 +14489,13 @@
   <p:clrMapOvr>
     <a:masterClrMapping/>
   </p:clrMapOvr>
+  <p:timing>
+    <p:tnLst>
+      <p:par>
+        <p:cTn id="1" dur="indefinite" restart="never" nodeType="tmRoot"/>
+      </p:par>
+    </p:tnLst>
+  </p:timing>
 </p:sld>
 </file>
 
@@ -14749,6 +14853,13 @@
   <p:clrMapOvr>
     <a:masterClrMapping/>
   </p:clrMapOvr>
+  <p:timing>
+    <p:tnLst>
+      <p:par>
+        <p:cTn id="1" dur="indefinite" restart="never" nodeType="tmRoot"/>
+      </p:par>
+    </p:tnLst>
+  </p:timing>
 </p:sld>
 </file>
 
@@ -15152,6 +15263,13 @@
   <p:clrMapOvr>
     <a:masterClrMapping/>
   </p:clrMapOvr>
+  <p:timing>
+    <p:tnLst>
+      <p:par>
+        <p:cTn id="1" dur="indefinite" restart="never" nodeType="tmRoot"/>
+      </p:par>
+    </p:tnLst>
+  </p:timing>
 </p:sld>
 </file>
 
@@ -15555,6 +15673,13 @@
   <p:clrMapOvr>
     <a:masterClrMapping/>
   </p:clrMapOvr>
+  <p:timing>
+    <p:tnLst>
+      <p:par>
+        <p:cTn id="1" dur="indefinite" restart="never" nodeType="tmRoot"/>
+      </p:par>
+    </p:tnLst>
+  </p:timing>
 </p:sld>
 </file>
 
@@ -15958,6 +16083,13 @@
   <p:clrMapOvr>
     <a:masterClrMapping/>
   </p:clrMapOvr>
+  <p:timing>
+    <p:tnLst>
+      <p:par>
+        <p:cTn id="1" dur="indefinite" restart="never" nodeType="tmRoot"/>
+      </p:par>
+    </p:tnLst>
+  </p:timing>
 </p:sld>
 </file>
 
@@ -16350,6 +16482,13 @@
   <p:clrMapOvr>
     <a:masterClrMapping/>
   </p:clrMapOvr>
+  <p:timing>
+    <p:tnLst>
+      <p:par>
+        <p:cTn id="1" dur="indefinite" restart="never" nodeType="tmRoot"/>
+      </p:par>
+    </p:tnLst>
+  </p:timing>
 </p:sld>
 </file>
 
@@ -16820,6 +16959,13 @@
   <p:clrMapOvr>
     <a:masterClrMapping/>
   </p:clrMapOvr>
+  <p:timing>
+    <p:tnLst>
+      <p:par>
+        <p:cTn id="1" dur="indefinite" restart="never" nodeType="tmRoot"/>
+      </p:par>
+    </p:tnLst>
+  </p:timing>
 </p:sld>
 </file>
 
